--- a/examples/tutorial-slides.pptx
+++ b/examples/tutorial-slides.pptx
@@ -544,110 +544,6 @@
           <a:bodyPr/>
           <a:lstStyle/>
           <a:p>
-            <a:pPr marL="0" marR="0" indent="0" algn="l" defTabSz="457200" rtl="0" eaLnBrk="1" fontAlgn="auto" latinLnBrk="0" hangingPunct="1">
-              <a:lnSpc>
-                <a:spcPct val="100000"/>
-              </a:lnSpc>
-              <a:spcBef>
-                <a:spcPts val="0"/>
-              </a:spcBef>
-              <a:spcAft>
-                <a:spcPts val="0"/>
-              </a:spcAft>
-              <a:buClrTx/>
-              <a:buSzTx/>
-              <a:buFontTx/>
-              <a:buNone/>
-              <a:tabLst/>
-              <a:defRPr/>
-            </a:pPr>
-            <a:r>
-              <a:rPr lang="en-US" dirty="0"/>
-              <a:t>Here is an example extracted from the </a:t>
-            </a:r>
-            <a:r>
-              <a:rPr lang="en-US" dirty="0" err="1"/>
-              <a:t>Affero</a:t>
-            </a:r>
-            <a:r>
-              <a:rPr lang="en-US" dirty="0"/>
-              <a:t> General Public License. From this particular text, we identify several rights</a:t>
-            </a:r>
-            <a:r>
-              <a:rPr lang="en-US" baseline="0" dirty="0"/>
-              <a:t> and we have several pre-conditions.</a:t>
-            </a:r>
-            <a:endParaRPr lang="en-US" dirty="0"/>
-          </a:p>
-          <a:p>
-            <a:pPr marL="0" marR="0" indent="0" algn="l" defTabSz="457200" rtl="0" eaLnBrk="1" fontAlgn="auto" latinLnBrk="0" hangingPunct="1">
-              <a:lnSpc>
-                <a:spcPct val="100000"/>
-              </a:lnSpc>
-              <a:spcBef>
-                <a:spcPts val="0"/>
-              </a:spcBef>
-              <a:spcAft>
-                <a:spcPts val="0"/>
-              </a:spcAft>
-              <a:buClrTx/>
-              <a:buSzTx/>
-              <a:buFontTx/>
-              <a:buNone/>
-              <a:tabLst/>
-              <a:defRPr/>
-            </a:pPr>
-            <a:endParaRPr lang="en-US" dirty="0"/>
-          </a:p>
-          <a:p>
-            <a:pPr marL="0" marR="0" indent="0" algn="l" defTabSz="457200" rtl="0" eaLnBrk="1" fontAlgn="auto" latinLnBrk="0" hangingPunct="1">
-              <a:lnSpc>
-                <a:spcPct val="100000"/>
-              </a:lnSpc>
-              <a:spcBef>
-                <a:spcPts val="0"/>
-              </a:spcBef>
-              <a:spcAft>
-                <a:spcPts val="0"/>
-              </a:spcAft>
-              <a:buClrTx/>
-              <a:buSzTx/>
-              <a:buFontTx/>
-              <a:buNone/>
-              <a:tabLst/>
-              <a:defRPr/>
-            </a:pPr>
-            <a:endParaRPr lang="en-US" dirty="0"/>
-          </a:p>
-          <a:p>
-            <a:pPr marL="0" marR="0" indent="0" algn="l" defTabSz="457200" rtl="0" eaLnBrk="1" fontAlgn="auto" latinLnBrk="0" hangingPunct="1">
-              <a:lnSpc>
-                <a:spcPct val="100000"/>
-              </a:lnSpc>
-              <a:spcBef>
-                <a:spcPts val="0"/>
-              </a:spcBef>
-              <a:spcAft>
-                <a:spcPts val="0"/>
-              </a:spcAft>
-              <a:buClrTx/>
-              <a:buSzTx/>
-              <a:buFontTx/>
-              <a:buNone/>
-              <a:tabLst/>
-              <a:defRPr/>
-            </a:pPr>
-            <a:r>
-              <a:rPr lang="en-US" dirty="0"/>
-              <a:t>This shows an example of how a single legal paragraph can have varied meaning in different contexts, can have references to other parts of the text and give rise to a</a:t>
-            </a:r>
-            <a:r>
-              <a:rPr lang="en-US" baseline="0" dirty="0"/>
-              <a:t> complex scenario making it difficult to check the compliance of this statement individually.</a:t>
-            </a:r>
-            <a:endParaRPr lang="en-US" dirty="0"/>
-          </a:p>
-          <a:p>
             <a:endParaRPr lang="en-US" dirty="0"/>
           </a:p>
         </p:txBody>
@@ -732,30 +628,6 @@
           <a:bodyPr/>
           <a:lstStyle/>
           <a:p>
-            <a:r>
-              <a:rPr lang="en-US" dirty="0"/>
-              <a:t>The natural language analysis that you saw from the previous slide can be represented systematically in a Norm</a:t>
-            </a:r>
-            <a:r>
-              <a:rPr lang="en-US" baseline="0" dirty="0"/>
-              <a:t> model. We have adopted the Nomos </a:t>
-            </a:r>
-            <a:r>
-              <a:rPr lang="en-US" baseline="0" dirty="0" err="1"/>
-              <a:t>metamodel</a:t>
-            </a:r>
-            <a:r>
-              <a:rPr lang="en-US" baseline="0" dirty="0"/>
-              <a:t> that expresses the elements of a norm using a modeling notation. Based on these </a:t>
-            </a:r>
-            <a:r>
-              <a:rPr lang="en-US" baseline="0" dirty="0" err="1"/>
-              <a:t>metamodel</a:t>
-            </a:r>
-            <a:r>
-              <a:rPr lang="en-US" baseline="0" dirty="0"/>
-              <a:t>, a norm has 5 elements. The previous example can be represented in the semantic frame of the norm.</a:t>
-            </a:r>
             <a:endParaRPr lang="en-US" dirty="0"/>
           </a:p>
         </p:txBody>
@@ -787,6 +659,90 @@
     <p:extLst>
       <p:ext uri="{BB962C8B-B14F-4D97-AF65-F5344CB8AC3E}">
         <p14:creationId xmlns:p14="http://schemas.microsoft.com/office/powerpoint/2010/main" val="1203368850"/>
+      </p:ext>
+    </p:extLst>
+  </p:cSld>
+  <p:clrMapOvr>
+    <a:masterClrMapping/>
+  </p:clrMapOvr>
+</p:notes>
+</file>
+
+<file path=ppt/notesSlides/notesSlide11.xml><?xml version="1.0" encoding="utf-8"?>
+<p:notes xmlns:a="http://schemas.openxmlformats.org/drawingml/2006/main" xmlns:r="http://schemas.openxmlformats.org/officeDocument/2006/relationships" xmlns:p="http://schemas.openxmlformats.org/presentationml/2006/main">
+  <p:cSld>
+    <p:spTree>
+      <p:nvGrpSpPr>
+        <p:cNvPr id="1" name=""/>
+        <p:cNvGrpSpPr/>
+        <p:nvPr/>
+      </p:nvGrpSpPr>
+      <p:grpSpPr>
+        <a:xfrm>
+          <a:off x="0" y="0"/>
+          <a:ext cx="0" cy="0"/>
+          <a:chOff x="0" y="0"/>
+          <a:chExt cx="0" cy="0"/>
+        </a:xfrm>
+      </p:grpSpPr>
+      <p:sp>
+        <p:nvSpPr>
+          <p:cNvPr id="2" name="Slide Image Placeholder 1"/>
+          <p:cNvSpPr>
+            <a:spLocks noGrp="1" noRot="1" noChangeAspect="1"/>
+          </p:cNvSpPr>
+          <p:nvPr>
+            <p:ph type="sldImg"/>
+          </p:nvPr>
+        </p:nvSpPr>
+        <p:spPr/>
+      </p:sp>
+      <p:sp>
+        <p:nvSpPr>
+          <p:cNvPr id="3" name="Notes Placeholder 2"/>
+          <p:cNvSpPr>
+            <a:spLocks noGrp="1"/>
+          </p:cNvSpPr>
+          <p:nvPr>
+            <p:ph type="body" idx="1"/>
+          </p:nvPr>
+        </p:nvSpPr>
+        <p:spPr/>
+        <p:txBody>
+          <a:bodyPr/>
+          <a:lstStyle/>
+          <a:p>
+            <a:endParaRPr lang="en-US" dirty="0"/>
+          </a:p>
+        </p:txBody>
+      </p:sp>
+      <p:sp>
+        <p:nvSpPr>
+          <p:cNvPr id="4" name="Slide Number Placeholder 3"/>
+          <p:cNvSpPr>
+            <a:spLocks noGrp="1"/>
+          </p:cNvSpPr>
+          <p:nvPr>
+            <p:ph type="sldNum" sz="quarter" idx="10"/>
+          </p:nvPr>
+        </p:nvSpPr>
+        <p:spPr/>
+        <p:txBody>
+          <a:bodyPr/>
+          <a:lstStyle/>
+          <a:p>
+            <a:fld id="{752525C3-8E80-4947-BEA5-AFCBD3DD9540}" type="slidenum">
+              <a:rPr lang="en-US" smtClean="0"/>
+              <a:t>12</a:t>
+            </a:fld>
+            <a:endParaRPr lang="en-US"/>
+          </a:p>
+        </p:txBody>
+      </p:sp>
+    </p:spTree>
+    <p:extLst>
+      <p:ext uri="{BB962C8B-B14F-4D97-AF65-F5344CB8AC3E}">
+        <p14:creationId xmlns:p14="http://schemas.microsoft.com/office/powerpoint/2010/main" val="982066726"/>
       </p:ext>
     </p:extLst>
   </p:cSld>
@@ -839,110 +795,6 @@
         <p:txBody>
           <a:bodyPr/>
           <a:lstStyle/>
-          <a:p>
-            <a:pPr marL="0" marR="0" indent="0" algn="l" defTabSz="457200" rtl="0" eaLnBrk="1" fontAlgn="auto" latinLnBrk="0" hangingPunct="1">
-              <a:lnSpc>
-                <a:spcPct val="100000"/>
-              </a:lnSpc>
-              <a:spcBef>
-                <a:spcPts val="0"/>
-              </a:spcBef>
-              <a:spcAft>
-                <a:spcPts val="0"/>
-              </a:spcAft>
-              <a:buClrTx/>
-              <a:buSzTx/>
-              <a:buFontTx/>
-              <a:buNone/>
-              <a:tabLst/>
-              <a:defRPr/>
-            </a:pPr>
-            <a:r>
-              <a:rPr lang="en-US" dirty="0"/>
-              <a:t>Here is an example extracted from the </a:t>
-            </a:r>
-            <a:r>
-              <a:rPr lang="en-US" dirty="0" err="1"/>
-              <a:t>Affero</a:t>
-            </a:r>
-            <a:r>
-              <a:rPr lang="en-US" dirty="0"/>
-              <a:t> General Public License. From this particular text, we identify several rights</a:t>
-            </a:r>
-            <a:r>
-              <a:rPr lang="en-US" baseline="0" dirty="0"/>
-              <a:t> and we have several pre-conditions.</a:t>
-            </a:r>
-            <a:endParaRPr lang="en-US" dirty="0"/>
-          </a:p>
-          <a:p>
-            <a:pPr marL="0" marR="0" indent="0" algn="l" defTabSz="457200" rtl="0" eaLnBrk="1" fontAlgn="auto" latinLnBrk="0" hangingPunct="1">
-              <a:lnSpc>
-                <a:spcPct val="100000"/>
-              </a:lnSpc>
-              <a:spcBef>
-                <a:spcPts val="0"/>
-              </a:spcBef>
-              <a:spcAft>
-                <a:spcPts val="0"/>
-              </a:spcAft>
-              <a:buClrTx/>
-              <a:buSzTx/>
-              <a:buFontTx/>
-              <a:buNone/>
-              <a:tabLst/>
-              <a:defRPr/>
-            </a:pPr>
-            <a:endParaRPr lang="en-US" dirty="0"/>
-          </a:p>
-          <a:p>
-            <a:pPr marL="0" marR="0" indent="0" algn="l" defTabSz="457200" rtl="0" eaLnBrk="1" fontAlgn="auto" latinLnBrk="0" hangingPunct="1">
-              <a:lnSpc>
-                <a:spcPct val="100000"/>
-              </a:lnSpc>
-              <a:spcBef>
-                <a:spcPts val="0"/>
-              </a:spcBef>
-              <a:spcAft>
-                <a:spcPts val="0"/>
-              </a:spcAft>
-              <a:buClrTx/>
-              <a:buSzTx/>
-              <a:buFontTx/>
-              <a:buNone/>
-              <a:tabLst/>
-              <a:defRPr/>
-            </a:pPr>
-            <a:endParaRPr lang="en-US" dirty="0"/>
-          </a:p>
-          <a:p>
-            <a:pPr marL="0" marR="0" indent="0" algn="l" defTabSz="457200" rtl="0" eaLnBrk="1" fontAlgn="auto" latinLnBrk="0" hangingPunct="1">
-              <a:lnSpc>
-                <a:spcPct val="100000"/>
-              </a:lnSpc>
-              <a:spcBef>
-                <a:spcPts val="0"/>
-              </a:spcBef>
-              <a:spcAft>
-                <a:spcPts val="0"/>
-              </a:spcAft>
-              <a:buClrTx/>
-              <a:buSzTx/>
-              <a:buFontTx/>
-              <a:buNone/>
-              <a:tabLst/>
-              <a:defRPr/>
-            </a:pPr>
-            <a:r>
-              <a:rPr lang="en-US" dirty="0"/>
-              <a:t>This shows an example of how a single legal paragraph can have varied meaning in different contexts, can have references to other parts of the text and give rise to a</a:t>
-            </a:r>
-            <a:r>
-              <a:rPr lang="en-US" baseline="0" dirty="0"/>
-              <a:t> complex scenario making it difficult to check the compliance of this statement individually.</a:t>
-            </a:r>
-            <a:endParaRPr lang="en-US" dirty="0"/>
-          </a:p>
           <a:p>
             <a:endParaRPr lang="en-US" dirty="0"/>
           </a:p>
@@ -1028,30 +880,6 @@
           <a:bodyPr/>
           <a:lstStyle/>
           <a:p>
-            <a:r>
-              <a:rPr lang="en-US" dirty="0"/>
-              <a:t>The natural language analysis that you saw from the previous slide can be represented systematically in a Norm</a:t>
-            </a:r>
-            <a:r>
-              <a:rPr lang="en-US" baseline="0" dirty="0"/>
-              <a:t> model. We have adopted the Nomos </a:t>
-            </a:r>
-            <a:r>
-              <a:rPr lang="en-US" baseline="0" dirty="0" err="1"/>
-              <a:t>metamodel</a:t>
-            </a:r>
-            <a:r>
-              <a:rPr lang="en-US" baseline="0" dirty="0"/>
-              <a:t> that expresses the elements of a norm using a modeling notation. Based on these </a:t>
-            </a:r>
-            <a:r>
-              <a:rPr lang="en-US" baseline="0" dirty="0" err="1"/>
-              <a:t>metamodel</a:t>
-            </a:r>
-            <a:r>
-              <a:rPr lang="en-US" baseline="0" dirty="0"/>
-              <a:t>, a norm has 5 elements. The previous example can be represented in the semantic frame of the norm.</a:t>
-            </a:r>
             <a:endParaRPr lang="en-US" dirty="0"/>
           </a:p>
         </p:txBody>
@@ -1137,50 +965,6 @@
           <a:lstStyle/>
           <a:p>
             <a:pPr lvl="0" algn="just"/>
-            <a:r>
-              <a:rPr lang="en-US" b="1" i="1" dirty="0"/>
-              <a:t>Compliance –</a:t>
-            </a:r>
-            <a:r>
-              <a:rPr lang="en-US" dirty="0"/>
-              <a:t> The norm instance applies  (i.e. AT) and is satisfied (i.e. ST)</a:t>
-            </a:r>
-          </a:p>
-          <a:p>
-            <a:pPr lvl="0" algn="just"/>
-            <a:r>
-              <a:rPr lang="en-US" b="1" i="1" dirty="0"/>
-              <a:t>Non-compliance –</a:t>
-            </a:r>
-            <a:r>
-              <a:rPr lang="en-US" dirty="0"/>
-              <a:t> The norm instance applies (i.e. AT), but is no satisfied (i.e. SF)</a:t>
-            </a:r>
-          </a:p>
-          <a:p>
-            <a:pPr lvl="0" algn="just"/>
-            <a:r>
-              <a:rPr lang="en-US" b="1" i="1" dirty="0"/>
-              <a:t>Tolerated –</a:t>
-            </a:r>
-            <a:r>
-              <a:rPr lang="en-US" dirty="0"/>
-              <a:t> The norm instance des not apply (i.e. AF) and hence there is no need to satisfy it (i.e. SU/SF)</a:t>
-            </a:r>
-          </a:p>
-          <a:p>
-            <a:pPr lvl="0" algn="just"/>
-            <a:r>
-              <a:rPr lang="en-US" b="1" i="1" dirty="0"/>
-              <a:t>Inconclusive –</a:t>
-            </a:r>
-            <a:r>
-              <a:rPr lang="en-US" dirty="0"/>
-              <a:t> It is not known if the norm instance applies (i.e. AU), and if it does, it is not known if it is satisfied (i.e. SU/SF)</a:t>
-            </a:r>
-          </a:p>
-          <a:p>
-            <a:pPr lvl="0" algn="just"/>
             <a:endParaRPr lang="en-US" dirty="0"/>
           </a:p>
         </p:txBody>
@@ -1265,30 +1049,6 @@
           <a:bodyPr/>
           <a:lstStyle/>
           <a:p>
-            <a:r>
-              <a:rPr lang="en-US" dirty="0"/>
-              <a:t>The natural language analysis that you saw from the previous slide can be represented systematically in a Norm</a:t>
-            </a:r>
-            <a:r>
-              <a:rPr lang="en-US" baseline="0" dirty="0"/>
-              <a:t> model. We have adopted the Nomos </a:t>
-            </a:r>
-            <a:r>
-              <a:rPr lang="en-US" baseline="0" dirty="0" err="1"/>
-              <a:t>metamodel</a:t>
-            </a:r>
-            <a:r>
-              <a:rPr lang="en-US" baseline="0" dirty="0"/>
-              <a:t> that expresses the elements of a norm using a modeling notation. Based on these </a:t>
-            </a:r>
-            <a:r>
-              <a:rPr lang="en-US" baseline="0" dirty="0" err="1"/>
-              <a:t>metamodel</a:t>
-            </a:r>
-            <a:r>
-              <a:rPr lang="en-US" baseline="0" dirty="0"/>
-              <a:t>, a norm has 5 elements. The previous example can be represented in the semantic frame of the norm.</a:t>
-            </a:r>
             <a:endParaRPr lang="en-US" dirty="0"/>
           </a:p>
         </p:txBody>
@@ -1457,30 +1217,6 @@
           <a:bodyPr/>
           <a:lstStyle/>
           <a:p>
-            <a:r>
-              <a:rPr lang="en-US" dirty="0"/>
-              <a:t>The natural language analysis that you saw from the previous slide can be represented systematically in a Norm</a:t>
-            </a:r>
-            <a:r>
-              <a:rPr lang="en-US" baseline="0" dirty="0"/>
-              <a:t> model. We have adopted the Nomos </a:t>
-            </a:r>
-            <a:r>
-              <a:rPr lang="en-US" baseline="0" dirty="0" err="1"/>
-              <a:t>metamodel</a:t>
-            </a:r>
-            <a:r>
-              <a:rPr lang="en-US" baseline="0" dirty="0"/>
-              <a:t> that expresses the elements of a norm using a modeling notation. Based on these </a:t>
-            </a:r>
-            <a:r>
-              <a:rPr lang="en-US" baseline="0" dirty="0" err="1"/>
-              <a:t>metamodel</a:t>
-            </a:r>
-            <a:r>
-              <a:rPr lang="en-US" baseline="0" dirty="0"/>
-              <a:t>, a norm has 5 elements. The previous example can be represented in the semantic frame of the norm.</a:t>
-            </a:r>
             <a:endParaRPr lang="en-US" dirty="0"/>
           </a:p>
         </p:txBody>
@@ -1565,30 +1301,6 @@
           <a:bodyPr/>
           <a:lstStyle/>
           <a:p>
-            <a:r>
-              <a:rPr lang="en-US" dirty="0"/>
-              <a:t>The natural language analysis that you saw from the previous slide can be represented systematically in a Norm</a:t>
-            </a:r>
-            <a:r>
-              <a:rPr lang="en-US" baseline="0" dirty="0"/>
-              <a:t> model. We have adopted the Nomos </a:t>
-            </a:r>
-            <a:r>
-              <a:rPr lang="en-US" baseline="0" dirty="0" err="1"/>
-              <a:t>metamodel</a:t>
-            </a:r>
-            <a:r>
-              <a:rPr lang="en-US" baseline="0" dirty="0"/>
-              <a:t> that expresses the elements of a norm using a modeling notation. Based on these </a:t>
-            </a:r>
-            <a:r>
-              <a:rPr lang="en-US" baseline="0" dirty="0" err="1"/>
-              <a:t>metamodel</a:t>
-            </a:r>
-            <a:r>
-              <a:rPr lang="en-US" baseline="0" dirty="0"/>
-              <a:t>, a norm has 5 elements. The previous example can be represented in the semantic frame of the norm.</a:t>
-            </a:r>
             <a:endParaRPr lang="en-US" dirty="0"/>
           </a:p>
         </p:txBody>
@@ -1673,30 +1385,6 @@
           <a:bodyPr/>
           <a:lstStyle/>
           <a:p>
-            <a:r>
-              <a:rPr lang="en-US" dirty="0"/>
-              <a:t>The natural language analysis that you saw from the previous slide can be represented systematically in a Norm</a:t>
-            </a:r>
-            <a:r>
-              <a:rPr lang="en-US" baseline="0" dirty="0"/>
-              <a:t> model. We have adopted the Nomos </a:t>
-            </a:r>
-            <a:r>
-              <a:rPr lang="en-US" baseline="0" dirty="0" err="1"/>
-              <a:t>metamodel</a:t>
-            </a:r>
-            <a:r>
-              <a:rPr lang="en-US" baseline="0" dirty="0"/>
-              <a:t> that expresses the elements of a norm using a modeling notation. Based on these </a:t>
-            </a:r>
-            <a:r>
-              <a:rPr lang="en-US" baseline="0" dirty="0" err="1"/>
-              <a:t>metamodel</a:t>
-            </a:r>
-            <a:r>
-              <a:rPr lang="en-US" baseline="0" dirty="0"/>
-              <a:t>, a norm has 5 elements. The previous example can be represented in the semantic frame of the norm.</a:t>
-            </a:r>
             <a:endParaRPr lang="en-US" dirty="0"/>
           </a:p>
         </p:txBody>
@@ -5519,7 +5207,7 @@
         <p:spPr>
           <a:xfrm>
             <a:off x="5826903" y="6173550"/>
-            <a:ext cx="1975669" cy="369332"/>
+            <a:ext cx="2561470" cy="369332"/>
           </a:xfrm>
           <a:prstGeom prst="rect">
             <a:avLst/>
@@ -5538,7 +5226,7 @@
             </a:r>
             <a:r>
               <a:rPr lang="en-US" dirty="0" smtClean="0"/>
-              <a:t>Violated!</a:t>
+              <a:t>Not Compliant!</a:t>
             </a:r>
             <a:endParaRPr lang="en-US" dirty="0"/>
           </a:p>
@@ -9436,7 +9124,6 @@
               <a:rPr lang="en-US" dirty="0" smtClean="0"/>
               <a:t>Need more information</a:t>
             </a:r>
-            <a:endParaRPr lang="en-US" dirty="0" smtClean="0"/>
           </a:p>
           <a:p>
             <a:pPr>
@@ -9607,7 +9294,6 @@
               <a:rPr lang="en-US" dirty="0" smtClean="0"/>
               <a:t>Need more information</a:t>
             </a:r>
-            <a:endParaRPr lang="en-US" dirty="0" smtClean="0"/>
           </a:p>
           <a:p>
             <a:pPr>
@@ -12378,14 +12064,14 @@
                 <a:gridCol w="3362252">
                   <a:extLst>
                     <a:ext uri="{9D8B030D-6E8A-4147-A177-3AD203B41FA5}">
-                      <a16:colId xmlns="" xmlns:a16="http://schemas.microsoft.com/office/drawing/2014/main" val="1331248463"/>
+                      <a16:colId xmlns:a16="http://schemas.microsoft.com/office/drawing/2014/main" xmlns="" val="1331248463"/>
                     </a:ext>
                   </a:extLst>
                 </a:gridCol>
                 <a:gridCol w="3362252">
                   <a:extLst>
                     <a:ext uri="{9D8B030D-6E8A-4147-A177-3AD203B41FA5}">
-                      <a16:colId xmlns="" xmlns:a16="http://schemas.microsoft.com/office/drawing/2014/main" val="2864561317"/>
+                      <a16:colId xmlns:a16="http://schemas.microsoft.com/office/drawing/2014/main" xmlns="" val="2864561317"/>
                     </a:ext>
                   </a:extLst>
                 </a:gridCol>
@@ -12455,7 +12141,7 @@
                 </a:tc>
                 <a:extLst>
                   <a:ext uri="{0D108BD9-81ED-4DB2-BD59-A6C34878D82A}">
-                    <a16:rowId xmlns="" xmlns:a16="http://schemas.microsoft.com/office/drawing/2014/main" val="1922527296"/>
+                    <a16:rowId xmlns:a16="http://schemas.microsoft.com/office/drawing/2014/main" xmlns="" val="1922527296"/>
                   </a:ext>
                 </a:extLst>
               </a:tr>
@@ -12532,7 +12218,7 @@
                 </a:tc>
                 <a:extLst>
                   <a:ext uri="{0D108BD9-81ED-4DB2-BD59-A6C34878D82A}">
-                    <a16:rowId xmlns="" xmlns:a16="http://schemas.microsoft.com/office/drawing/2014/main" val="4131541959"/>
+                    <a16:rowId xmlns:a16="http://schemas.microsoft.com/office/drawing/2014/main" xmlns="" val="4131541959"/>
                   </a:ext>
                 </a:extLst>
               </a:tr>
@@ -12625,7 +12311,7 @@
                 </a:tc>
                 <a:extLst>
                   <a:ext uri="{0D108BD9-81ED-4DB2-BD59-A6C34878D82A}">
-                    <a16:rowId xmlns="" xmlns:a16="http://schemas.microsoft.com/office/drawing/2014/main" val="1409234954"/>
+                    <a16:rowId xmlns:a16="http://schemas.microsoft.com/office/drawing/2014/main" xmlns="" val="1409234954"/>
                   </a:ext>
                 </a:extLst>
               </a:tr>
@@ -12710,7 +12396,7 @@
                 </a:tc>
                 <a:extLst>
                   <a:ext uri="{0D108BD9-81ED-4DB2-BD59-A6C34878D82A}">
-                    <a16:rowId xmlns="" xmlns:a16="http://schemas.microsoft.com/office/drawing/2014/main" val="2951945909"/>
+                    <a16:rowId xmlns:a16="http://schemas.microsoft.com/office/drawing/2014/main" xmlns="" val="2951945909"/>
                   </a:ext>
                 </a:extLst>
               </a:tr>
@@ -12803,7 +12489,7 @@
                 </a:tc>
                 <a:extLst>
                   <a:ext uri="{0D108BD9-81ED-4DB2-BD59-A6C34878D82A}">
-                    <a16:rowId xmlns="" xmlns:a16="http://schemas.microsoft.com/office/drawing/2014/main" val="309271039"/>
+                    <a16:rowId xmlns:a16="http://schemas.microsoft.com/office/drawing/2014/main" xmlns="" val="309271039"/>
                   </a:ext>
                 </a:extLst>
               </a:tr>

--- a/examples/tutorial-slides.pptx
+++ b/examples/tutorial-slides.pptx
@@ -5,7 +5,7 @@
     <p:sldMasterId id="2147483660" r:id="rId1"/>
   </p:sldMasterIdLst>
   <p:notesMasterIdLst>
-    <p:notesMasterId r:id="rId28"/>
+    <p:notesMasterId r:id="rId26"/>
   </p:notesMasterIdLst>
   <p:sldIdLst>
     <p:sldId id="256" r:id="rId2"/>
@@ -16,24 +16,22 @@
     <p:sldId id="320" r:id="rId7"/>
     <p:sldId id="322" r:id="rId8"/>
     <p:sldId id="323" r:id="rId9"/>
-    <p:sldId id="325" r:id="rId10"/>
-    <p:sldId id="324" r:id="rId11"/>
-    <p:sldId id="326" r:id="rId12"/>
-    <p:sldId id="282" r:id="rId13"/>
-    <p:sldId id="319" r:id="rId14"/>
-    <p:sldId id="318" r:id="rId15"/>
-    <p:sldId id="310" r:id="rId16"/>
-    <p:sldId id="334" r:id="rId17"/>
-    <p:sldId id="335" r:id="rId18"/>
-    <p:sldId id="336" r:id="rId19"/>
-    <p:sldId id="270" r:id="rId20"/>
-    <p:sldId id="315" r:id="rId21"/>
-    <p:sldId id="316" r:id="rId22"/>
-    <p:sldId id="314" r:id="rId23"/>
-    <p:sldId id="337" r:id="rId24"/>
-    <p:sldId id="331" r:id="rId25"/>
-    <p:sldId id="333" r:id="rId26"/>
-    <p:sldId id="332" r:id="rId27"/>
+    <p:sldId id="282" r:id="rId10"/>
+    <p:sldId id="319" r:id="rId11"/>
+    <p:sldId id="318" r:id="rId12"/>
+    <p:sldId id="310" r:id="rId13"/>
+    <p:sldId id="338" r:id="rId14"/>
+    <p:sldId id="334" r:id="rId15"/>
+    <p:sldId id="335" r:id="rId16"/>
+    <p:sldId id="336" r:id="rId17"/>
+    <p:sldId id="270" r:id="rId18"/>
+    <p:sldId id="315" r:id="rId19"/>
+    <p:sldId id="316" r:id="rId20"/>
+    <p:sldId id="314" r:id="rId21"/>
+    <p:sldId id="337" r:id="rId22"/>
+    <p:sldId id="331" r:id="rId23"/>
+    <p:sldId id="333" r:id="rId24"/>
+    <p:sldId id="332" r:id="rId25"/>
   </p:sldIdLst>
   <p:sldSz cx="9144000" cy="6858000" type="screen4x3"/>
   <p:notesSz cx="6858000" cy="9144000"/>
@@ -233,7 +231,7 @@
           <a:p>
             <a:fld id="{140A1DA2-4679-4449-8B65-3952528C409A}" type="datetimeFigureOut">
               <a:rPr lang="en-US" smtClean="0"/>
-              <a:t>7/12/17</a:t>
+              <a:t>8/14/18</a:t>
             </a:fld>
             <a:endParaRPr lang="en-US"/>
           </a:p>
@@ -584,174 +582,6 @@
 </p:notes>
 </file>
 
-<file path=ppt/notesSlides/notesSlide10.xml><?xml version="1.0" encoding="utf-8"?>
-<p:notes xmlns:a="http://schemas.openxmlformats.org/drawingml/2006/main" xmlns:r="http://schemas.openxmlformats.org/officeDocument/2006/relationships" xmlns:p="http://schemas.openxmlformats.org/presentationml/2006/main">
-  <p:cSld>
-    <p:spTree>
-      <p:nvGrpSpPr>
-        <p:cNvPr id="1" name=""/>
-        <p:cNvGrpSpPr/>
-        <p:nvPr/>
-      </p:nvGrpSpPr>
-      <p:grpSpPr>
-        <a:xfrm>
-          <a:off x="0" y="0"/>
-          <a:ext cx="0" cy="0"/>
-          <a:chOff x="0" y="0"/>
-          <a:chExt cx="0" cy="0"/>
-        </a:xfrm>
-      </p:grpSpPr>
-      <p:sp>
-        <p:nvSpPr>
-          <p:cNvPr id="2" name="Slide Image Placeholder 1"/>
-          <p:cNvSpPr>
-            <a:spLocks noGrp="1" noRot="1" noChangeAspect="1"/>
-          </p:cNvSpPr>
-          <p:nvPr>
-            <p:ph type="sldImg"/>
-          </p:nvPr>
-        </p:nvSpPr>
-        <p:spPr/>
-      </p:sp>
-      <p:sp>
-        <p:nvSpPr>
-          <p:cNvPr id="3" name="Notes Placeholder 2"/>
-          <p:cNvSpPr>
-            <a:spLocks noGrp="1"/>
-          </p:cNvSpPr>
-          <p:nvPr>
-            <p:ph type="body" idx="1"/>
-          </p:nvPr>
-        </p:nvSpPr>
-        <p:spPr/>
-        <p:txBody>
-          <a:bodyPr/>
-          <a:lstStyle/>
-          <a:p>
-            <a:endParaRPr lang="en-US" dirty="0"/>
-          </a:p>
-        </p:txBody>
-      </p:sp>
-      <p:sp>
-        <p:nvSpPr>
-          <p:cNvPr id="4" name="Slide Number Placeholder 3"/>
-          <p:cNvSpPr>
-            <a:spLocks noGrp="1"/>
-          </p:cNvSpPr>
-          <p:nvPr>
-            <p:ph type="sldNum" sz="quarter" idx="10"/>
-          </p:nvPr>
-        </p:nvSpPr>
-        <p:spPr/>
-        <p:txBody>
-          <a:bodyPr/>
-          <a:lstStyle/>
-          <a:p>
-            <a:fld id="{C264CEC3-E694-8F4D-8C24-41F96C9CCFCD}" type="slidenum">
-              <a:rPr lang="en-US" smtClean="0"/>
-              <a:t>11</a:t>
-            </a:fld>
-            <a:endParaRPr lang="en-US"/>
-          </a:p>
-        </p:txBody>
-      </p:sp>
-    </p:spTree>
-    <p:extLst>
-      <p:ext uri="{BB962C8B-B14F-4D97-AF65-F5344CB8AC3E}">
-        <p14:creationId xmlns:p14="http://schemas.microsoft.com/office/powerpoint/2010/main" val="1203368850"/>
-      </p:ext>
-    </p:extLst>
-  </p:cSld>
-  <p:clrMapOvr>
-    <a:masterClrMapping/>
-  </p:clrMapOvr>
-</p:notes>
-</file>
-
-<file path=ppt/notesSlides/notesSlide11.xml><?xml version="1.0" encoding="utf-8"?>
-<p:notes xmlns:a="http://schemas.openxmlformats.org/drawingml/2006/main" xmlns:r="http://schemas.openxmlformats.org/officeDocument/2006/relationships" xmlns:p="http://schemas.openxmlformats.org/presentationml/2006/main">
-  <p:cSld>
-    <p:spTree>
-      <p:nvGrpSpPr>
-        <p:cNvPr id="1" name=""/>
-        <p:cNvGrpSpPr/>
-        <p:nvPr/>
-      </p:nvGrpSpPr>
-      <p:grpSpPr>
-        <a:xfrm>
-          <a:off x="0" y="0"/>
-          <a:ext cx="0" cy="0"/>
-          <a:chOff x="0" y="0"/>
-          <a:chExt cx="0" cy="0"/>
-        </a:xfrm>
-      </p:grpSpPr>
-      <p:sp>
-        <p:nvSpPr>
-          <p:cNvPr id="2" name="Slide Image Placeholder 1"/>
-          <p:cNvSpPr>
-            <a:spLocks noGrp="1" noRot="1" noChangeAspect="1"/>
-          </p:cNvSpPr>
-          <p:nvPr>
-            <p:ph type="sldImg"/>
-          </p:nvPr>
-        </p:nvSpPr>
-        <p:spPr/>
-      </p:sp>
-      <p:sp>
-        <p:nvSpPr>
-          <p:cNvPr id="3" name="Notes Placeholder 2"/>
-          <p:cNvSpPr>
-            <a:spLocks noGrp="1"/>
-          </p:cNvSpPr>
-          <p:nvPr>
-            <p:ph type="body" idx="1"/>
-          </p:nvPr>
-        </p:nvSpPr>
-        <p:spPr/>
-        <p:txBody>
-          <a:bodyPr/>
-          <a:lstStyle/>
-          <a:p>
-            <a:endParaRPr lang="en-US" dirty="0"/>
-          </a:p>
-        </p:txBody>
-      </p:sp>
-      <p:sp>
-        <p:nvSpPr>
-          <p:cNvPr id="4" name="Slide Number Placeholder 3"/>
-          <p:cNvSpPr>
-            <a:spLocks noGrp="1"/>
-          </p:cNvSpPr>
-          <p:nvPr>
-            <p:ph type="sldNum" sz="quarter" idx="10"/>
-          </p:nvPr>
-        </p:nvSpPr>
-        <p:spPr/>
-        <p:txBody>
-          <a:bodyPr/>
-          <a:lstStyle/>
-          <a:p>
-            <a:fld id="{752525C3-8E80-4947-BEA5-AFCBD3DD9540}" type="slidenum">
-              <a:rPr lang="en-US" smtClean="0"/>
-              <a:t>12</a:t>
-            </a:fld>
-            <a:endParaRPr lang="en-US"/>
-          </a:p>
-        </p:txBody>
-      </p:sp>
-    </p:spTree>
-    <p:extLst>
-      <p:ext uri="{BB962C8B-B14F-4D97-AF65-F5344CB8AC3E}">
-        <p14:creationId xmlns:p14="http://schemas.microsoft.com/office/powerpoint/2010/main" val="982066726"/>
-      </p:ext>
-    </p:extLst>
-  </p:cSld>
-  <p:clrMapOvr>
-    <a:masterClrMapping/>
-  </p:clrMapOvr>
-</p:notes>
-</file>
-
 <file path=ppt/notesSlides/notesSlide2.xml><?xml version="1.0" encoding="utf-8"?>
 <p:notes xmlns:a="http://schemas.openxmlformats.org/drawingml/2006/main" xmlns:r="http://schemas.openxmlformats.org/officeDocument/2006/relationships" xmlns:p="http://schemas.openxmlformats.org/presentationml/2006/main">
   <p:cSld>
@@ -1320,7 +1150,7 @@
           <a:bodyPr/>
           <a:lstStyle/>
           <a:p>
-            <a:fld id="{C264CEC3-E694-8F4D-8C24-41F96C9CCFCD}" type="slidenum">
+            <a:fld id="{752525C3-8E80-4947-BEA5-AFCBD3DD9540}" type="slidenum">
               <a:rPr lang="en-US" smtClean="0"/>
               <a:t>9</a:t>
             </a:fld>
@@ -1331,7 +1161,7 @@
     </p:spTree>
     <p:extLst>
       <p:ext uri="{BB962C8B-B14F-4D97-AF65-F5344CB8AC3E}">
-        <p14:creationId xmlns:p14="http://schemas.microsoft.com/office/powerpoint/2010/main" val="2088670861"/>
+        <p14:creationId xmlns:p14="http://schemas.microsoft.com/office/powerpoint/2010/main" val="982066726"/>
       </p:ext>
     </p:extLst>
   </p:cSld>
@@ -1385,7 +1215,7 @@
           <a:bodyPr/>
           <a:lstStyle/>
           <a:p>
-            <a:endParaRPr lang="en-US" dirty="0"/>
+            <a:endParaRPr lang="en-US"/>
           </a:p>
         </p:txBody>
       </p:sp>
@@ -1404,9 +1234,9 @@
           <a:bodyPr/>
           <a:lstStyle/>
           <a:p>
-            <a:fld id="{C264CEC3-E694-8F4D-8C24-41F96C9CCFCD}" type="slidenum">
+            <a:fld id="{752525C3-8E80-4947-BEA5-AFCBD3DD9540}" type="slidenum">
               <a:rPr lang="en-US" smtClean="0"/>
-              <a:t>10</a:t>
+              <a:t>13</a:t>
             </a:fld>
             <a:endParaRPr lang="en-US"/>
           </a:p>
@@ -1415,7 +1245,7 @@
     </p:spTree>
     <p:extLst>
       <p:ext uri="{BB962C8B-B14F-4D97-AF65-F5344CB8AC3E}">
-        <p14:creationId xmlns:p14="http://schemas.microsoft.com/office/powerpoint/2010/main" val="1214702993"/>
+        <p14:creationId xmlns:p14="http://schemas.microsoft.com/office/powerpoint/2010/main" val="1913048354"/>
       </p:ext>
     </p:extLst>
   </p:cSld>
@@ -1604,7 +1434,7 @@
           <a:p>
             <a:fld id="{26B84B7E-A9FD-7C49-B41B-28E06A5D4D8A}" type="datetimeFigureOut">
               <a:rPr lang="en-US" smtClean="0"/>
-              <a:t>7/12/17</a:t>
+              <a:t>8/14/18</a:t>
             </a:fld>
             <a:endParaRPr lang="en-US"/>
           </a:p>
@@ -1772,7 +1602,7 @@
           <a:p>
             <a:fld id="{26B84B7E-A9FD-7C49-B41B-28E06A5D4D8A}" type="datetimeFigureOut">
               <a:rPr lang="en-US" smtClean="0"/>
-              <a:t>7/12/17</a:t>
+              <a:t>8/14/18</a:t>
             </a:fld>
             <a:endParaRPr lang="en-US"/>
           </a:p>
@@ -1950,7 +1780,7 @@
           <a:p>
             <a:fld id="{26B84B7E-A9FD-7C49-B41B-28E06A5D4D8A}" type="datetimeFigureOut">
               <a:rPr lang="en-US" smtClean="0"/>
-              <a:t>7/12/17</a:t>
+              <a:t>8/14/18</a:t>
             </a:fld>
             <a:endParaRPr lang="en-US"/>
           </a:p>
@@ -2118,7 +1948,7 @@
           <a:p>
             <a:fld id="{26B84B7E-A9FD-7C49-B41B-28E06A5D4D8A}" type="datetimeFigureOut">
               <a:rPr lang="en-US" smtClean="0"/>
-              <a:t>7/12/17</a:t>
+              <a:t>8/14/18</a:t>
             </a:fld>
             <a:endParaRPr lang="en-US"/>
           </a:p>
@@ -2363,7 +2193,7 @@
           <a:p>
             <a:fld id="{26B84B7E-A9FD-7C49-B41B-28E06A5D4D8A}" type="datetimeFigureOut">
               <a:rPr lang="en-US" smtClean="0"/>
-              <a:t>7/12/17</a:t>
+              <a:t>8/14/18</a:t>
             </a:fld>
             <a:endParaRPr lang="en-US"/>
           </a:p>
@@ -2648,7 +2478,7 @@
           <a:p>
             <a:fld id="{26B84B7E-A9FD-7C49-B41B-28E06A5D4D8A}" type="datetimeFigureOut">
               <a:rPr lang="en-US" smtClean="0"/>
-              <a:t>7/12/17</a:t>
+              <a:t>8/14/18</a:t>
             </a:fld>
             <a:endParaRPr lang="en-US"/>
           </a:p>
@@ -3067,7 +2897,7 @@
           <a:p>
             <a:fld id="{26B84B7E-A9FD-7C49-B41B-28E06A5D4D8A}" type="datetimeFigureOut">
               <a:rPr lang="en-US" smtClean="0"/>
-              <a:t>7/12/17</a:t>
+              <a:t>8/14/18</a:t>
             </a:fld>
             <a:endParaRPr lang="en-US"/>
           </a:p>
@@ -3184,7 +3014,7 @@
           <a:p>
             <a:fld id="{26B84B7E-A9FD-7C49-B41B-28E06A5D4D8A}" type="datetimeFigureOut">
               <a:rPr lang="en-US" smtClean="0"/>
-              <a:t>7/12/17</a:t>
+              <a:t>8/14/18</a:t>
             </a:fld>
             <a:endParaRPr lang="en-US"/>
           </a:p>
@@ -3279,7 +3109,7 @@
           <a:p>
             <a:fld id="{26B84B7E-A9FD-7C49-B41B-28E06A5D4D8A}" type="datetimeFigureOut">
               <a:rPr lang="en-US" smtClean="0"/>
-              <a:t>7/12/17</a:t>
+              <a:t>8/14/18</a:t>
             </a:fld>
             <a:endParaRPr lang="en-US"/>
           </a:p>
@@ -3554,7 +3384,7 @@
           <a:p>
             <a:fld id="{26B84B7E-A9FD-7C49-B41B-28E06A5D4D8A}" type="datetimeFigureOut">
               <a:rPr lang="en-US" smtClean="0"/>
-              <a:t>7/12/17</a:t>
+              <a:t>8/14/18</a:t>
             </a:fld>
             <a:endParaRPr lang="en-US"/>
           </a:p>
@@ -3809,7 +3639,7 @@
           <a:p>
             <a:fld id="{26B84B7E-A9FD-7C49-B41B-28E06A5D4D8A}" type="datetimeFigureOut">
               <a:rPr lang="en-US" smtClean="0"/>
-              <a:t>7/12/17</a:t>
+              <a:t>8/14/18</a:t>
             </a:fld>
             <a:endParaRPr lang="en-US"/>
           </a:p>
@@ -4020,7 +3850,7 @@
           <a:p>
             <a:fld id="{26B84B7E-A9FD-7C49-B41B-28E06A5D4D8A}" type="datetimeFigureOut">
               <a:rPr lang="en-US" smtClean="0"/>
-              <a:t>7/12/17</a:t>
+              <a:t>8/14/18</a:t>
             </a:fld>
             <a:endParaRPr lang="en-US"/>
           </a:p>
@@ -4532,2499 +4362,6 @@
       </p:grpSpPr>
       <p:sp>
         <p:nvSpPr>
-          <p:cNvPr id="32" name="Rectangle 31"/>
-          <p:cNvSpPr/>
-          <p:nvPr/>
-        </p:nvSpPr>
-        <p:spPr>
-          <a:xfrm>
-            <a:off x="1190150" y="1717970"/>
-            <a:ext cx="6024486" cy="4183072"/>
-          </a:xfrm>
-          <a:prstGeom prst="rect">
-            <a:avLst/>
-          </a:prstGeom>
-          <a:solidFill>
-            <a:schemeClr val="tx1"/>
-          </a:solidFill>
-          <a:ln w="28575">
-            <a:solidFill>
-              <a:schemeClr val="bg1"/>
-            </a:solidFill>
-          </a:ln>
-        </p:spPr>
-        <p:style>
-          <a:lnRef idx="2">
-            <a:schemeClr val="dk1"/>
-          </a:lnRef>
-          <a:fillRef idx="1">
-            <a:schemeClr val="lt1"/>
-          </a:fillRef>
-          <a:effectRef idx="0">
-            <a:schemeClr val="dk1"/>
-          </a:effectRef>
-          <a:fontRef idx="minor">
-            <a:schemeClr val="dk1"/>
-          </a:fontRef>
-        </p:style>
-        <p:txBody>
-          <a:bodyPr rtlCol="0" anchor="b"/>
-          <a:lstStyle/>
-          <a:p>
-            <a:pPr algn="ctr"/>
-            <a:r>
-              <a:rPr lang="en-US" smtClean="0"/>
-              <a:t>ELT 4.0</a:t>
-            </a:r>
-            <a:endParaRPr lang="en-US" dirty="0"/>
-          </a:p>
-        </p:txBody>
-      </p:sp>
-      <p:sp>
-        <p:nvSpPr>
-          <p:cNvPr id="2" name="Title 1"/>
-          <p:cNvSpPr>
-            <a:spLocks noGrp="1"/>
-          </p:cNvSpPr>
-          <p:nvPr>
-            <p:ph type="title"/>
-          </p:nvPr>
-        </p:nvSpPr>
-        <p:spPr>
-          <a:xfrm>
-            <a:off x="457200" y="73726"/>
-            <a:ext cx="8229600" cy="1143000"/>
-          </a:xfrm>
-        </p:spPr>
-        <p:txBody>
-          <a:bodyPr/>
-          <a:lstStyle/>
-          <a:p>
-            <a:r>
-              <a:rPr lang="en-US" dirty="0" smtClean="0"/>
-              <a:t>Modular Norm Model</a:t>
-            </a:r>
-            <a:endParaRPr lang="en-US" dirty="0"/>
-          </a:p>
-        </p:txBody>
-      </p:sp>
-      <p:sp>
-        <p:nvSpPr>
-          <p:cNvPr id="3" name="Slide Number Placeholder 2"/>
-          <p:cNvSpPr>
-            <a:spLocks noGrp="1"/>
-          </p:cNvSpPr>
-          <p:nvPr>
-            <p:ph type="sldNum" sz="quarter" idx="12"/>
-          </p:nvPr>
-        </p:nvSpPr>
-        <p:spPr/>
-        <p:txBody>
-          <a:bodyPr/>
-          <a:lstStyle/>
-          <a:p>
-            <a:fld id="{AA6A4578-B0B2-2649-A7D7-8F6F87258344}" type="slidenum">
-              <a:rPr lang="en-US" smtClean="0"/>
-              <a:t>10</a:t>
-            </a:fld>
-            <a:endParaRPr lang="en-US"/>
-          </a:p>
-        </p:txBody>
-      </p:sp>
-      <p:sp>
-        <p:nvSpPr>
-          <p:cNvPr id="17" name="Triangle 16"/>
-          <p:cNvSpPr/>
-          <p:nvPr/>
-        </p:nvSpPr>
-        <p:spPr>
-          <a:xfrm>
-            <a:off x="4581679" y="1872062"/>
-            <a:ext cx="1668321" cy="1438208"/>
-          </a:xfrm>
-          <a:prstGeom prst="triangle">
-            <a:avLst/>
-          </a:prstGeom>
-          <a:solidFill>
-            <a:schemeClr val="tx1"/>
-          </a:solidFill>
-        </p:spPr>
-        <p:style>
-          <a:lnRef idx="2">
-            <a:schemeClr val="dk1"/>
-          </a:lnRef>
-          <a:fillRef idx="1">
-            <a:schemeClr val="lt1"/>
-          </a:fillRef>
-          <a:effectRef idx="0">
-            <a:schemeClr val="dk1"/>
-          </a:effectRef>
-          <a:fontRef idx="minor">
-            <a:schemeClr val="dk1"/>
-          </a:fontRef>
-        </p:style>
-        <p:txBody>
-          <a:bodyPr rtlCol="0" anchor="ctr"/>
-          <a:lstStyle/>
-          <a:p>
-            <a:pPr algn="ctr"/>
-            <a:r>
-              <a:rPr lang="en-US" dirty="0" smtClean="0">
-                <a:solidFill>
-                  <a:schemeClr val="bg1"/>
-                </a:solidFill>
-              </a:rPr>
-              <a:t>Duty</a:t>
-            </a:r>
-            <a:endParaRPr lang="en-US" dirty="0">
-              <a:solidFill>
-                <a:schemeClr val="bg1"/>
-              </a:solidFill>
-            </a:endParaRPr>
-          </a:p>
-        </p:txBody>
-      </p:sp>
-      <p:cxnSp>
-        <p:nvCxnSpPr>
-          <p:cNvPr id="18" name="Straight Arrow Connector 17"/>
-          <p:cNvCxnSpPr/>
-          <p:nvPr/>
-        </p:nvCxnSpPr>
-        <p:spPr>
-          <a:xfrm flipV="1">
-            <a:off x="2894546" y="2793430"/>
-            <a:ext cx="1983347" cy="1"/>
-          </a:xfrm>
-          <a:prstGeom prst="straightConnector1">
-            <a:avLst/>
-          </a:prstGeom>
-          <a:ln>
-            <a:tailEnd type="arrow" w="lg" len="lg"/>
-          </a:ln>
-        </p:spPr>
-        <p:style>
-          <a:lnRef idx="2">
-            <a:schemeClr val="dk1"/>
-          </a:lnRef>
-          <a:fillRef idx="1">
-            <a:schemeClr val="lt1"/>
-          </a:fillRef>
-          <a:effectRef idx="0">
-            <a:schemeClr val="dk1"/>
-          </a:effectRef>
-          <a:fontRef idx="minor">
-            <a:schemeClr val="dk1"/>
-          </a:fontRef>
-        </p:style>
-      </p:cxnSp>
-      <p:cxnSp>
-        <p:nvCxnSpPr>
-          <p:cNvPr id="19" name="Straight Arrow Connector 18"/>
-          <p:cNvCxnSpPr>
-            <a:endCxn id="22" idx="3"/>
-          </p:cNvCxnSpPr>
-          <p:nvPr/>
-        </p:nvCxnSpPr>
-        <p:spPr>
-          <a:xfrm flipV="1">
-            <a:off x="5415839" y="3310270"/>
-            <a:ext cx="1" cy="921368"/>
-          </a:xfrm>
-          <a:prstGeom prst="straightConnector1">
-            <a:avLst/>
-          </a:prstGeom>
-          <a:ln>
-            <a:tailEnd type="arrow" w="lg" len="lg"/>
-          </a:ln>
-        </p:spPr>
-        <p:style>
-          <a:lnRef idx="2">
-            <a:schemeClr val="dk1"/>
-          </a:lnRef>
-          <a:fillRef idx="1">
-            <a:schemeClr val="lt1"/>
-          </a:fillRef>
-          <a:effectRef idx="0">
-            <a:schemeClr val="dk1"/>
-          </a:effectRef>
-          <a:fontRef idx="minor">
-            <a:schemeClr val="dk1"/>
-          </a:fontRef>
-        </p:style>
-      </p:cxnSp>
-      <p:sp>
-        <p:nvSpPr>
-          <p:cNvPr id="21" name="TextBox 20"/>
-          <p:cNvSpPr txBox="1"/>
-          <p:nvPr/>
-        </p:nvSpPr>
-        <p:spPr>
-          <a:xfrm>
-            <a:off x="5403806" y="3512534"/>
-            <a:ext cx="846194" cy="338554"/>
-          </a:xfrm>
-          <a:prstGeom prst="rect">
-            <a:avLst/>
-          </a:prstGeom>
-          <a:noFill/>
-          <a:ln>
-            <a:noFill/>
-          </a:ln>
-        </p:spPr>
-        <p:txBody>
-          <a:bodyPr wrap="none" rtlCol="0">
-            <a:spAutoFit/>
-          </a:bodyPr>
-          <a:lstStyle/>
-          <a:p>
-            <a:r>
-              <a:rPr lang="en-US" sz="1600" smtClean="0">
-                <a:solidFill>
-                  <a:schemeClr val="bg1"/>
-                </a:solidFill>
-              </a:rPr>
-              <a:t>satisfies</a:t>
-            </a:r>
-            <a:endParaRPr lang="en-US" sz="1600" dirty="0">
-              <a:solidFill>
-                <a:schemeClr val="bg1"/>
-              </a:solidFill>
-            </a:endParaRPr>
-          </a:p>
-        </p:txBody>
-      </p:sp>
-      <p:sp>
-        <p:nvSpPr>
-          <p:cNvPr id="22" name="TextBox 21"/>
-          <p:cNvSpPr txBox="1"/>
-          <p:nvPr/>
-        </p:nvSpPr>
-        <p:spPr>
-          <a:xfrm>
-            <a:off x="6593324" y="1672034"/>
-            <a:ext cx="2093476" cy="1569660"/>
-          </a:xfrm>
-          <a:prstGeom prst="rect">
-            <a:avLst/>
-          </a:prstGeom>
-          <a:solidFill>
-            <a:srgbClr val="FFFF00"/>
-          </a:solidFill>
-        </p:spPr>
-        <p:txBody>
-          <a:bodyPr wrap="square" rtlCol="0">
-            <a:spAutoFit/>
-          </a:bodyPr>
-          <a:lstStyle/>
-          <a:p>
-            <a:pPr algn="r"/>
-            <a:r>
-              <a:rPr lang="en-US" sz="1600" dirty="0">
-                <a:solidFill>
-                  <a:schemeClr val="bg1"/>
-                </a:solidFill>
-              </a:rPr>
-              <a:t>You </a:t>
-            </a:r>
-            <a:r>
-              <a:rPr lang="en-US" sz="1600" b="1" dirty="0">
-                <a:solidFill>
-                  <a:schemeClr val="bg1"/>
-                </a:solidFill>
-              </a:rPr>
-              <a:t>must</a:t>
-            </a:r>
-            <a:r>
-              <a:rPr lang="en-US" sz="1600" dirty="0">
-                <a:solidFill>
-                  <a:schemeClr val="bg1"/>
-                </a:solidFill>
-              </a:rPr>
-              <a:t> retain, </a:t>
-            </a:r>
-            <a:br>
-              <a:rPr lang="en-US" sz="1600" dirty="0">
-                <a:solidFill>
-                  <a:schemeClr val="bg1"/>
-                </a:solidFill>
-              </a:rPr>
-            </a:br>
-            <a:r>
-              <a:rPr lang="en-US" sz="1600" dirty="0">
-                <a:solidFill>
-                  <a:schemeClr val="bg1"/>
-                </a:solidFill>
-              </a:rPr>
-              <a:t>in the Source form</a:t>
-            </a:r>
-            <a:r>
-              <a:rPr lang="mr-IN" sz="1600" dirty="0">
-                <a:solidFill>
-                  <a:schemeClr val="bg1"/>
-                </a:solidFill>
-              </a:rPr>
-              <a:t>…</a:t>
-            </a:r>
-            <a:endParaRPr lang="en-US" sz="1600" dirty="0">
-              <a:solidFill>
-                <a:schemeClr val="bg1"/>
-              </a:solidFill>
-            </a:endParaRPr>
-          </a:p>
-          <a:p>
-            <a:pPr algn="r"/>
-            <a:endParaRPr lang="en-US" sz="1600" dirty="0">
-              <a:solidFill>
-                <a:schemeClr val="bg1"/>
-              </a:solidFill>
-            </a:endParaRPr>
-          </a:p>
-          <a:p>
-            <a:pPr algn="r"/>
-            <a:r>
-              <a:rPr lang="en-US" sz="1600" dirty="0">
-                <a:solidFill>
-                  <a:schemeClr val="bg1"/>
-                </a:solidFill>
-              </a:rPr>
-              <a:t>Holder: User</a:t>
-            </a:r>
-          </a:p>
-          <a:p>
-            <a:pPr algn="r"/>
-            <a:r>
-              <a:rPr lang="en-US" sz="1600" dirty="0">
-                <a:solidFill>
-                  <a:schemeClr val="bg1"/>
-                </a:solidFill>
-              </a:rPr>
-              <a:t>Beneficiary: Copyright Holder</a:t>
-            </a:r>
-          </a:p>
-        </p:txBody>
-      </p:sp>
-      <p:cxnSp>
-        <p:nvCxnSpPr>
-          <p:cNvPr id="25" name="Straight Connector 24"/>
-          <p:cNvCxnSpPr>
-            <a:stCxn id="22" idx="5"/>
-          </p:cNvCxnSpPr>
-          <p:nvPr/>
-        </p:nvCxnSpPr>
-        <p:spPr>
-          <a:xfrm flipV="1">
-            <a:off x="5832920" y="2228241"/>
-            <a:ext cx="791838" cy="362925"/>
-          </a:xfrm>
-          <a:prstGeom prst="line">
-            <a:avLst/>
-          </a:prstGeom>
-          <a:ln w="19050">
-            <a:solidFill>
-              <a:srgbClr val="FFFF00"/>
-            </a:solidFill>
-          </a:ln>
-        </p:spPr>
-        <p:style>
-          <a:lnRef idx="1">
-            <a:schemeClr val="dk1"/>
-          </a:lnRef>
-          <a:fillRef idx="0">
-            <a:schemeClr val="dk1"/>
-          </a:fillRef>
-          <a:effectRef idx="0">
-            <a:schemeClr val="dk1"/>
-          </a:effectRef>
-          <a:fontRef idx="minor">
-            <a:schemeClr val="tx1"/>
-          </a:fontRef>
-        </p:style>
-      </p:cxnSp>
-      <p:sp>
-        <p:nvSpPr>
-          <p:cNvPr id="28" name="TextBox 27"/>
-          <p:cNvSpPr txBox="1"/>
-          <p:nvPr/>
-        </p:nvSpPr>
-        <p:spPr>
-          <a:xfrm>
-            <a:off x="3318295" y="2431908"/>
-            <a:ext cx="920060" cy="338554"/>
-          </a:xfrm>
-          <a:prstGeom prst="rect">
-            <a:avLst/>
-          </a:prstGeom>
-          <a:noFill/>
-          <a:ln>
-            <a:noFill/>
-          </a:ln>
-        </p:spPr>
-        <p:txBody>
-          <a:bodyPr wrap="none" rtlCol="0">
-            <a:spAutoFit/>
-          </a:bodyPr>
-          <a:lstStyle/>
-          <a:p>
-            <a:r>
-              <a:rPr lang="en-US" sz="1600" dirty="0" smtClean="0">
-                <a:solidFill>
-                  <a:schemeClr val="bg1"/>
-                </a:solidFill>
-              </a:rPr>
-              <a:t>activates</a:t>
-            </a:r>
-            <a:endParaRPr lang="en-US" sz="1600" dirty="0">
-              <a:solidFill>
-                <a:schemeClr val="bg1"/>
-              </a:solidFill>
-            </a:endParaRPr>
-          </a:p>
-        </p:txBody>
-      </p:sp>
-      <p:sp>
-        <p:nvSpPr>
-          <p:cNvPr id="29" name="TextBox 28"/>
-          <p:cNvSpPr txBox="1"/>
-          <p:nvPr/>
-        </p:nvSpPr>
-        <p:spPr>
-          <a:xfrm>
-            <a:off x="4859089" y="2863674"/>
-            <a:ext cx="1089434" cy="307777"/>
-          </a:xfrm>
-          <a:prstGeom prst="rect">
-            <a:avLst/>
-          </a:prstGeom>
-          <a:solidFill>
-            <a:schemeClr val="tx1"/>
-          </a:solidFill>
-        </p:spPr>
-        <p:txBody>
-          <a:bodyPr wrap="square" rtlCol="0">
-            <a:spAutoFit/>
-          </a:bodyPr>
-          <a:lstStyle/>
-          <a:p>
-            <a:pPr algn="ctr"/>
-            <a:r>
-              <a:rPr lang="en-US" sz="1400" dirty="0" smtClean="0">
-                <a:solidFill>
-                  <a:schemeClr val="bg1"/>
-                </a:solidFill>
-              </a:rPr>
-              <a:t>Duty | VIO</a:t>
-            </a:r>
-            <a:endParaRPr lang="en-US" sz="1400" dirty="0">
-              <a:solidFill>
-                <a:schemeClr val="bg1"/>
-              </a:solidFill>
-            </a:endParaRPr>
-          </a:p>
-        </p:txBody>
-      </p:sp>
-      <p:sp>
-        <p:nvSpPr>
-          <p:cNvPr id="30" name="Rectangle 29"/>
-          <p:cNvSpPr/>
-          <p:nvPr/>
-        </p:nvSpPr>
-        <p:spPr>
-          <a:xfrm>
-            <a:off x="1361812" y="2265233"/>
-            <a:ext cx="1532734" cy="1214258"/>
-          </a:xfrm>
-          <a:prstGeom prst="rect">
-            <a:avLst/>
-          </a:prstGeom>
-          <a:solidFill>
-            <a:schemeClr val="tx1"/>
-          </a:solidFill>
-        </p:spPr>
-        <p:style>
-          <a:lnRef idx="2">
-            <a:schemeClr val="dk1"/>
-          </a:lnRef>
-          <a:fillRef idx="1">
-            <a:schemeClr val="lt1"/>
-          </a:fillRef>
-          <a:effectRef idx="0">
-            <a:schemeClr val="dk1"/>
-          </a:effectRef>
-          <a:fontRef idx="minor">
-            <a:schemeClr val="dk1"/>
-          </a:fontRef>
-        </p:style>
-        <p:txBody>
-          <a:bodyPr rtlCol="0" anchor="ctr"/>
-          <a:lstStyle/>
-          <a:p>
-            <a:pPr algn="ctr"/>
-            <a:r>
-              <a:rPr lang="en-US" dirty="0" smtClean="0">
-                <a:solidFill>
-                  <a:schemeClr val="bg1"/>
-                </a:solidFill>
-              </a:rPr>
-              <a:t>[You intend to] Reproduce </a:t>
-            </a:r>
-            <a:r>
-              <a:rPr lang="en-US" dirty="0">
-                <a:solidFill>
-                  <a:schemeClr val="bg1"/>
-                </a:solidFill>
-              </a:rPr>
-              <a:t>and Distribute Copies</a:t>
-            </a:r>
-          </a:p>
-        </p:txBody>
-      </p:sp>
-      <p:sp>
-        <p:nvSpPr>
-          <p:cNvPr id="31" name="Rectangle 30"/>
-          <p:cNvSpPr/>
-          <p:nvPr/>
-        </p:nvSpPr>
-        <p:spPr>
-          <a:xfrm>
-            <a:off x="4121481" y="4231638"/>
-            <a:ext cx="2596754" cy="1214258"/>
-          </a:xfrm>
-          <a:prstGeom prst="rect">
-            <a:avLst/>
-          </a:prstGeom>
-          <a:solidFill>
-            <a:schemeClr val="tx1"/>
-          </a:solidFill>
-        </p:spPr>
-        <p:style>
-          <a:lnRef idx="2">
-            <a:schemeClr val="dk1"/>
-          </a:lnRef>
-          <a:fillRef idx="1">
-            <a:schemeClr val="lt1"/>
-          </a:fillRef>
-          <a:effectRef idx="0">
-            <a:schemeClr val="dk1"/>
-          </a:effectRef>
-          <a:fontRef idx="minor">
-            <a:schemeClr val="dk1"/>
-          </a:fontRef>
-        </p:style>
-        <p:txBody>
-          <a:bodyPr rtlCol="0" anchor="ctr"/>
-          <a:lstStyle/>
-          <a:p>
-            <a:pPr algn="ctr"/>
-            <a:r>
-              <a:rPr lang="en-US" dirty="0" smtClean="0">
-                <a:solidFill>
-                  <a:schemeClr val="bg1"/>
-                </a:solidFill>
-              </a:rPr>
-              <a:t>[You retained] in </a:t>
-            </a:r>
-            <a:r>
-              <a:rPr lang="en-US" dirty="0">
-                <a:solidFill>
-                  <a:schemeClr val="bg1"/>
-                </a:solidFill>
-              </a:rPr>
-              <a:t>Source form</a:t>
-            </a:r>
-            <a:r>
-              <a:rPr lang="is-IS" dirty="0">
-                <a:solidFill>
-                  <a:schemeClr val="bg1"/>
-                </a:solidFill>
-              </a:rPr>
-              <a:t>…</a:t>
-            </a:r>
-            <a:r>
-              <a:rPr lang="en-US" dirty="0">
-                <a:solidFill>
-                  <a:schemeClr val="bg1"/>
-                </a:solidFill>
-              </a:rPr>
-              <a:t> copyright, patent, trademark, and attribution notices </a:t>
-            </a:r>
-          </a:p>
-        </p:txBody>
-      </p:sp>
-      <p:pic>
-        <p:nvPicPr>
-          <p:cNvPr id="15" name="Picture 14"/>
-          <p:cNvPicPr>
-            <a:picLocks noChangeAspect="1"/>
-          </p:cNvPicPr>
-          <p:nvPr/>
-        </p:nvPicPr>
-        <p:blipFill>
-          <a:blip r:embed="rId3"/>
-          <a:stretch>
-            <a:fillRect/>
-          </a:stretch>
-        </p:blipFill>
-        <p:spPr>
-          <a:xfrm>
-            <a:off x="83371" y="238968"/>
-            <a:ext cx="1924077" cy="977758"/>
-          </a:xfrm>
-          <a:prstGeom prst="rect">
-            <a:avLst/>
-          </a:prstGeom>
-        </p:spPr>
-      </p:pic>
-      <p:pic>
-        <p:nvPicPr>
-          <p:cNvPr id="16" name="Picture 15"/>
-          <p:cNvPicPr>
-            <a:picLocks noChangeAspect="1"/>
-          </p:cNvPicPr>
-          <p:nvPr/>
-        </p:nvPicPr>
-        <p:blipFill>
-          <a:blip r:embed="rId4"/>
-          <a:stretch>
-            <a:fillRect/>
-          </a:stretch>
-        </p:blipFill>
-        <p:spPr>
-          <a:xfrm>
-            <a:off x="155585" y="6026918"/>
-            <a:ext cx="1779647" cy="750736"/>
-          </a:xfrm>
-          <a:prstGeom prst="rect">
-            <a:avLst/>
-          </a:prstGeom>
-        </p:spPr>
-      </p:pic>
-      <p:sp>
-        <p:nvSpPr>
-          <p:cNvPr id="20" name="TextBox 19"/>
-          <p:cNvSpPr txBox="1"/>
-          <p:nvPr/>
-        </p:nvSpPr>
-        <p:spPr>
-          <a:xfrm>
-            <a:off x="5826903" y="6173550"/>
-            <a:ext cx="2561470" cy="369332"/>
-          </a:xfrm>
-          <a:prstGeom prst="rect">
-            <a:avLst/>
-          </a:prstGeom>
-          <a:noFill/>
-        </p:spPr>
-        <p:txBody>
-          <a:bodyPr wrap="none" rtlCol="0">
-            <a:spAutoFit/>
-          </a:bodyPr>
-          <a:lstStyle/>
-          <a:p>
-            <a:r>
-              <a:rPr lang="en-US" b="1" dirty="0" smtClean="0"/>
-              <a:t>Scenario: </a:t>
-            </a:r>
-            <a:r>
-              <a:rPr lang="en-US" dirty="0" smtClean="0"/>
-              <a:t>Not Compliant!</a:t>
-            </a:r>
-            <a:endParaRPr lang="en-US" dirty="0"/>
-          </a:p>
-        </p:txBody>
-      </p:sp>
-    </p:spTree>
-    <p:extLst>
-      <p:ext uri="{BB962C8B-B14F-4D97-AF65-F5344CB8AC3E}">
-        <p14:creationId xmlns:p14="http://schemas.microsoft.com/office/powerpoint/2010/main" val="125289979"/>
-      </p:ext>
-    </p:extLst>
-  </p:cSld>
-  <p:clrMapOvr>
-    <a:masterClrMapping/>
-  </p:clrMapOvr>
-  <p:timing>
-    <p:tnLst>
-      <p:par>
-        <p:cTn id="1" dur="indefinite" restart="never" nodeType="tmRoot">
-          <p:childTnLst>
-            <p:seq concurrent="1" nextAc="seek">
-              <p:cTn id="2" dur="indefinite" nodeType="mainSeq">
-                <p:childTnLst>
-                  <p:par>
-                    <p:cTn id="3" fill="hold">
-                      <p:stCondLst>
-                        <p:cond delay="indefinite"/>
-                      </p:stCondLst>
-                      <p:childTnLst>
-                        <p:par>
-                          <p:cTn id="4" fill="hold">
-                            <p:stCondLst>
-                              <p:cond delay="0"/>
-                            </p:stCondLst>
-                            <p:childTnLst>
-                              <p:par>
-                                <p:cTn id="5" presetID="1" presetClass="emph" presetSubtype="2" fill="hold" nodeType="clickEffect">
-                                  <p:stCondLst>
-                                    <p:cond delay="0"/>
-                                  </p:stCondLst>
-                                  <p:childTnLst>
-                                    <p:animClr clrSpc="rgb" dir="cw">
-                                      <p:cBhvr>
-                                        <p:cTn id="6" dur="500" fill="hold"/>
-                                        <p:tgtEl>
-                                          <p:spTgt spid="30"/>
-                                        </p:tgtEl>
-                                        <p:attrNameLst>
-                                          <p:attrName>fillcolor</p:attrName>
-                                        </p:attrNameLst>
-                                      </p:cBhvr>
-                                      <p:to>
-                                        <a:srgbClr val="91D050"/>
-                                      </p:to>
-                                    </p:animClr>
-                                    <p:set>
-                                      <p:cBhvr>
-                                        <p:cTn id="7" dur="500" fill="hold"/>
-                                        <p:tgtEl>
-                                          <p:spTgt spid="30"/>
-                                        </p:tgtEl>
-                                        <p:attrNameLst>
-                                          <p:attrName>fill.type</p:attrName>
-                                        </p:attrNameLst>
-                                      </p:cBhvr>
-                                      <p:to>
-                                        <p:strVal val="solid"/>
-                                      </p:to>
-                                    </p:set>
-                                    <p:set>
-                                      <p:cBhvr>
-                                        <p:cTn id="8" dur="500" fill="hold"/>
-                                        <p:tgtEl>
-                                          <p:spTgt spid="30"/>
-                                        </p:tgtEl>
-                                        <p:attrNameLst>
-                                          <p:attrName>fill.on</p:attrName>
-                                        </p:attrNameLst>
-                                      </p:cBhvr>
-                                      <p:to>
-                                        <p:strVal val="true"/>
-                                      </p:to>
-                                    </p:set>
-                                  </p:childTnLst>
-                                </p:cTn>
-                              </p:par>
-                            </p:childTnLst>
-                          </p:cTn>
-                        </p:par>
-                      </p:childTnLst>
-                    </p:cTn>
-                  </p:par>
-                  <p:par>
-                    <p:cTn id="9" fill="hold">
-                      <p:stCondLst>
-                        <p:cond delay="indefinite"/>
-                      </p:stCondLst>
-                      <p:childTnLst>
-                        <p:par>
-                          <p:cTn id="10" fill="hold">
-                            <p:stCondLst>
-                              <p:cond delay="0"/>
-                            </p:stCondLst>
-                            <p:childTnLst>
-                              <p:par>
-                                <p:cTn id="11" presetID="1" presetClass="emph" presetSubtype="2" fill="hold" nodeType="clickEffect">
-                                  <p:stCondLst>
-                                    <p:cond delay="0"/>
-                                  </p:stCondLst>
-                                  <p:childTnLst>
-                                    <p:animClr clrSpc="rgb" dir="cw">
-                                      <p:cBhvr>
-                                        <p:cTn id="12" dur="500" fill="hold"/>
-                                        <p:tgtEl>
-                                          <p:spTgt spid="31"/>
-                                        </p:tgtEl>
-                                        <p:attrNameLst>
-                                          <p:attrName>fillcolor</p:attrName>
-                                        </p:attrNameLst>
-                                      </p:cBhvr>
-                                      <p:to>
-                                        <a:srgbClr val="D8420F"/>
-                                      </p:to>
-                                    </p:animClr>
-                                    <p:set>
-                                      <p:cBhvr>
-                                        <p:cTn id="13" dur="500" fill="hold"/>
-                                        <p:tgtEl>
-                                          <p:spTgt spid="31"/>
-                                        </p:tgtEl>
-                                        <p:attrNameLst>
-                                          <p:attrName>fill.type</p:attrName>
-                                        </p:attrNameLst>
-                                      </p:cBhvr>
-                                      <p:to>
-                                        <p:strVal val="solid"/>
-                                      </p:to>
-                                    </p:set>
-                                    <p:set>
-                                      <p:cBhvr>
-                                        <p:cTn id="14" dur="500" fill="hold"/>
-                                        <p:tgtEl>
-                                          <p:spTgt spid="31"/>
-                                        </p:tgtEl>
-                                        <p:attrNameLst>
-                                          <p:attrName>fill.on</p:attrName>
-                                        </p:attrNameLst>
-                                      </p:cBhvr>
-                                      <p:to>
-                                        <p:strVal val="true"/>
-                                      </p:to>
-                                    </p:set>
-                                  </p:childTnLst>
-                                </p:cTn>
-                              </p:par>
-                            </p:childTnLst>
-                          </p:cTn>
-                        </p:par>
-                      </p:childTnLst>
-                    </p:cTn>
-                  </p:par>
-                  <p:par>
-                    <p:cTn id="15" fill="hold">
-                      <p:stCondLst>
-                        <p:cond delay="indefinite"/>
-                      </p:stCondLst>
-                      <p:childTnLst>
-                        <p:par>
-                          <p:cTn id="16" fill="hold">
-                            <p:stCondLst>
-                              <p:cond delay="0"/>
-                            </p:stCondLst>
-                            <p:childTnLst>
-                              <p:par>
-                                <p:cTn id="17" presetID="1" presetClass="entr" presetSubtype="0" fill="hold" grpId="1" nodeType="clickEffect">
-                                  <p:stCondLst>
-                                    <p:cond delay="0"/>
-                                  </p:stCondLst>
-                                  <p:childTnLst>
-                                    <p:set>
-                                      <p:cBhvr>
-                                        <p:cTn id="18" dur="1" fill="hold">
-                                          <p:stCondLst>
-                                            <p:cond delay="0"/>
-                                          </p:stCondLst>
-                                        </p:cTn>
-                                        <p:tgtEl>
-                                          <p:spTgt spid="29"/>
-                                        </p:tgtEl>
-                                        <p:attrNameLst>
-                                          <p:attrName>style.visibility</p:attrName>
-                                        </p:attrNameLst>
-                                      </p:cBhvr>
-                                      <p:to>
-                                        <p:strVal val="visible"/>
-                                      </p:to>
-                                    </p:set>
-                                  </p:childTnLst>
-                                </p:cTn>
-                              </p:par>
-                              <p:par>
-                                <p:cTn id="19" presetID="6" presetClass="emph" presetSubtype="0" repeatCount="2000" autoRev="1" fill="hold" grpId="0" nodeType="withEffect">
-                                  <p:stCondLst>
-                                    <p:cond delay="0"/>
-                                  </p:stCondLst>
-                                  <p:childTnLst>
-                                    <p:animScale>
-                                      <p:cBhvr>
-                                        <p:cTn id="20" dur="500" fill="hold"/>
-                                        <p:tgtEl>
-                                          <p:spTgt spid="29"/>
-                                        </p:tgtEl>
-                                      </p:cBhvr>
-                                      <p:by x="150000" y="150000"/>
-                                    </p:animScale>
-                                  </p:childTnLst>
-                                </p:cTn>
-                              </p:par>
-                            </p:childTnLst>
-                          </p:cTn>
-                        </p:par>
-                      </p:childTnLst>
-                    </p:cTn>
-                  </p:par>
-                  <p:par>
-                    <p:cTn id="21" fill="hold">
-                      <p:stCondLst>
-                        <p:cond delay="indefinite"/>
-                      </p:stCondLst>
-                      <p:childTnLst>
-                        <p:par>
-                          <p:cTn id="22" fill="hold">
-                            <p:stCondLst>
-                              <p:cond delay="0"/>
-                            </p:stCondLst>
-                            <p:childTnLst>
-                              <p:par>
-                                <p:cTn id="23" presetID="1" presetClass="emph" presetSubtype="2" fill="hold" nodeType="clickEffect">
-                                  <p:stCondLst>
-                                    <p:cond delay="0"/>
-                                  </p:stCondLst>
-                                  <p:childTnLst>
-                                    <p:animClr clrSpc="rgb" dir="cw">
-                                      <p:cBhvr>
-                                        <p:cTn id="24" dur="500" fill="hold"/>
-                                        <p:tgtEl>
-                                          <p:spTgt spid="32"/>
-                                        </p:tgtEl>
-                                        <p:attrNameLst>
-                                          <p:attrName>fillcolor</p:attrName>
-                                        </p:attrNameLst>
-                                      </p:cBhvr>
-                                      <p:to>
-                                        <a:srgbClr val="D8420F"/>
-                                      </p:to>
-                                    </p:animClr>
-                                    <p:set>
-                                      <p:cBhvr>
-                                        <p:cTn id="25" dur="500" fill="hold"/>
-                                        <p:tgtEl>
-                                          <p:spTgt spid="32"/>
-                                        </p:tgtEl>
-                                        <p:attrNameLst>
-                                          <p:attrName>fill.type</p:attrName>
-                                        </p:attrNameLst>
-                                      </p:cBhvr>
-                                      <p:to>
-                                        <p:strVal val="solid"/>
-                                      </p:to>
-                                    </p:set>
-                                    <p:set>
-                                      <p:cBhvr>
-                                        <p:cTn id="26" dur="500" fill="hold"/>
-                                        <p:tgtEl>
-                                          <p:spTgt spid="32"/>
-                                        </p:tgtEl>
-                                        <p:attrNameLst>
-                                          <p:attrName>fill.on</p:attrName>
-                                        </p:attrNameLst>
-                                      </p:cBhvr>
-                                      <p:to>
-                                        <p:strVal val="true"/>
-                                      </p:to>
-                                    </p:set>
-                                  </p:childTnLst>
-                                </p:cTn>
-                              </p:par>
-                            </p:childTnLst>
-                          </p:cTn>
-                        </p:par>
-                      </p:childTnLst>
-                    </p:cTn>
-                  </p:par>
-                  <p:par>
-                    <p:cTn id="27" fill="hold">
-                      <p:stCondLst>
-                        <p:cond delay="indefinite"/>
-                      </p:stCondLst>
-                      <p:childTnLst>
-                        <p:par>
-                          <p:cTn id="28" fill="hold">
-                            <p:stCondLst>
-                              <p:cond delay="0"/>
-                            </p:stCondLst>
-                            <p:childTnLst>
-                              <p:par>
-                                <p:cTn id="29" presetID="1" presetClass="entr" presetSubtype="0" fill="hold" grpId="0" nodeType="clickEffect">
-                                  <p:stCondLst>
-                                    <p:cond delay="0"/>
-                                  </p:stCondLst>
-                                  <p:childTnLst>
-                                    <p:set>
-                                      <p:cBhvr>
-                                        <p:cTn id="30" dur="1" fill="hold">
-                                          <p:stCondLst>
-                                            <p:cond delay="0"/>
-                                          </p:stCondLst>
-                                        </p:cTn>
-                                        <p:tgtEl>
-                                          <p:spTgt spid="20"/>
-                                        </p:tgtEl>
-                                        <p:attrNameLst>
-                                          <p:attrName>style.visibility</p:attrName>
-                                        </p:attrNameLst>
-                                      </p:cBhvr>
-                                      <p:to>
-                                        <p:strVal val="visible"/>
-                                      </p:to>
-                                    </p:set>
-                                  </p:childTnLst>
-                                </p:cTn>
-                              </p:par>
-                            </p:childTnLst>
-                          </p:cTn>
-                        </p:par>
-                      </p:childTnLst>
-                    </p:cTn>
-                  </p:par>
-                </p:childTnLst>
-              </p:cTn>
-              <p:prevCondLst>
-                <p:cond evt="onPrev" delay="0">
-                  <p:tgtEl>
-                    <p:sldTgt/>
-                  </p:tgtEl>
-                </p:cond>
-              </p:prevCondLst>
-              <p:nextCondLst>
-                <p:cond evt="onNext" delay="0">
-                  <p:tgtEl>
-                    <p:sldTgt/>
-                  </p:tgtEl>
-                </p:cond>
-              </p:nextCondLst>
-            </p:seq>
-          </p:childTnLst>
-        </p:cTn>
-      </p:par>
-    </p:tnLst>
-    <p:bldLst>
-      <p:bldP spid="29" grpId="0" animBg="1"/>
-      <p:bldP spid="29" grpId="1" animBg="1"/>
-      <p:bldP spid="20" grpId="0"/>
-    </p:bldLst>
-  </p:timing>
-</p:sld>
-</file>
-
-<file path=ppt/slides/slide11.xml><?xml version="1.0" encoding="utf-8"?>
-<p:sld xmlns:a="http://schemas.openxmlformats.org/drawingml/2006/main" xmlns:r="http://schemas.openxmlformats.org/officeDocument/2006/relationships" xmlns:p="http://schemas.openxmlformats.org/presentationml/2006/main">
-  <p:cSld>
-    <p:spTree>
-      <p:nvGrpSpPr>
-        <p:cNvPr id="1" name=""/>
-        <p:cNvGrpSpPr/>
-        <p:nvPr/>
-      </p:nvGrpSpPr>
-      <p:grpSpPr>
-        <a:xfrm>
-          <a:off x="0" y="0"/>
-          <a:ext cx="0" cy="0"/>
-          <a:chOff x="0" y="0"/>
-          <a:chExt cx="0" cy="0"/>
-        </a:xfrm>
-      </p:grpSpPr>
-      <p:sp>
-        <p:nvSpPr>
-          <p:cNvPr id="32" name="Rectangle 31"/>
-          <p:cNvSpPr/>
-          <p:nvPr/>
-        </p:nvSpPr>
-        <p:spPr>
-          <a:xfrm>
-            <a:off x="1190150" y="1717970"/>
-            <a:ext cx="6024486" cy="4183072"/>
-          </a:xfrm>
-          <a:prstGeom prst="rect">
-            <a:avLst/>
-          </a:prstGeom>
-          <a:solidFill>
-            <a:schemeClr val="tx1"/>
-          </a:solidFill>
-          <a:ln w="28575">
-            <a:solidFill>
-              <a:schemeClr val="bg1"/>
-            </a:solidFill>
-          </a:ln>
-        </p:spPr>
-        <p:style>
-          <a:lnRef idx="2">
-            <a:schemeClr val="dk1"/>
-          </a:lnRef>
-          <a:fillRef idx="1">
-            <a:schemeClr val="lt1"/>
-          </a:fillRef>
-          <a:effectRef idx="0">
-            <a:schemeClr val="dk1"/>
-          </a:effectRef>
-          <a:fontRef idx="minor">
-            <a:schemeClr val="dk1"/>
-          </a:fontRef>
-        </p:style>
-        <p:txBody>
-          <a:bodyPr rtlCol="0" anchor="b"/>
-          <a:lstStyle/>
-          <a:p>
-            <a:pPr algn="ctr"/>
-            <a:r>
-              <a:rPr lang="en-US" smtClean="0"/>
-              <a:t>ELT 4.0</a:t>
-            </a:r>
-            <a:endParaRPr lang="en-US" dirty="0"/>
-          </a:p>
-        </p:txBody>
-      </p:sp>
-      <p:sp>
-        <p:nvSpPr>
-          <p:cNvPr id="2" name="Title 1"/>
-          <p:cNvSpPr>
-            <a:spLocks noGrp="1"/>
-          </p:cNvSpPr>
-          <p:nvPr>
-            <p:ph type="title"/>
-          </p:nvPr>
-        </p:nvSpPr>
-        <p:spPr>
-          <a:xfrm>
-            <a:off x="457200" y="73726"/>
-            <a:ext cx="8229600" cy="1143000"/>
-          </a:xfrm>
-        </p:spPr>
-        <p:txBody>
-          <a:bodyPr/>
-          <a:lstStyle/>
-          <a:p>
-            <a:r>
-              <a:rPr lang="en-US" dirty="0" smtClean="0"/>
-              <a:t>Modular Norm Model</a:t>
-            </a:r>
-            <a:endParaRPr lang="en-US" dirty="0"/>
-          </a:p>
-        </p:txBody>
-      </p:sp>
-      <p:sp>
-        <p:nvSpPr>
-          <p:cNvPr id="3" name="Slide Number Placeholder 2"/>
-          <p:cNvSpPr>
-            <a:spLocks noGrp="1"/>
-          </p:cNvSpPr>
-          <p:nvPr>
-            <p:ph type="sldNum" sz="quarter" idx="12"/>
-          </p:nvPr>
-        </p:nvSpPr>
-        <p:spPr/>
-        <p:txBody>
-          <a:bodyPr/>
-          <a:lstStyle/>
-          <a:p>
-            <a:fld id="{AA6A4578-B0B2-2649-A7D7-8F6F87258344}" type="slidenum">
-              <a:rPr lang="en-US" smtClean="0"/>
-              <a:t>11</a:t>
-            </a:fld>
-            <a:endParaRPr lang="en-US"/>
-          </a:p>
-        </p:txBody>
-      </p:sp>
-      <p:sp>
-        <p:nvSpPr>
-          <p:cNvPr id="17" name="Triangle 16"/>
-          <p:cNvSpPr/>
-          <p:nvPr/>
-        </p:nvSpPr>
-        <p:spPr>
-          <a:xfrm>
-            <a:off x="4581679" y="1872062"/>
-            <a:ext cx="1668321" cy="1438208"/>
-          </a:xfrm>
-          <a:prstGeom prst="triangle">
-            <a:avLst/>
-          </a:prstGeom>
-          <a:solidFill>
-            <a:schemeClr val="tx1"/>
-          </a:solidFill>
-        </p:spPr>
-        <p:style>
-          <a:lnRef idx="2">
-            <a:schemeClr val="dk1"/>
-          </a:lnRef>
-          <a:fillRef idx="1">
-            <a:schemeClr val="lt1"/>
-          </a:fillRef>
-          <a:effectRef idx="0">
-            <a:schemeClr val="dk1"/>
-          </a:effectRef>
-          <a:fontRef idx="minor">
-            <a:schemeClr val="dk1"/>
-          </a:fontRef>
-        </p:style>
-        <p:txBody>
-          <a:bodyPr rtlCol="0" anchor="ctr"/>
-          <a:lstStyle/>
-          <a:p>
-            <a:pPr algn="ctr"/>
-            <a:r>
-              <a:rPr lang="en-US" dirty="0" smtClean="0">
-                <a:solidFill>
-                  <a:schemeClr val="bg1"/>
-                </a:solidFill>
-              </a:rPr>
-              <a:t>Duty</a:t>
-            </a:r>
-            <a:endParaRPr lang="en-US" dirty="0">
-              <a:solidFill>
-                <a:schemeClr val="bg1"/>
-              </a:solidFill>
-            </a:endParaRPr>
-          </a:p>
-        </p:txBody>
-      </p:sp>
-      <p:cxnSp>
-        <p:nvCxnSpPr>
-          <p:cNvPr id="18" name="Straight Arrow Connector 17"/>
-          <p:cNvCxnSpPr/>
-          <p:nvPr/>
-        </p:nvCxnSpPr>
-        <p:spPr>
-          <a:xfrm flipV="1">
-            <a:off x="2894546" y="2793430"/>
-            <a:ext cx="1983347" cy="1"/>
-          </a:xfrm>
-          <a:prstGeom prst="straightConnector1">
-            <a:avLst/>
-          </a:prstGeom>
-          <a:ln>
-            <a:tailEnd type="arrow" w="lg" len="lg"/>
-          </a:ln>
-        </p:spPr>
-        <p:style>
-          <a:lnRef idx="2">
-            <a:schemeClr val="dk1"/>
-          </a:lnRef>
-          <a:fillRef idx="1">
-            <a:schemeClr val="lt1"/>
-          </a:fillRef>
-          <a:effectRef idx="0">
-            <a:schemeClr val="dk1"/>
-          </a:effectRef>
-          <a:fontRef idx="minor">
-            <a:schemeClr val="dk1"/>
-          </a:fontRef>
-        </p:style>
-      </p:cxnSp>
-      <p:cxnSp>
-        <p:nvCxnSpPr>
-          <p:cNvPr id="19" name="Straight Arrow Connector 18"/>
-          <p:cNvCxnSpPr>
-            <a:endCxn id="22" idx="3"/>
-          </p:cNvCxnSpPr>
-          <p:nvPr/>
-        </p:nvCxnSpPr>
-        <p:spPr>
-          <a:xfrm flipV="1">
-            <a:off x="5415839" y="3310270"/>
-            <a:ext cx="1" cy="921368"/>
-          </a:xfrm>
-          <a:prstGeom prst="straightConnector1">
-            <a:avLst/>
-          </a:prstGeom>
-          <a:ln>
-            <a:tailEnd type="arrow" w="lg" len="lg"/>
-          </a:ln>
-        </p:spPr>
-        <p:style>
-          <a:lnRef idx="2">
-            <a:schemeClr val="dk1"/>
-          </a:lnRef>
-          <a:fillRef idx="1">
-            <a:schemeClr val="lt1"/>
-          </a:fillRef>
-          <a:effectRef idx="0">
-            <a:schemeClr val="dk1"/>
-          </a:effectRef>
-          <a:fontRef idx="minor">
-            <a:schemeClr val="dk1"/>
-          </a:fontRef>
-        </p:style>
-      </p:cxnSp>
-      <p:sp>
-        <p:nvSpPr>
-          <p:cNvPr id="21" name="TextBox 20"/>
-          <p:cNvSpPr txBox="1"/>
-          <p:nvPr/>
-        </p:nvSpPr>
-        <p:spPr>
-          <a:xfrm>
-            <a:off x="5403806" y="3512534"/>
-            <a:ext cx="846194" cy="338554"/>
-          </a:xfrm>
-          <a:prstGeom prst="rect">
-            <a:avLst/>
-          </a:prstGeom>
-          <a:noFill/>
-          <a:ln>
-            <a:noFill/>
-          </a:ln>
-        </p:spPr>
-        <p:txBody>
-          <a:bodyPr wrap="none" rtlCol="0">
-            <a:spAutoFit/>
-          </a:bodyPr>
-          <a:lstStyle/>
-          <a:p>
-            <a:r>
-              <a:rPr lang="en-US" sz="1600" smtClean="0">
-                <a:solidFill>
-                  <a:schemeClr val="bg1"/>
-                </a:solidFill>
-              </a:rPr>
-              <a:t>satisfies</a:t>
-            </a:r>
-            <a:endParaRPr lang="en-US" sz="1600" dirty="0">
-              <a:solidFill>
-                <a:schemeClr val="bg1"/>
-              </a:solidFill>
-            </a:endParaRPr>
-          </a:p>
-        </p:txBody>
-      </p:sp>
-      <p:sp>
-        <p:nvSpPr>
-          <p:cNvPr id="22" name="TextBox 21"/>
-          <p:cNvSpPr txBox="1"/>
-          <p:nvPr/>
-        </p:nvSpPr>
-        <p:spPr>
-          <a:xfrm>
-            <a:off x="6593324" y="1672034"/>
-            <a:ext cx="2093476" cy="1569660"/>
-          </a:xfrm>
-          <a:prstGeom prst="rect">
-            <a:avLst/>
-          </a:prstGeom>
-          <a:solidFill>
-            <a:srgbClr val="FFFF00"/>
-          </a:solidFill>
-        </p:spPr>
-        <p:txBody>
-          <a:bodyPr wrap="square" rtlCol="0">
-            <a:spAutoFit/>
-          </a:bodyPr>
-          <a:lstStyle/>
-          <a:p>
-            <a:pPr algn="r"/>
-            <a:r>
-              <a:rPr lang="en-US" sz="1600" dirty="0">
-                <a:solidFill>
-                  <a:schemeClr val="bg1"/>
-                </a:solidFill>
-              </a:rPr>
-              <a:t>You </a:t>
-            </a:r>
-            <a:r>
-              <a:rPr lang="en-US" sz="1600" b="1" dirty="0">
-                <a:solidFill>
-                  <a:schemeClr val="bg1"/>
-                </a:solidFill>
-              </a:rPr>
-              <a:t>must</a:t>
-            </a:r>
-            <a:r>
-              <a:rPr lang="en-US" sz="1600" dirty="0">
-                <a:solidFill>
-                  <a:schemeClr val="bg1"/>
-                </a:solidFill>
-              </a:rPr>
-              <a:t> retain, </a:t>
-            </a:r>
-            <a:br>
-              <a:rPr lang="en-US" sz="1600" dirty="0">
-                <a:solidFill>
-                  <a:schemeClr val="bg1"/>
-                </a:solidFill>
-              </a:rPr>
-            </a:br>
-            <a:r>
-              <a:rPr lang="en-US" sz="1600" dirty="0">
-                <a:solidFill>
-                  <a:schemeClr val="bg1"/>
-                </a:solidFill>
-              </a:rPr>
-              <a:t>in the Source form</a:t>
-            </a:r>
-            <a:r>
-              <a:rPr lang="mr-IN" sz="1600" dirty="0">
-                <a:solidFill>
-                  <a:schemeClr val="bg1"/>
-                </a:solidFill>
-              </a:rPr>
-              <a:t>…</a:t>
-            </a:r>
-            <a:endParaRPr lang="en-US" sz="1600" dirty="0">
-              <a:solidFill>
-                <a:schemeClr val="bg1"/>
-              </a:solidFill>
-            </a:endParaRPr>
-          </a:p>
-          <a:p>
-            <a:pPr algn="r"/>
-            <a:endParaRPr lang="en-US" sz="1600" dirty="0">
-              <a:solidFill>
-                <a:schemeClr val="bg1"/>
-              </a:solidFill>
-            </a:endParaRPr>
-          </a:p>
-          <a:p>
-            <a:pPr algn="r"/>
-            <a:r>
-              <a:rPr lang="en-US" sz="1600" dirty="0">
-                <a:solidFill>
-                  <a:schemeClr val="bg1"/>
-                </a:solidFill>
-              </a:rPr>
-              <a:t>Holder: User</a:t>
-            </a:r>
-          </a:p>
-          <a:p>
-            <a:pPr algn="r"/>
-            <a:r>
-              <a:rPr lang="en-US" sz="1600" dirty="0">
-                <a:solidFill>
-                  <a:schemeClr val="bg1"/>
-                </a:solidFill>
-              </a:rPr>
-              <a:t>Beneficiary: Copyright Holder</a:t>
-            </a:r>
-          </a:p>
-        </p:txBody>
-      </p:sp>
-      <p:cxnSp>
-        <p:nvCxnSpPr>
-          <p:cNvPr id="25" name="Straight Connector 24"/>
-          <p:cNvCxnSpPr>
-            <a:stCxn id="22" idx="5"/>
-          </p:cNvCxnSpPr>
-          <p:nvPr/>
-        </p:nvCxnSpPr>
-        <p:spPr>
-          <a:xfrm flipV="1">
-            <a:off x="5832920" y="2228241"/>
-            <a:ext cx="791838" cy="362925"/>
-          </a:xfrm>
-          <a:prstGeom prst="line">
-            <a:avLst/>
-          </a:prstGeom>
-          <a:ln w="19050">
-            <a:solidFill>
-              <a:srgbClr val="FFFF00"/>
-            </a:solidFill>
-          </a:ln>
-        </p:spPr>
-        <p:style>
-          <a:lnRef idx="1">
-            <a:schemeClr val="dk1"/>
-          </a:lnRef>
-          <a:fillRef idx="0">
-            <a:schemeClr val="dk1"/>
-          </a:fillRef>
-          <a:effectRef idx="0">
-            <a:schemeClr val="dk1"/>
-          </a:effectRef>
-          <a:fontRef idx="minor">
-            <a:schemeClr val="tx1"/>
-          </a:fontRef>
-        </p:style>
-      </p:cxnSp>
-      <p:sp>
-        <p:nvSpPr>
-          <p:cNvPr id="28" name="TextBox 27"/>
-          <p:cNvSpPr txBox="1"/>
-          <p:nvPr/>
-        </p:nvSpPr>
-        <p:spPr>
-          <a:xfrm>
-            <a:off x="3318295" y="2431908"/>
-            <a:ext cx="920060" cy="338554"/>
-          </a:xfrm>
-          <a:prstGeom prst="rect">
-            <a:avLst/>
-          </a:prstGeom>
-          <a:noFill/>
-          <a:ln>
-            <a:noFill/>
-          </a:ln>
-        </p:spPr>
-        <p:txBody>
-          <a:bodyPr wrap="none" rtlCol="0">
-            <a:spAutoFit/>
-          </a:bodyPr>
-          <a:lstStyle/>
-          <a:p>
-            <a:r>
-              <a:rPr lang="en-US" sz="1600" dirty="0" smtClean="0">
-                <a:solidFill>
-                  <a:schemeClr val="bg1"/>
-                </a:solidFill>
-              </a:rPr>
-              <a:t>activates</a:t>
-            </a:r>
-            <a:endParaRPr lang="en-US" sz="1600" dirty="0">
-              <a:solidFill>
-                <a:schemeClr val="bg1"/>
-              </a:solidFill>
-            </a:endParaRPr>
-          </a:p>
-        </p:txBody>
-      </p:sp>
-      <p:sp>
-        <p:nvSpPr>
-          <p:cNvPr id="29" name="TextBox 28"/>
-          <p:cNvSpPr txBox="1"/>
-          <p:nvPr/>
-        </p:nvSpPr>
-        <p:spPr>
-          <a:xfrm>
-            <a:off x="4859089" y="2863674"/>
-            <a:ext cx="1089434" cy="307777"/>
-          </a:xfrm>
-          <a:prstGeom prst="rect">
-            <a:avLst/>
-          </a:prstGeom>
-          <a:solidFill>
-            <a:schemeClr val="tx1"/>
-          </a:solidFill>
-        </p:spPr>
-        <p:txBody>
-          <a:bodyPr wrap="square" rtlCol="0">
-            <a:spAutoFit/>
-          </a:bodyPr>
-          <a:lstStyle/>
-          <a:p>
-            <a:pPr algn="ctr"/>
-            <a:r>
-              <a:rPr lang="en-US" sz="1400" dirty="0" smtClean="0">
-                <a:solidFill>
-                  <a:schemeClr val="bg1"/>
-                </a:solidFill>
-              </a:rPr>
-              <a:t>Duty | INC</a:t>
-            </a:r>
-            <a:endParaRPr lang="en-US" sz="1400" dirty="0">
-              <a:solidFill>
-                <a:schemeClr val="bg1"/>
-              </a:solidFill>
-            </a:endParaRPr>
-          </a:p>
-        </p:txBody>
-      </p:sp>
-      <p:sp>
-        <p:nvSpPr>
-          <p:cNvPr id="30" name="Rectangle 29"/>
-          <p:cNvSpPr/>
-          <p:nvPr/>
-        </p:nvSpPr>
-        <p:spPr>
-          <a:xfrm>
-            <a:off x="1361812" y="2265233"/>
-            <a:ext cx="1532734" cy="1214258"/>
-          </a:xfrm>
-          <a:prstGeom prst="rect">
-            <a:avLst/>
-          </a:prstGeom>
-          <a:solidFill>
-            <a:schemeClr val="tx1"/>
-          </a:solidFill>
-        </p:spPr>
-        <p:style>
-          <a:lnRef idx="2">
-            <a:schemeClr val="dk1"/>
-          </a:lnRef>
-          <a:fillRef idx="1">
-            <a:schemeClr val="lt1"/>
-          </a:fillRef>
-          <a:effectRef idx="0">
-            <a:schemeClr val="dk1"/>
-          </a:effectRef>
-          <a:fontRef idx="minor">
-            <a:schemeClr val="dk1"/>
-          </a:fontRef>
-        </p:style>
-        <p:txBody>
-          <a:bodyPr rtlCol="0" anchor="ctr"/>
-          <a:lstStyle/>
-          <a:p>
-            <a:pPr algn="ctr"/>
-            <a:r>
-              <a:rPr lang="en-US" dirty="0" smtClean="0">
-                <a:solidFill>
-                  <a:schemeClr val="bg1"/>
-                </a:solidFill>
-              </a:rPr>
-              <a:t>[You intend to] Reproduce </a:t>
-            </a:r>
-            <a:r>
-              <a:rPr lang="en-US" dirty="0">
-                <a:solidFill>
-                  <a:schemeClr val="bg1"/>
-                </a:solidFill>
-              </a:rPr>
-              <a:t>and Distribute Copies</a:t>
-            </a:r>
-          </a:p>
-        </p:txBody>
-      </p:sp>
-      <p:sp>
-        <p:nvSpPr>
-          <p:cNvPr id="31" name="Rectangle 30"/>
-          <p:cNvSpPr/>
-          <p:nvPr/>
-        </p:nvSpPr>
-        <p:spPr>
-          <a:xfrm>
-            <a:off x="4121481" y="4231638"/>
-            <a:ext cx="2596754" cy="1214258"/>
-          </a:xfrm>
-          <a:prstGeom prst="rect">
-            <a:avLst/>
-          </a:prstGeom>
-          <a:solidFill>
-            <a:schemeClr val="tx1"/>
-          </a:solidFill>
-        </p:spPr>
-        <p:style>
-          <a:lnRef idx="2">
-            <a:schemeClr val="dk1"/>
-          </a:lnRef>
-          <a:fillRef idx="1">
-            <a:schemeClr val="lt1"/>
-          </a:fillRef>
-          <a:effectRef idx="0">
-            <a:schemeClr val="dk1"/>
-          </a:effectRef>
-          <a:fontRef idx="minor">
-            <a:schemeClr val="dk1"/>
-          </a:fontRef>
-        </p:style>
-        <p:txBody>
-          <a:bodyPr rtlCol="0" anchor="ctr"/>
-          <a:lstStyle/>
-          <a:p>
-            <a:pPr algn="ctr"/>
-            <a:r>
-              <a:rPr lang="en-US" dirty="0" smtClean="0">
-                <a:solidFill>
-                  <a:schemeClr val="bg1"/>
-                </a:solidFill>
-              </a:rPr>
-              <a:t>[You retained] in </a:t>
-            </a:r>
-            <a:r>
-              <a:rPr lang="en-US" dirty="0">
-                <a:solidFill>
-                  <a:schemeClr val="bg1"/>
-                </a:solidFill>
-              </a:rPr>
-              <a:t>Source form</a:t>
-            </a:r>
-            <a:r>
-              <a:rPr lang="is-IS" dirty="0">
-                <a:solidFill>
-                  <a:schemeClr val="bg1"/>
-                </a:solidFill>
-              </a:rPr>
-              <a:t>…</a:t>
-            </a:r>
-            <a:r>
-              <a:rPr lang="en-US" dirty="0">
-                <a:solidFill>
-                  <a:schemeClr val="bg1"/>
-                </a:solidFill>
-              </a:rPr>
-              <a:t> copyright, patent, trademark, and attribution notices </a:t>
-            </a:r>
-          </a:p>
-        </p:txBody>
-      </p:sp>
-      <p:pic>
-        <p:nvPicPr>
-          <p:cNvPr id="15" name="Picture 14"/>
-          <p:cNvPicPr>
-            <a:picLocks noChangeAspect="1"/>
-          </p:cNvPicPr>
-          <p:nvPr/>
-        </p:nvPicPr>
-        <p:blipFill>
-          <a:blip r:embed="rId3"/>
-          <a:stretch>
-            <a:fillRect/>
-          </a:stretch>
-        </p:blipFill>
-        <p:spPr>
-          <a:xfrm>
-            <a:off x="83371" y="238968"/>
-            <a:ext cx="1924077" cy="977758"/>
-          </a:xfrm>
-          <a:prstGeom prst="rect">
-            <a:avLst/>
-          </a:prstGeom>
-        </p:spPr>
-      </p:pic>
-      <p:pic>
-        <p:nvPicPr>
-          <p:cNvPr id="16" name="Picture 15"/>
-          <p:cNvPicPr>
-            <a:picLocks noChangeAspect="1"/>
-          </p:cNvPicPr>
-          <p:nvPr/>
-        </p:nvPicPr>
-        <p:blipFill>
-          <a:blip r:embed="rId4"/>
-          <a:stretch>
-            <a:fillRect/>
-          </a:stretch>
-        </p:blipFill>
-        <p:spPr>
-          <a:xfrm>
-            <a:off x="155585" y="6026918"/>
-            <a:ext cx="1779647" cy="750736"/>
-          </a:xfrm>
-          <a:prstGeom prst="rect">
-            <a:avLst/>
-          </a:prstGeom>
-        </p:spPr>
-      </p:pic>
-      <p:sp>
-        <p:nvSpPr>
-          <p:cNvPr id="20" name="TextBox 19"/>
-          <p:cNvSpPr txBox="1"/>
-          <p:nvPr/>
-        </p:nvSpPr>
-        <p:spPr>
-          <a:xfrm>
-            <a:off x="5415839" y="6096926"/>
-            <a:ext cx="3410293" cy="369332"/>
-          </a:xfrm>
-          <a:prstGeom prst="rect">
-            <a:avLst/>
-          </a:prstGeom>
-          <a:noFill/>
-        </p:spPr>
-        <p:txBody>
-          <a:bodyPr wrap="none" rtlCol="0">
-            <a:spAutoFit/>
-          </a:bodyPr>
-          <a:lstStyle/>
-          <a:p>
-            <a:r>
-              <a:rPr lang="en-US" b="1" dirty="0" smtClean="0"/>
-              <a:t>Scenario: </a:t>
-            </a:r>
-            <a:r>
-              <a:rPr lang="en-US" dirty="0" smtClean="0"/>
-              <a:t>Need </a:t>
-            </a:r>
-            <a:r>
-              <a:rPr lang="en-US" smtClean="0"/>
-              <a:t>more information!</a:t>
-            </a:r>
-            <a:endParaRPr lang="en-US" dirty="0"/>
-          </a:p>
-        </p:txBody>
-      </p:sp>
-    </p:spTree>
-    <p:extLst>
-      <p:ext uri="{BB962C8B-B14F-4D97-AF65-F5344CB8AC3E}">
-        <p14:creationId xmlns:p14="http://schemas.microsoft.com/office/powerpoint/2010/main" val="1216727712"/>
-      </p:ext>
-    </p:extLst>
-  </p:cSld>
-  <p:clrMapOvr>
-    <a:masterClrMapping/>
-  </p:clrMapOvr>
-  <p:timing>
-    <p:tnLst>
-      <p:par>
-        <p:cTn id="1" dur="indefinite" restart="never" nodeType="tmRoot">
-          <p:childTnLst>
-            <p:seq concurrent="1" nextAc="seek">
-              <p:cTn id="2" dur="indefinite" nodeType="mainSeq">
-                <p:childTnLst>
-                  <p:par>
-                    <p:cTn id="3" fill="hold">
-                      <p:stCondLst>
-                        <p:cond delay="indefinite"/>
-                      </p:stCondLst>
-                      <p:childTnLst>
-                        <p:par>
-                          <p:cTn id="4" fill="hold">
-                            <p:stCondLst>
-                              <p:cond delay="0"/>
-                            </p:stCondLst>
-                            <p:childTnLst>
-                              <p:par>
-                                <p:cTn id="5" presetID="1" presetClass="emph" presetSubtype="2" fill="hold" nodeType="clickEffect">
-                                  <p:stCondLst>
-                                    <p:cond delay="0"/>
-                                  </p:stCondLst>
-                                  <p:childTnLst>
-                                    <p:animClr clrSpc="rgb" dir="cw">
-                                      <p:cBhvr>
-                                        <p:cTn id="6" dur="500" fill="hold"/>
-                                        <p:tgtEl>
-                                          <p:spTgt spid="30"/>
-                                        </p:tgtEl>
-                                        <p:attrNameLst>
-                                          <p:attrName>fillcolor</p:attrName>
-                                        </p:attrNameLst>
-                                      </p:cBhvr>
-                                      <p:to>
-                                        <a:srgbClr val="91D050"/>
-                                      </p:to>
-                                    </p:animClr>
-                                    <p:set>
-                                      <p:cBhvr>
-                                        <p:cTn id="7" dur="500" fill="hold"/>
-                                        <p:tgtEl>
-                                          <p:spTgt spid="30"/>
-                                        </p:tgtEl>
-                                        <p:attrNameLst>
-                                          <p:attrName>fill.type</p:attrName>
-                                        </p:attrNameLst>
-                                      </p:cBhvr>
-                                      <p:to>
-                                        <p:strVal val="solid"/>
-                                      </p:to>
-                                    </p:set>
-                                    <p:set>
-                                      <p:cBhvr>
-                                        <p:cTn id="8" dur="500" fill="hold"/>
-                                        <p:tgtEl>
-                                          <p:spTgt spid="30"/>
-                                        </p:tgtEl>
-                                        <p:attrNameLst>
-                                          <p:attrName>fill.on</p:attrName>
-                                        </p:attrNameLst>
-                                      </p:cBhvr>
-                                      <p:to>
-                                        <p:strVal val="true"/>
-                                      </p:to>
-                                    </p:set>
-                                  </p:childTnLst>
-                                </p:cTn>
-                              </p:par>
-                            </p:childTnLst>
-                          </p:cTn>
-                        </p:par>
-                      </p:childTnLst>
-                    </p:cTn>
-                  </p:par>
-                  <p:par>
-                    <p:cTn id="9" fill="hold">
-                      <p:stCondLst>
-                        <p:cond delay="indefinite"/>
-                      </p:stCondLst>
-                      <p:childTnLst>
-                        <p:par>
-                          <p:cTn id="10" fill="hold">
-                            <p:stCondLst>
-                              <p:cond delay="0"/>
-                            </p:stCondLst>
-                            <p:childTnLst>
-                              <p:par>
-                                <p:cTn id="11" presetID="1" presetClass="emph" presetSubtype="2" fill="hold" nodeType="clickEffect">
-                                  <p:stCondLst>
-                                    <p:cond delay="0"/>
-                                  </p:stCondLst>
-                                  <p:childTnLst>
-                                    <p:animClr clrSpc="rgb" dir="cw">
-                                      <p:cBhvr>
-                                        <p:cTn id="12" dur="500" fill="hold"/>
-                                        <p:tgtEl>
-                                          <p:spTgt spid="31"/>
-                                        </p:tgtEl>
-                                        <p:attrNameLst>
-                                          <p:attrName>fillcolor</p:attrName>
-                                        </p:attrNameLst>
-                                      </p:cBhvr>
-                                      <p:to>
-                                        <a:srgbClr val="FFFD94"/>
-                                      </p:to>
-                                    </p:animClr>
-                                    <p:set>
-                                      <p:cBhvr>
-                                        <p:cTn id="13" dur="500" fill="hold"/>
-                                        <p:tgtEl>
-                                          <p:spTgt spid="31"/>
-                                        </p:tgtEl>
-                                        <p:attrNameLst>
-                                          <p:attrName>fill.type</p:attrName>
-                                        </p:attrNameLst>
-                                      </p:cBhvr>
-                                      <p:to>
-                                        <p:strVal val="solid"/>
-                                      </p:to>
-                                    </p:set>
-                                    <p:set>
-                                      <p:cBhvr>
-                                        <p:cTn id="14" dur="500" fill="hold"/>
-                                        <p:tgtEl>
-                                          <p:spTgt spid="31"/>
-                                        </p:tgtEl>
-                                        <p:attrNameLst>
-                                          <p:attrName>fill.on</p:attrName>
-                                        </p:attrNameLst>
-                                      </p:cBhvr>
-                                      <p:to>
-                                        <p:strVal val="true"/>
-                                      </p:to>
-                                    </p:set>
-                                  </p:childTnLst>
-                                </p:cTn>
-                              </p:par>
-                            </p:childTnLst>
-                          </p:cTn>
-                        </p:par>
-                      </p:childTnLst>
-                    </p:cTn>
-                  </p:par>
-                  <p:par>
-                    <p:cTn id="15" fill="hold">
-                      <p:stCondLst>
-                        <p:cond delay="indefinite"/>
-                      </p:stCondLst>
-                      <p:childTnLst>
-                        <p:par>
-                          <p:cTn id="16" fill="hold">
-                            <p:stCondLst>
-                              <p:cond delay="0"/>
-                            </p:stCondLst>
-                            <p:childTnLst>
-                              <p:par>
-                                <p:cTn id="17" presetID="1" presetClass="entr" presetSubtype="0" fill="hold" grpId="1" nodeType="clickEffect">
-                                  <p:stCondLst>
-                                    <p:cond delay="0"/>
-                                  </p:stCondLst>
-                                  <p:childTnLst>
-                                    <p:set>
-                                      <p:cBhvr>
-                                        <p:cTn id="18" dur="1" fill="hold">
-                                          <p:stCondLst>
-                                            <p:cond delay="0"/>
-                                          </p:stCondLst>
-                                        </p:cTn>
-                                        <p:tgtEl>
-                                          <p:spTgt spid="29"/>
-                                        </p:tgtEl>
-                                        <p:attrNameLst>
-                                          <p:attrName>style.visibility</p:attrName>
-                                        </p:attrNameLst>
-                                      </p:cBhvr>
-                                      <p:to>
-                                        <p:strVal val="visible"/>
-                                      </p:to>
-                                    </p:set>
-                                  </p:childTnLst>
-                                </p:cTn>
-                              </p:par>
-                              <p:par>
-                                <p:cTn id="19" presetID="6" presetClass="emph" presetSubtype="0" repeatCount="2000" autoRev="1" fill="hold" grpId="0" nodeType="withEffect">
-                                  <p:stCondLst>
-                                    <p:cond delay="0"/>
-                                  </p:stCondLst>
-                                  <p:childTnLst>
-                                    <p:animScale>
-                                      <p:cBhvr>
-                                        <p:cTn id="20" dur="500" fill="hold"/>
-                                        <p:tgtEl>
-                                          <p:spTgt spid="29"/>
-                                        </p:tgtEl>
-                                      </p:cBhvr>
-                                      <p:by x="150000" y="150000"/>
-                                    </p:animScale>
-                                  </p:childTnLst>
-                                </p:cTn>
-                              </p:par>
-                            </p:childTnLst>
-                          </p:cTn>
-                        </p:par>
-                      </p:childTnLst>
-                    </p:cTn>
-                  </p:par>
-                  <p:par>
-                    <p:cTn id="21" fill="hold">
-                      <p:stCondLst>
-                        <p:cond delay="indefinite"/>
-                      </p:stCondLst>
-                      <p:childTnLst>
-                        <p:par>
-                          <p:cTn id="22" fill="hold">
-                            <p:stCondLst>
-                              <p:cond delay="0"/>
-                            </p:stCondLst>
-                            <p:childTnLst>
-                              <p:par>
-                                <p:cTn id="23" presetID="1" presetClass="emph" presetSubtype="2" fill="hold" nodeType="clickEffect">
-                                  <p:stCondLst>
-                                    <p:cond delay="0"/>
-                                  </p:stCondLst>
-                                  <p:childTnLst>
-                                    <p:animClr clrSpc="rgb" dir="cw">
-                                      <p:cBhvr>
-                                        <p:cTn id="24" dur="500" fill="hold"/>
-                                        <p:tgtEl>
-                                          <p:spTgt spid="32"/>
-                                        </p:tgtEl>
-                                        <p:attrNameLst>
-                                          <p:attrName>fillcolor</p:attrName>
-                                        </p:attrNameLst>
-                                      </p:cBhvr>
-                                      <p:to>
-                                        <a:srgbClr val="FFFD94"/>
-                                      </p:to>
-                                    </p:animClr>
-                                    <p:set>
-                                      <p:cBhvr>
-                                        <p:cTn id="25" dur="500" fill="hold"/>
-                                        <p:tgtEl>
-                                          <p:spTgt spid="32"/>
-                                        </p:tgtEl>
-                                        <p:attrNameLst>
-                                          <p:attrName>fill.type</p:attrName>
-                                        </p:attrNameLst>
-                                      </p:cBhvr>
-                                      <p:to>
-                                        <p:strVal val="solid"/>
-                                      </p:to>
-                                    </p:set>
-                                    <p:set>
-                                      <p:cBhvr>
-                                        <p:cTn id="26" dur="500" fill="hold"/>
-                                        <p:tgtEl>
-                                          <p:spTgt spid="32"/>
-                                        </p:tgtEl>
-                                        <p:attrNameLst>
-                                          <p:attrName>fill.on</p:attrName>
-                                        </p:attrNameLst>
-                                      </p:cBhvr>
-                                      <p:to>
-                                        <p:strVal val="true"/>
-                                      </p:to>
-                                    </p:set>
-                                  </p:childTnLst>
-                                </p:cTn>
-                              </p:par>
-                            </p:childTnLst>
-                          </p:cTn>
-                        </p:par>
-                      </p:childTnLst>
-                    </p:cTn>
-                  </p:par>
-                  <p:par>
-                    <p:cTn id="27" fill="hold">
-                      <p:stCondLst>
-                        <p:cond delay="indefinite"/>
-                      </p:stCondLst>
-                      <p:childTnLst>
-                        <p:par>
-                          <p:cTn id="28" fill="hold">
-                            <p:stCondLst>
-                              <p:cond delay="0"/>
-                            </p:stCondLst>
-                            <p:childTnLst>
-                              <p:par>
-                                <p:cTn id="29" presetID="1" presetClass="entr" presetSubtype="0" fill="hold" grpId="0" nodeType="clickEffect">
-                                  <p:stCondLst>
-                                    <p:cond delay="0"/>
-                                  </p:stCondLst>
-                                  <p:childTnLst>
-                                    <p:set>
-                                      <p:cBhvr>
-                                        <p:cTn id="30" dur="1" fill="hold">
-                                          <p:stCondLst>
-                                            <p:cond delay="0"/>
-                                          </p:stCondLst>
-                                        </p:cTn>
-                                        <p:tgtEl>
-                                          <p:spTgt spid="20"/>
-                                        </p:tgtEl>
-                                        <p:attrNameLst>
-                                          <p:attrName>style.visibility</p:attrName>
-                                        </p:attrNameLst>
-                                      </p:cBhvr>
-                                      <p:to>
-                                        <p:strVal val="visible"/>
-                                      </p:to>
-                                    </p:set>
-                                  </p:childTnLst>
-                                </p:cTn>
-                              </p:par>
-                            </p:childTnLst>
-                          </p:cTn>
-                        </p:par>
-                      </p:childTnLst>
-                    </p:cTn>
-                  </p:par>
-                </p:childTnLst>
-              </p:cTn>
-              <p:prevCondLst>
-                <p:cond evt="onPrev" delay="0">
-                  <p:tgtEl>
-                    <p:sldTgt/>
-                  </p:tgtEl>
-                </p:cond>
-              </p:prevCondLst>
-              <p:nextCondLst>
-                <p:cond evt="onNext" delay="0">
-                  <p:tgtEl>
-                    <p:sldTgt/>
-                  </p:tgtEl>
-                </p:cond>
-              </p:nextCondLst>
-            </p:seq>
-          </p:childTnLst>
-        </p:cTn>
-      </p:par>
-    </p:tnLst>
-    <p:bldLst>
-      <p:bldP spid="29" grpId="0" animBg="1"/>
-      <p:bldP spid="29" grpId="1" animBg="1"/>
-      <p:bldP spid="20" grpId="0"/>
-    </p:bldLst>
-  </p:timing>
-</p:sld>
-</file>
-
-<file path=ppt/slides/slide12.xml><?xml version="1.0" encoding="utf-8"?>
-<p:sld xmlns:a="http://schemas.openxmlformats.org/drawingml/2006/main" xmlns:r="http://schemas.openxmlformats.org/officeDocument/2006/relationships" xmlns:p="http://schemas.openxmlformats.org/presentationml/2006/main">
-  <p:cSld>
-    <p:spTree>
-      <p:nvGrpSpPr>
-        <p:cNvPr id="1" name=""/>
-        <p:cNvGrpSpPr/>
-        <p:nvPr/>
-      </p:nvGrpSpPr>
-      <p:grpSpPr>
-        <a:xfrm>
-          <a:off x="0" y="0"/>
-          <a:ext cx="0" cy="0"/>
-          <a:chOff x="0" y="0"/>
-          <a:chExt cx="0" cy="0"/>
-        </a:xfrm>
-      </p:grpSpPr>
-      <p:sp>
-        <p:nvSpPr>
-          <p:cNvPr id="5" name="Rounded Rectangle 4"/>
-          <p:cNvSpPr/>
-          <p:nvPr/>
-        </p:nvSpPr>
-        <p:spPr>
-          <a:xfrm>
-            <a:off x="962382" y="2207723"/>
-            <a:ext cx="1382785" cy="406385"/>
-          </a:xfrm>
-          <a:prstGeom prst="roundRect">
-            <a:avLst/>
-          </a:prstGeom>
-          <a:solidFill>
-            <a:srgbClr val="FF0000"/>
-          </a:solidFill>
-        </p:spPr>
-        <p:style>
-          <a:lnRef idx="2">
-            <a:schemeClr val="accent1">
-              <a:shade val="50000"/>
-            </a:schemeClr>
-          </a:lnRef>
-          <a:fillRef idx="1">
-            <a:schemeClr val="accent1"/>
-          </a:fillRef>
-          <a:effectRef idx="0">
-            <a:schemeClr val="accent1"/>
-          </a:effectRef>
-          <a:fontRef idx="minor">
-            <a:schemeClr val="lt1"/>
-          </a:fontRef>
-        </p:style>
-        <p:txBody>
-          <a:bodyPr rtlCol="0" anchor="ctr"/>
-          <a:lstStyle/>
-          <a:p>
-            <a:pPr algn="ctr"/>
-            <a:endParaRPr lang="en-US"/>
-          </a:p>
-        </p:txBody>
-      </p:sp>
-      <p:sp>
-        <p:nvSpPr>
-          <p:cNvPr id="6" name="Rounded Rectangle 5"/>
-          <p:cNvSpPr/>
-          <p:nvPr/>
-        </p:nvSpPr>
-        <p:spPr>
-          <a:xfrm>
-            <a:off x="1362208" y="4361046"/>
-            <a:ext cx="1230385" cy="406385"/>
-          </a:xfrm>
-          <a:prstGeom prst="roundRect">
-            <a:avLst/>
-          </a:prstGeom>
-          <a:solidFill>
-            <a:srgbClr val="FF0000"/>
-          </a:solidFill>
-        </p:spPr>
-        <p:style>
-          <a:lnRef idx="2">
-            <a:schemeClr val="accent1">
-              <a:shade val="50000"/>
-            </a:schemeClr>
-          </a:lnRef>
-          <a:fillRef idx="1">
-            <a:schemeClr val="accent1"/>
-          </a:fillRef>
-          <a:effectRef idx="0">
-            <a:schemeClr val="accent1"/>
-          </a:effectRef>
-          <a:fontRef idx="minor">
-            <a:schemeClr val="lt1"/>
-          </a:fontRef>
-        </p:style>
-        <p:txBody>
-          <a:bodyPr rtlCol="0" anchor="ctr"/>
-          <a:lstStyle/>
-          <a:p>
-            <a:pPr algn="ctr"/>
-            <a:endParaRPr lang="en-US"/>
-          </a:p>
-        </p:txBody>
-      </p:sp>
-      <p:sp>
-        <p:nvSpPr>
-          <p:cNvPr id="2" name="Title 1"/>
-          <p:cNvSpPr>
-            <a:spLocks noGrp="1"/>
-          </p:cNvSpPr>
-          <p:nvPr>
-            <p:ph type="title"/>
-          </p:nvPr>
-        </p:nvSpPr>
-        <p:spPr/>
-        <p:txBody>
-          <a:bodyPr/>
-          <a:lstStyle/>
-          <a:p>
-            <a:r>
-              <a:rPr lang="en-US" dirty="0" smtClean="0"/>
-              <a:t>(yet another) Legal </a:t>
-            </a:r>
-            <a:r>
-              <a:rPr lang="en-US" dirty="0"/>
-              <a:t>Statement</a:t>
-            </a:r>
-          </a:p>
-        </p:txBody>
-      </p:sp>
-      <p:sp>
-        <p:nvSpPr>
-          <p:cNvPr id="4" name="Content Placeholder 4"/>
-          <p:cNvSpPr>
-            <a:spLocks noGrp="1"/>
-          </p:cNvSpPr>
-          <p:nvPr>
-            <p:ph idx="1"/>
-          </p:nvPr>
-        </p:nvSpPr>
-        <p:spPr/>
-        <p:txBody>
-          <a:bodyPr>
-            <a:normAutofit/>
-          </a:bodyPr>
-          <a:lstStyle/>
-          <a:p>
-            <a:pPr marL="0" lvl="1" indent="0">
-              <a:buNone/>
-            </a:pPr>
-            <a:r>
-              <a:rPr lang="en-US" dirty="0" smtClean="0"/>
-              <a:t>Your Public License (</a:t>
-            </a:r>
-            <a:r>
-              <a:rPr lang="en-US" dirty="0"/>
-              <a:t>Y</a:t>
-            </a:r>
-            <a:r>
-              <a:rPr lang="en-US" dirty="0" smtClean="0"/>
-              <a:t>PL) </a:t>
-            </a:r>
-            <a:r>
-              <a:rPr lang="en-US" dirty="0"/>
-              <a:t>v1.0</a:t>
-            </a:r>
-          </a:p>
-          <a:p>
-            <a:pPr marL="514350" lvl="1" indent="-514350">
-              <a:buFont typeface="+mj-lt"/>
-              <a:buAutoNum type="arabicPeriod" startAt="4"/>
-            </a:pPr>
-            <a:r>
-              <a:rPr lang="en-US" dirty="0"/>
-              <a:t>You may reproduce and distribute copies of the Work or Derivative Works thereof in any medium, with or without modifications, and in Source or Object form, provided that You meet the following condition:</a:t>
-            </a:r>
-          </a:p>
-          <a:p>
-            <a:pPr marL="857250" lvl="2" indent="-457200">
-              <a:buFont typeface="+mj-lt"/>
-              <a:buAutoNum type="alphaLcPeriod"/>
-            </a:pPr>
-            <a:r>
-              <a:rPr lang="en-US" dirty="0"/>
-              <a:t>You must retain, in the Source form of any Derivative Works that You distribute, all copyright, patent, trademark, and attribution notices from the Source form of the Work</a:t>
-            </a:r>
-          </a:p>
-        </p:txBody>
-      </p:sp>
-    </p:spTree>
-    <p:extLst>
-      <p:ext uri="{BB962C8B-B14F-4D97-AF65-F5344CB8AC3E}">
-        <p14:creationId xmlns:p14="http://schemas.microsoft.com/office/powerpoint/2010/main" val="734941503"/>
-      </p:ext>
-    </p:extLst>
-  </p:cSld>
-  <p:clrMapOvr>
-    <a:masterClrMapping/>
-  </p:clrMapOvr>
-  <p:timing>
-    <p:tnLst>
-      <p:par>
-        <p:cTn id="1" dur="indefinite" restart="never" nodeType="tmRoot">
-          <p:childTnLst>
-            <p:seq concurrent="1" nextAc="seek">
-              <p:cTn id="2" dur="indefinite" nodeType="mainSeq">
-                <p:childTnLst>
-                  <p:par>
-                    <p:cTn id="3" fill="hold">
-                      <p:stCondLst>
-                        <p:cond delay="indefinite"/>
-                      </p:stCondLst>
-                      <p:childTnLst>
-                        <p:par>
-                          <p:cTn id="4" fill="hold">
-                            <p:stCondLst>
-                              <p:cond delay="0"/>
-                            </p:stCondLst>
-                            <p:childTnLst>
-                              <p:par>
-                                <p:cTn id="5" presetID="1" presetClass="entr" presetSubtype="0" fill="hold" grpId="0" nodeType="clickEffect">
-                                  <p:stCondLst>
-                                    <p:cond delay="0"/>
-                                  </p:stCondLst>
-                                  <p:childTnLst>
-                                    <p:set>
-                                      <p:cBhvr>
-                                        <p:cTn id="6" dur="1" fill="hold">
-                                          <p:stCondLst>
-                                            <p:cond delay="0"/>
-                                          </p:stCondLst>
-                                        </p:cTn>
-                                        <p:tgtEl>
-                                          <p:spTgt spid="5"/>
-                                        </p:tgtEl>
-                                        <p:attrNameLst>
-                                          <p:attrName>style.visibility</p:attrName>
-                                        </p:attrNameLst>
-                                      </p:cBhvr>
-                                      <p:to>
-                                        <p:strVal val="visible"/>
-                                      </p:to>
-                                    </p:set>
-                                  </p:childTnLst>
-                                </p:cTn>
-                              </p:par>
-                            </p:childTnLst>
-                          </p:cTn>
-                        </p:par>
-                      </p:childTnLst>
-                    </p:cTn>
-                  </p:par>
-                  <p:par>
-                    <p:cTn id="7" fill="hold">
-                      <p:stCondLst>
-                        <p:cond delay="indefinite"/>
-                      </p:stCondLst>
-                      <p:childTnLst>
-                        <p:par>
-                          <p:cTn id="8" fill="hold">
-                            <p:stCondLst>
-                              <p:cond delay="0"/>
-                            </p:stCondLst>
-                            <p:childTnLst>
-                              <p:par>
-                                <p:cTn id="9" presetID="1" presetClass="entr" presetSubtype="0" fill="hold" grpId="0" nodeType="clickEffect">
-                                  <p:stCondLst>
-                                    <p:cond delay="0"/>
-                                  </p:stCondLst>
-                                  <p:childTnLst>
-                                    <p:set>
-                                      <p:cBhvr>
-                                        <p:cTn id="10" dur="1" fill="hold">
-                                          <p:stCondLst>
-                                            <p:cond delay="0"/>
-                                          </p:stCondLst>
-                                        </p:cTn>
-                                        <p:tgtEl>
-                                          <p:spTgt spid="6"/>
-                                        </p:tgtEl>
-                                        <p:attrNameLst>
-                                          <p:attrName>style.visibility</p:attrName>
-                                        </p:attrNameLst>
-                                      </p:cBhvr>
-                                      <p:to>
-                                        <p:strVal val="visible"/>
-                                      </p:to>
-                                    </p:set>
-                                  </p:childTnLst>
-                                </p:cTn>
-                              </p:par>
-                            </p:childTnLst>
-                          </p:cTn>
-                        </p:par>
-                      </p:childTnLst>
-                    </p:cTn>
-                  </p:par>
-                </p:childTnLst>
-              </p:cTn>
-              <p:prevCondLst>
-                <p:cond evt="onPrev" delay="0">
-                  <p:tgtEl>
-                    <p:sldTgt/>
-                  </p:tgtEl>
-                </p:cond>
-              </p:prevCondLst>
-              <p:nextCondLst>
-                <p:cond evt="onNext" delay="0">
-                  <p:tgtEl>
-                    <p:sldTgt/>
-                  </p:tgtEl>
-                </p:cond>
-              </p:nextCondLst>
-            </p:seq>
-          </p:childTnLst>
-        </p:cTn>
-      </p:par>
-    </p:tnLst>
-    <p:bldLst>
-      <p:bldP spid="5" grpId="0" animBg="1"/>
-      <p:bldP spid="6" grpId="0" animBg="1"/>
-    </p:bldLst>
-  </p:timing>
-</p:sld>
-</file>
-
-<file path=ppt/slides/slide13.xml><?xml version="1.0" encoding="utf-8"?>
-<p:sld xmlns:a="http://schemas.openxmlformats.org/drawingml/2006/main" xmlns:r="http://schemas.openxmlformats.org/officeDocument/2006/relationships" xmlns:p="http://schemas.openxmlformats.org/presentationml/2006/main">
-  <p:cSld>
-    <p:spTree>
-      <p:nvGrpSpPr>
-        <p:cNvPr id="1" name=""/>
-        <p:cNvGrpSpPr/>
-        <p:nvPr/>
-      </p:nvGrpSpPr>
-      <p:grpSpPr>
-        <a:xfrm>
-          <a:off x="0" y="0"/>
-          <a:ext cx="0" cy="0"/>
-          <a:chOff x="0" y="0"/>
-          <a:chExt cx="0" cy="0"/>
-        </a:xfrm>
-      </p:grpSpPr>
-      <p:sp>
-        <p:nvSpPr>
           <p:cNvPr id="2" name="Title 1"/>
           <p:cNvSpPr>
             <a:spLocks noGrp="1"/>
@@ -7225,7 +4562,7 @@
 </p:sld>
 </file>
 
-<file path=ppt/slides/slide14.xml><?xml version="1.0" encoding="utf-8"?>
+<file path=ppt/slides/slide11.xml><?xml version="1.0" encoding="utf-8"?>
 <p:sld xmlns:a="http://schemas.openxmlformats.org/drawingml/2006/main" xmlns:r="http://schemas.openxmlformats.org/officeDocument/2006/relationships" xmlns:p="http://schemas.openxmlformats.org/presentationml/2006/main">
   <p:cSld>
     <p:spTree>
@@ -7432,7 +4769,7 @@
 </p:sld>
 </file>
 
-<file path=ppt/slides/slide15.xml><?xml version="1.0" encoding="utf-8"?>
+<file path=ppt/slides/slide12.xml><?xml version="1.0" encoding="utf-8"?>
 <p:sld xmlns:a="http://schemas.openxmlformats.org/drawingml/2006/main" xmlns:r="http://schemas.openxmlformats.org/officeDocument/2006/relationships" xmlns:p="http://schemas.openxmlformats.org/presentationml/2006/main">
   <p:cSld>
     <p:spTree>
@@ -7478,28 +4815,26 @@
       </p:sp>
       <p:pic>
         <p:nvPicPr>
-          <p:cNvPr id="7" name="Picture 6"/>
+          <p:cNvPr id="3" name="Picture 2"/>
           <p:cNvPicPr>
             <a:picLocks noChangeAspect="1"/>
           </p:cNvPicPr>
           <p:nvPr/>
         </p:nvPicPr>
-        <p:blipFill rotWithShape="1">
+        <p:blipFill>
           <a:blip r:embed="rId2"/>
-          <a:srcRect l="1058" r="10663"/>
-          <a:stretch/>
+          <a:stretch>
+            <a:fillRect/>
+          </a:stretch>
         </p:blipFill>
         <p:spPr>
           <a:xfrm>
-            <a:off x="649897" y="1553733"/>
-            <a:ext cx="7844206" cy="3986455"/>
+            <a:off x="833035" y="1929727"/>
+            <a:ext cx="7577626" cy="3407690"/>
           </a:xfrm>
           <a:prstGeom prst="rect">
             <a:avLst/>
           </a:prstGeom>
-          <a:solidFill>
-            <a:schemeClr val="tx1"/>
-          </a:solidFill>
         </p:spPr>
       </p:pic>
       <p:sp>
@@ -7510,7 +4845,7 @@
         </p:nvSpPr>
         <p:spPr>
           <a:xfrm rot="5400000">
-            <a:off x="1818042" y="2345167"/>
+            <a:off x="2877084" y="2320131"/>
             <a:ext cx="677732" cy="584252"/>
           </a:xfrm>
           <a:prstGeom prst="triangle">
@@ -7542,7 +4877,7 @@
       </p:sp>
       <p:sp>
         <p:nvSpPr>
-          <p:cNvPr id="5" name="Content Placeholder 2"/>
+          <p:cNvPr id="9" name="Content Placeholder 2"/>
           <p:cNvSpPr>
             <a:spLocks noGrp="1"/>
           </p:cNvSpPr>
@@ -7552,54 +4887,472 @@
         </p:nvSpPr>
         <p:spPr>
           <a:xfrm>
-            <a:off x="457200" y="5676283"/>
-            <a:ext cx="8229600" cy="864366"/>
+            <a:off x="3207600" y="5676283"/>
+            <a:ext cx="2728799" cy="827756"/>
           </a:xfrm>
         </p:spPr>
         <p:txBody>
           <a:bodyPr>
-            <a:normAutofit fontScale="55000" lnSpcReduction="20000"/>
+            <a:normAutofit fontScale="85000" lnSpcReduction="20000"/>
           </a:bodyPr>
           <a:lstStyle/>
           <a:p>
-            <a:pPr marL="0" indent="0" algn="ctr">
+            <a:pPr marL="0" indent="0">
               <a:buNone/>
             </a:pPr>
             <a:r>
-              <a:rPr lang="en-US" b="1" dirty="0" smtClean="0"/>
+              <a:rPr lang="en-US" sz="2000" b="1" dirty="0" smtClean="0"/>
               <a:t>ST: </a:t>
             </a:r>
             <a:r>
-              <a:rPr lang="en-US" dirty="0" smtClean="0"/>
+              <a:rPr lang="en-US" sz="2000" dirty="0" smtClean="0"/>
               <a:t>Satisfied</a:t>
             </a:r>
           </a:p>
           <a:p>
-            <a:pPr marL="0" indent="0" algn="ctr">
+            <a:pPr marL="0" indent="0">
               <a:buNone/>
             </a:pPr>
             <a:r>
-              <a:rPr lang="en-US" b="1" dirty="0" smtClean="0"/>
+              <a:rPr lang="en-US" sz="2000" b="1" dirty="0" smtClean="0"/>
               <a:t>SF: </a:t>
             </a:r>
             <a:r>
-              <a:rPr lang="en-US" dirty="0" smtClean="0"/>
+              <a:rPr lang="en-US" sz="2000" dirty="0" smtClean="0"/>
               <a:t>Not Satisfied</a:t>
             </a:r>
           </a:p>
           <a:p>
-            <a:pPr marL="0" indent="0" algn="ctr">
+            <a:pPr marL="0" indent="0">
               <a:buNone/>
             </a:pPr>
             <a:r>
-              <a:rPr lang="en-US" b="1" dirty="0" smtClean="0"/>
+              <a:rPr lang="en-US" sz="2000" b="1" dirty="0" smtClean="0"/>
               <a:t>SU: </a:t>
             </a:r>
             <a:r>
-              <a:rPr lang="en-US" dirty="0" smtClean="0"/>
+              <a:rPr lang="en-US" sz="2000" dirty="0" smtClean="0"/>
               <a:t>Satisfiability Undefined</a:t>
             </a:r>
-            <a:endParaRPr lang="en-US" dirty="0"/>
+            <a:endParaRPr lang="en-US" sz="2000" dirty="0"/>
+          </a:p>
+        </p:txBody>
+      </p:sp>
+      <p:sp>
+        <p:nvSpPr>
+          <p:cNvPr id="10" name="Content Placeholder 2"/>
+          <p:cNvSpPr txBox="1">
+            <a:spLocks/>
+          </p:cNvSpPr>
+          <p:nvPr/>
+        </p:nvSpPr>
+        <p:spPr>
+          <a:xfrm>
+            <a:off x="5781368" y="5676283"/>
+            <a:ext cx="2713703" cy="827756"/>
+          </a:xfrm>
+          <a:prstGeom prst="rect">
+            <a:avLst/>
+          </a:prstGeom>
+        </p:spPr>
+        <p:txBody>
+          <a:bodyPr vert="horz" lIns="91440" tIns="45720" rIns="91440" bIns="45720" rtlCol="0">
+            <a:normAutofit fontScale="85000" lnSpcReduction="20000"/>
+          </a:bodyPr>
+          <a:lstStyle>
+            <a:lvl1pPr marL="342900" indent="-342900" algn="l" defTabSz="914400" rtl="0" eaLnBrk="1" latinLnBrk="0" hangingPunct="1">
+              <a:spcBef>
+                <a:spcPct val="20000"/>
+              </a:spcBef>
+              <a:buFont typeface="Arial" pitchFamily="34" charset="0"/>
+              <a:buChar char="•"/>
+              <a:defRPr sz="3200" kern="1200">
+                <a:solidFill>
+                  <a:schemeClr val="tx1"/>
+                </a:solidFill>
+                <a:latin typeface="+mn-lt"/>
+                <a:ea typeface="+mn-ea"/>
+                <a:cs typeface="+mn-cs"/>
+              </a:defRPr>
+            </a:lvl1pPr>
+            <a:lvl2pPr marL="742950" indent="-285750" algn="l" defTabSz="914400" rtl="0" eaLnBrk="1" latinLnBrk="0" hangingPunct="1">
+              <a:spcBef>
+                <a:spcPct val="20000"/>
+              </a:spcBef>
+              <a:buFont typeface="Arial" pitchFamily="34" charset="0"/>
+              <a:buChar char="–"/>
+              <a:defRPr sz="2800" kern="1200">
+                <a:solidFill>
+                  <a:schemeClr val="tx1"/>
+                </a:solidFill>
+                <a:latin typeface="+mn-lt"/>
+                <a:ea typeface="+mn-ea"/>
+                <a:cs typeface="+mn-cs"/>
+              </a:defRPr>
+            </a:lvl2pPr>
+            <a:lvl3pPr marL="1143000" indent="-228600" algn="l" defTabSz="914400" rtl="0" eaLnBrk="1" latinLnBrk="0" hangingPunct="1">
+              <a:spcBef>
+                <a:spcPct val="20000"/>
+              </a:spcBef>
+              <a:buFont typeface="Arial" pitchFamily="34" charset="0"/>
+              <a:buChar char="•"/>
+              <a:defRPr sz="2400" kern="1200">
+                <a:solidFill>
+                  <a:schemeClr val="tx1"/>
+                </a:solidFill>
+                <a:latin typeface="+mn-lt"/>
+                <a:ea typeface="+mn-ea"/>
+                <a:cs typeface="+mn-cs"/>
+              </a:defRPr>
+            </a:lvl3pPr>
+            <a:lvl4pPr marL="1600200" indent="-228600" algn="l" defTabSz="914400" rtl="0" eaLnBrk="1" latinLnBrk="0" hangingPunct="1">
+              <a:spcBef>
+                <a:spcPct val="20000"/>
+              </a:spcBef>
+              <a:buFont typeface="Arial" pitchFamily="34" charset="0"/>
+              <a:buChar char="–"/>
+              <a:defRPr sz="2000" kern="1200">
+                <a:solidFill>
+                  <a:schemeClr val="tx1"/>
+                </a:solidFill>
+                <a:latin typeface="+mn-lt"/>
+                <a:ea typeface="+mn-ea"/>
+                <a:cs typeface="+mn-cs"/>
+              </a:defRPr>
+            </a:lvl4pPr>
+            <a:lvl5pPr marL="2057400" indent="-228600" algn="l" defTabSz="914400" rtl="0" eaLnBrk="1" latinLnBrk="0" hangingPunct="1">
+              <a:spcBef>
+                <a:spcPct val="20000"/>
+              </a:spcBef>
+              <a:buFont typeface="Arial" pitchFamily="34" charset="0"/>
+              <a:buChar char="»"/>
+              <a:defRPr sz="2000" kern="1200">
+                <a:solidFill>
+                  <a:schemeClr val="tx1"/>
+                </a:solidFill>
+                <a:latin typeface="+mn-lt"/>
+                <a:ea typeface="+mn-ea"/>
+                <a:cs typeface="+mn-cs"/>
+              </a:defRPr>
+            </a:lvl5pPr>
+            <a:lvl6pPr marL="2514600" indent="-228600" algn="l" defTabSz="914400" rtl="0" eaLnBrk="1" latinLnBrk="0" hangingPunct="1">
+              <a:spcBef>
+                <a:spcPct val="20000"/>
+              </a:spcBef>
+              <a:buFont typeface="Arial" pitchFamily="34" charset="0"/>
+              <a:buChar char="•"/>
+              <a:defRPr sz="2000" kern="1200">
+                <a:solidFill>
+                  <a:schemeClr val="tx1"/>
+                </a:solidFill>
+                <a:latin typeface="+mn-lt"/>
+                <a:ea typeface="+mn-ea"/>
+                <a:cs typeface="+mn-cs"/>
+              </a:defRPr>
+            </a:lvl6pPr>
+            <a:lvl7pPr marL="2971800" indent="-228600" algn="l" defTabSz="914400" rtl="0" eaLnBrk="1" latinLnBrk="0" hangingPunct="1">
+              <a:spcBef>
+                <a:spcPct val="20000"/>
+              </a:spcBef>
+              <a:buFont typeface="Arial" pitchFamily="34" charset="0"/>
+              <a:buChar char="•"/>
+              <a:defRPr sz="2000" kern="1200">
+                <a:solidFill>
+                  <a:schemeClr val="tx1"/>
+                </a:solidFill>
+                <a:latin typeface="+mn-lt"/>
+                <a:ea typeface="+mn-ea"/>
+                <a:cs typeface="+mn-cs"/>
+              </a:defRPr>
+            </a:lvl7pPr>
+            <a:lvl8pPr marL="3429000" indent="-228600" algn="l" defTabSz="914400" rtl="0" eaLnBrk="1" latinLnBrk="0" hangingPunct="1">
+              <a:spcBef>
+                <a:spcPct val="20000"/>
+              </a:spcBef>
+              <a:buFont typeface="Arial" pitchFamily="34" charset="0"/>
+              <a:buChar char="•"/>
+              <a:defRPr sz="2000" kern="1200">
+                <a:solidFill>
+                  <a:schemeClr val="tx1"/>
+                </a:solidFill>
+                <a:latin typeface="+mn-lt"/>
+                <a:ea typeface="+mn-ea"/>
+                <a:cs typeface="+mn-cs"/>
+              </a:defRPr>
+            </a:lvl8pPr>
+            <a:lvl9pPr marL="3886200" indent="-228600" algn="l" defTabSz="914400" rtl="0" eaLnBrk="1" latinLnBrk="0" hangingPunct="1">
+              <a:spcBef>
+                <a:spcPct val="20000"/>
+              </a:spcBef>
+              <a:buFont typeface="Arial" pitchFamily="34" charset="0"/>
+              <a:buChar char="•"/>
+              <a:defRPr sz="2000" kern="1200">
+                <a:solidFill>
+                  <a:schemeClr val="tx1"/>
+                </a:solidFill>
+                <a:latin typeface="+mn-lt"/>
+                <a:ea typeface="+mn-ea"/>
+                <a:cs typeface="+mn-cs"/>
+              </a:defRPr>
+            </a:lvl9pPr>
+          </a:lstStyle>
+          <a:p>
+            <a:pPr marL="0" indent="0">
+              <a:buFont typeface="Arial" pitchFamily="34" charset="0"/>
+              <a:buNone/>
+            </a:pPr>
+            <a:r>
+              <a:rPr lang="en-US" sz="2000" b="1" dirty="0" smtClean="0"/>
+              <a:t>AT: </a:t>
+            </a:r>
+            <a:r>
+              <a:rPr lang="en-US" sz="2000" dirty="0" smtClean="0"/>
+              <a:t>Applicable</a:t>
+            </a:r>
+          </a:p>
+          <a:p>
+            <a:pPr marL="0" indent="0">
+              <a:buFont typeface="Arial" pitchFamily="34" charset="0"/>
+              <a:buNone/>
+            </a:pPr>
+            <a:r>
+              <a:rPr lang="en-US" sz="2000" b="1" dirty="0" smtClean="0"/>
+              <a:t>AF: </a:t>
+            </a:r>
+            <a:r>
+              <a:rPr lang="en-US" sz="2000" dirty="0" smtClean="0"/>
+              <a:t>Not Applicable</a:t>
+            </a:r>
+          </a:p>
+          <a:p>
+            <a:pPr marL="0" indent="0">
+              <a:buFont typeface="Arial" pitchFamily="34" charset="0"/>
+              <a:buNone/>
+            </a:pPr>
+            <a:r>
+              <a:rPr lang="en-US" sz="2000" b="1" dirty="0" smtClean="0"/>
+              <a:t>AU: </a:t>
+            </a:r>
+            <a:r>
+              <a:rPr lang="en-US" sz="2000" dirty="0" smtClean="0"/>
+              <a:t>Applicability Undefined</a:t>
+            </a:r>
+            <a:endParaRPr lang="en-US" sz="2000" dirty="0"/>
+          </a:p>
+        </p:txBody>
+      </p:sp>
+      <p:sp>
+        <p:nvSpPr>
+          <p:cNvPr id="11" name="Content Placeholder 2"/>
+          <p:cNvSpPr txBox="1">
+            <a:spLocks/>
+          </p:cNvSpPr>
+          <p:nvPr/>
+        </p:nvSpPr>
+        <p:spPr>
+          <a:xfrm>
+            <a:off x="833035" y="5676283"/>
+            <a:ext cx="2561650" cy="827756"/>
+          </a:xfrm>
+          <a:prstGeom prst="rect">
+            <a:avLst/>
+          </a:prstGeom>
+        </p:spPr>
+        <p:txBody>
+          <a:bodyPr vert="horz" lIns="91440" tIns="45720" rIns="91440" bIns="45720" rtlCol="0">
+            <a:normAutofit fontScale="85000" lnSpcReduction="20000"/>
+          </a:bodyPr>
+          <a:lstStyle>
+            <a:lvl1pPr marL="342900" indent="-342900" algn="l" defTabSz="914400" rtl="0" eaLnBrk="1" latinLnBrk="0" hangingPunct="1">
+              <a:spcBef>
+                <a:spcPct val="20000"/>
+              </a:spcBef>
+              <a:buFont typeface="Arial" pitchFamily="34" charset="0"/>
+              <a:buChar char="•"/>
+              <a:defRPr sz="3200" kern="1200">
+                <a:solidFill>
+                  <a:schemeClr val="tx1"/>
+                </a:solidFill>
+                <a:latin typeface="+mn-lt"/>
+                <a:ea typeface="+mn-ea"/>
+                <a:cs typeface="+mn-cs"/>
+              </a:defRPr>
+            </a:lvl1pPr>
+            <a:lvl2pPr marL="742950" indent="-285750" algn="l" defTabSz="914400" rtl="0" eaLnBrk="1" latinLnBrk="0" hangingPunct="1">
+              <a:spcBef>
+                <a:spcPct val="20000"/>
+              </a:spcBef>
+              <a:buFont typeface="Arial" pitchFamily="34" charset="0"/>
+              <a:buChar char="–"/>
+              <a:defRPr sz="2800" kern="1200">
+                <a:solidFill>
+                  <a:schemeClr val="tx1"/>
+                </a:solidFill>
+                <a:latin typeface="+mn-lt"/>
+                <a:ea typeface="+mn-ea"/>
+                <a:cs typeface="+mn-cs"/>
+              </a:defRPr>
+            </a:lvl2pPr>
+            <a:lvl3pPr marL="1143000" indent="-228600" algn="l" defTabSz="914400" rtl="0" eaLnBrk="1" latinLnBrk="0" hangingPunct="1">
+              <a:spcBef>
+                <a:spcPct val="20000"/>
+              </a:spcBef>
+              <a:buFont typeface="Arial" pitchFamily="34" charset="0"/>
+              <a:buChar char="•"/>
+              <a:defRPr sz="2400" kern="1200">
+                <a:solidFill>
+                  <a:schemeClr val="tx1"/>
+                </a:solidFill>
+                <a:latin typeface="+mn-lt"/>
+                <a:ea typeface="+mn-ea"/>
+                <a:cs typeface="+mn-cs"/>
+              </a:defRPr>
+            </a:lvl3pPr>
+            <a:lvl4pPr marL="1600200" indent="-228600" algn="l" defTabSz="914400" rtl="0" eaLnBrk="1" latinLnBrk="0" hangingPunct="1">
+              <a:spcBef>
+                <a:spcPct val="20000"/>
+              </a:spcBef>
+              <a:buFont typeface="Arial" pitchFamily="34" charset="0"/>
+              <a:buChar char="–"/>
+              <a:defRPr sz="2000" kern="1200">
+                <a:solidFill>
+                  <a:schemeClr val="tx1"/>
+                </a:solidFill>
+                <a:latin typeface="+mn-lt"/>
+                <a:ea typeface="+mn-ea"/>
+                <a:cs typeface="+mn-cs"/>
+              </a:defRPr>
+            </a:lvl4pPr>
+            <a:lvl5pPr marL="2057400" indent="-228600" algn="l" defTabSz="914400" rtl="0" eaLnBrk="1" latinLnBrk="0" hangingPunct="1">
+              <a:spcBef>
+                <a:spcPct val="20000"/>
+              </a:spcBef>
+              <a:buFont typeface="Arial" pitchFamily="34" charset="0"/>
+              <a:buChar char="»"/>
+              <a:defRPr sz="2000" kern="1200">
+                <a:solidFill>
+                  <a:schemeClr val="tx1"/>
+                </a:solidFill>
+                <a:latin typeface="+mn-lt"/>
+                <a:ea typeface="+mn-ea"/>
+                <a:cs typeface="+mn-cs"/>
+              </a:defRPr>
+            </a:lvl5pPr>
+            <a:lvl6pPr marL="2514600" indent="-228600" algn="l" defTabSz="914400" rtl="0" eaLnBrk="1" latinLnBrk="0" hangingPunct="1">
+              <a:spcBef>
+                <a:spcPct val="20000"/>
+              </a:spcBef>
+              <a:buFont typeface="Arial" pitchFamily="34" charset="0"/>
+              <a:buChar char="•"/>
+              <a:defRPr sz="2000" kern="1200">
+                <a:solidFill>
+                  <a:schemeClr val="tx1"/>
+                </a:solidFill>
+                <a:latin typeface="+mn-lt"/>
+                <a:ea typeface="+mn-ea"/>
+                <a:cs typeface="+mn-cs"/>
+              </a:defRPr>
+            </a:lvl6pPr>
+            <a:lvl7pPr marL="2971800" indent="-228600" algn="l" defTabSz="914400" rtl="0" eaLnBrk="1" latinLnBrk="0" hangingPunct="1">
+              <a:spcBef>
+                <a:spcPct val="20000"/>
+              </a:spcBef>
+              <a:buFont typeface="Arial" pitchFamily="34" charset="0"/>
+              <a:buChar char="•"/>
+              <a:defRPr sz="2000" kern="1200">
+                <a:solidFill>
+                  <a:schemeClr val="tx1"/>
+                </a:solidFill>
+                <a:latin typeface="+mn-lt"/>
+                <a:ea typeface="+mn-ea"/>
+                <a:cs typeface="+mn-cs"/>
+              </a:defRPr>
+            </a:lvl7pPr>
+            <a:lvl8pPr marL="3429000" indent="-228600" algn="l" defTabSz="914400" rtl="0" eaLnBrk="1" latinLnBrk="0" hangingPunct="1">
+              <a:spcBef>
+                <a:spcPct val="20000"/>
+              </a:spcBef>
+              <a:buFont typeface="Arial" pitchFamily="34" charset="0"/>
+              <a:buChar char="•"/>
+              <a:defRPr sz="2000" kern="1200">
+                <a:solidFill>
+                  <a:schemeClr val="tx1"/>
+                </a:solidFill>
+                <a:latin typeface="+mn-lt"/>
+                <a:ea typeface="+mn-ea"/>
+                <a:cs typeface="+mn-cs"/>
+              </a:defRPr>
+            </a:lvl8pPr>
+            <a:lvl9pPr marL="3886200" indent="-228600" algn="l" defTabSz="914400" rtl="0" eaLnBrk="1" latinLnBrk="0" hangingPunct="1">
+              <a:spcBef>
+                <a:spcPct val="20000"/>
+              </a:spcBef>
+              <a:buFont typeface="Arial" pitchFamily="34" charset="0"/>
+              <a:buChar char="•"/>
+              <a:defRPr sz="2000" kern="1200">
+                <a:solidFill>
+                  <a:schemeClr val="tx1"/>
+                </a:solidFill>
+                <a:latin typeface="+mn-lt"/>
+                <a:ea typeface="+mn-ea"/>
+                <a:cs typeface="+mn-cs"/>
+              </a:defRPr>
+            </a:lvl9pPr>
+          </a:lstStyle>
+          <a:p>
+            <a:pPr marL="0" indent="0">
+              <a:buFont typeface="Arial" pitchFamily="34" charset="0"/>
+              <a:buNone/>
+            </a:pPr>
+            <a:r>
+              <a:rPr lang="en-US" sz="2000" b="1" dirty="0" err="1" smtClean="0"/>
+              <a:t>Exr</a:t>
+            </a:r>
+            <a:r>
+              <a:rPr lang="en-US" sz="2000" b="1" dirty="0" smtClean="0"/>
+              <a:t>:     </a:t>
+            </a:r>
+            <a:r>
+              <a:rPr lang="en-US" sz="2000" dirty="0" smtClean="0"/>
+              <a:t>Exercisable</a:t>
+            </a:r>
+          </a:p>
+          <a:p>
+            <a:pPr marL="0" indent="0">
+              <a:buFont typeface="Arial" pitchFamily="34" charset="0"/>
+              <a:buNone/>
+            </a:pPr>
+            <a:r>
+              <a:rPr lang="en-US" sz="2000" b="1" dirty="0" err="1" smtClean="0"/>
+              <a:t>Nex</a:t>
+            </a:r>
+            <a:r>
+              <a:rPr lang="en-US" sz="2000" b="1" dirty="0" smtClean="0"/>
+              <a:t>:    </a:t>
+            </a:r>
+            <a:r>
+              <a:rPr lang="en-US" sz="2000" dirty="0" smtClean="0"/>
+              <a:t>Not Exercisable</a:t>
+            </a:r>
+          </a:p>
+          <a:p>
+            <a:pPr marL="0" indent="0">
+              <a:buFont typeface="Arial" pitchFamily="34" charset="0"/>
+              <a:buNone/>
+            </a:pPr>
+            <a:r>
+              <a:rPr lang="en-US" sz="2000" b="1" dirty="0" err="1" smtClean="0"/>
+              <a:t>Inc</a:t>
+            </a:r>
+            <a:r>
+              <a:rPr lang="en-US" sz="2000" b="1" dirty="0" smtClean="0"/>
+              <a:t>:     </a:t>
+            </a:r>
+            <a:r>
+              <a:rPr lang="en-US" sz="2000" dirty="0" smtClean="0"/>
+              <a:t>Inconclusive</a:t>
+            </a:r>
+            <a:endParaRPr lang="en-US" sz="2000" dirty="0"/>
           </a:p>
         </p:txBody>
       </p:sp>
@@ -7607,6 +5360,439 @@
     <p:extLst>
       <p:ext uri="{BB962C8B-B14F-4D97-AF65-F5344CB8AC3E}">
         <p14:creationId xmlns:p14="http://schemas.microsoft.com/office/powerpoint/2010/main" val="1408391064"/>
+      </p:ext>
+    </p:extLst>
+  </p:cSld>
+  <p:clrMapOvr>
+    <a:masterClrMapping/>
+  </p:clrMapOvr>
+  <p:timing>
+    <p:tnLst>
+      <p:par>
+        <p:cTn id="1" dur="indefinite" restart="never" nodeType="tmRoot"/>
+      </p:par>
+    </p:tnLst>
+  </p:timing>
+</p:sld>
+</file>
+
+<file path=ppt/slides/slide13.xml><?xml version="1.0" encoding="utf-8"?>
+<p:sld xmlns:a="http://schemas.openxmlformats.org/drawingml/2006/main" xmlns:r="http://schemas.openxmlformats.org/officeDocument/2006/relationships" xmlns:p="http://schemas.openxmlformats.org/presentationml/2006/main">
+  <p:cSld>
+    <p:spTree>
+      <p:nvGrpSpPr>
+        <p:cNvPr id="1" name=""/>
+        <p:cNvGrpSpPr/>
+        <p:nvPr/>
+      </p:nvGrpSpPr>
+      <p:grpSpPr>
+        <a:xfrm>
+          <a:off x="0" y="0"/>
+          <a:ext cx="0" cy="0"/>
+          <a:chOff x="0" y="0"/>
+          <a:chExt cx="0" cy="0"/>
+        </a:xfrm>
+      </p:grpSpPr>
+      <p:sp>
+        <p:nvSpPr>
+          <p:cNvPr id="2" name="Title 1"/>
+          <p:cNvSpPr>
+            <a:spLocks noGrp="1"/>
+          </p:cNvSpPr>
+          <p:nvPr>
+            <p:ph type="title"/>
+          </p:nvPr>
+        </p:nvSpPr>
+        <p:spPr/>
+        <p:txBody>
+          <a:bodyPr>
+            <a:normAutofit fontScale="90000"/>
+          </a:bodyPr>
+          <a:lstStyle/>
+          <a:p>
+            <a:r>
+              <a:rPr lang="en-US" dirty="0" smtClean="0"/>
+              <a:t>Propagation </a:t>
+            </a:r>
+            <a:r>
+              <a:rPr lang="en-US" dirty="0" smtClean="0"/>
+              <a:t/>
+            </a:r>
+            <a:br>
+              <a:rPr lang="en-US" dirty="0" smtClean="0"/>
+            </a:br>
+            <a:r>
+              <a:rPr lang="en-US" dirty="0" smtClean="0"/>
+              <a:t>Right to Containing </a:t>
+            </a:r>
+            <a:r>
+              <a:rPr lang="x-none" dirty="0" smtClean="0"/>
+              <a:t>Super </a:t>
+            </a:r>
+            <a:r>
+              <a:rPr lang="x-none" dirty="0"/>
+              <a:t>Situation</a:t>
+            </a:r>
+            <a:endParaRPr lang="en-US" dirty="0"/>
+          </a:p>
+        </p:txBody>
+      </p:sp>
+      <p:pic>
+        <p:nvPicPr>
+          <p:cNvPr id="7" name="Picture 6"/>
+          <p:cNvPicPr>
+            <a:picLocks noChangeAspect="1"/>
+          </p:cNvPicPr>
+          <p:nvPr/>
+        </p:nvPicPr>
+        <p:blipFill rotWithShape="1">
+          <a:blip r:embed="rId3">
+            <a:alphaModFix/>
+          </a:blip>
+          <a:srcRect l="49089"/>
+          <a:stretch/>
+        </p:blipFill>
+        <p:spPr>
+          <a:xfrm>
+            <a:off x="3812458" y="1681931"/>
+            <a:ext cx="1519084" cy="4792136"/>
+          </a:xfrm>
+          <a:prstGeom prst="rect">
+            <a:avLst/>
+          </a:prstGeom>
+          <a:solidFill>
+            <a:schemeClr val="tx1"/>
+          </a:solidFill>
+        </p:spPr>
+      </p:pic>
+    </p:spTree>
+    <p:extLst>
+      <p:ext uri="{BB962C8B-B14F-4D97-AF65-F5344CB8AC3E}">
+        <p14:creationId xmlns:p14="http://schemas.microsoft.com/office/powerpoint/2010/main" val="61828265"/>
+      </p:ext>
+    </p:extLst>
+  </p:cSld>
+  <p:clrMapOvr>
+    <a:masterClrMapping/>
+  </p:clrMapOvr>
+  <p:timing>
+    <p:tnLst>
+      <p:par>
+        <p:cTn id="1" dur="indefinite" restart="never" nodeType="tmRoot"/>
+      </p:par>
+    </p:tnLst>
+  </p:timing>
+</p:sld>
+</file>
+
+<file path=ppt/slides/slide14.xml><?xml version="1.0" encoding="utf-8"?>
+<p:sld xmlns:a="http://schemas.openxmlformats.org/drawingml/2006/main" xmlns:r="http://schemas.openxmlformats.org/officeDocument/2006/relationships" xmlns:p="http://schemas.openxmlformats.org/presentationml/2006/main">
+  <p:cSld>
+    <p:spTree>
+      <p:nvGrpSpPr>
+        <p:cNvPr id="1" name=""/>
+        <p:cNvGrpSpPr/>
+        <p:nvPr/>
+      </p:nvGrpSpPr>
+      <p:grpSpPr>
+        <a:xfrm>
+          <a:off x="0" y="0"/>
+          <a:ext cx="0" cy="0"/>
+          <a:chOff x="0" y="0"/>
+          <a:chExt cx="0" cy="0"/>
+        </a:xfrm>
+      </p:grpSpPr>
+      <p:sp>
+        <p:nvSpPr>
+          <p:cNvPr id="2" name="Title 1"/>
+          <p:cNvSpPr>
+            <a:spLocks noGrp="1"/>
+          </p:cNvSpPr>
+          <p:nvPr>
+            <p:ph type="title"/>
+          </p:nvPr>
+        </p:nvSpPr>
+        <p:spPr/>
+        <p:txBody>
+          <a:bodyPr>
+            <a:normAutofit/>
+          </a:bodyPr>
+          <a:lstStyle/>
+          <a:p>
+            <a:r>
+              <a:rPr lang="en-US" dirty="0" smtClean="0"/>
+              <a:t>YPL 4 and YPL 4a</a:t>
+            </a:r>
+            <a:endParaRPr lang="en-US" dirty="0"/>
+          </a:p>
+        </p:txBody>
+      </p:sp>
+      <p:pic>
+        <p:nvPicPr>
+          <p:cNvPr id="7" name="Picture 6"/>
+          <p:cNvPicPr>
+            <a:picLocks noChangeAspect="1"/>
+          </p:cNvPicPr>
+          <p:nvPr/>
+        </p:nvPicPr>
+        <p:blipFill>
+          <a:blip r:embed="rId2"/>
+          <a:stretch>
+            <a:fillRect/>
+          </a:stretch>
+        </p:blipFill>
+        <p:spPr>
+          <a:xfrm>
+            <a:off x="317350" y="2101426"/>
+            <a:ext cx="8509299" cy="3151593"/>
+          </a:xfrm>
+          <a:prstGeom prst="rect">
+            <a:avLst/>
+          </a:prstGeom>
+        </p:spPr>
+      </p:pic>
+      <p:pic>
+        <p:nvPicPr>
+          <p:cNvPr id="5" name="Picture 4"/>
+          <p:cNvPicPr>
+            <a:picLocks noChangeAspect="1"/>
+          </p:cNvPicPr>
+          <p:nvPr/>
+        </p:nvPicPr>
+        <p:blipFill>
+          <a:blip r:embed="rId3"/>
+          <a:stretch>
+            <a:fillRect/>
+          </a:stretch>
+        </p:blipFill>
+        <p:spPr>
+          <a:xfrm>
+            <a:off x="6900346" y="274638"/>
+            <a:ext cx="1926303" cy="866190"/>
+          </a:xfrm>
+          <a:prstGeom prst="rect">
+            <a:avLst/>
+          </a:prstGeom>
+        </p:spPr>
+      </p:pic>
+      <p:pic>
+        <p:nvPicPr>
+          <p:cNvPr id="14" name="Picture 13"/>
+          <p:cNvPicPr>
+            <a:picLocks noChangeAspect="1"/>
+          </p:cNvPicPr>
+          <p:nvPr/>
+        </p:nvPicPr>
+        <p:blipFill>
+          <a:blip r:embed="rId4"/>
+          <a:stretch>
+            <a:fillRect/>
+          </a:stretch>
+        </p:blipFill>
+        <p:spPr>
+          <a:xfrm>
+            <a:off x="166329" y="274638"/>
+            <a:ext cx="1924867" cy="866190"/>
+          </a:xfrm>
+          <a:prstGeom prst="rect">
+            <a:avLst/>
+          </a:prstGeom>
+        </p:spPr>
+      </p:pic>
+      <p:pic>
+        <p:nvPicPr>
+          <p:cNvPr id="15" name="Picture 14"/>
+          <p:cNvPicPr>
+            <a:picLocks noChangeAspect="1"/>
+          </p:cNvPicPr>
+          <p:nvPr/>
+        </p:nvPicPr>
+        <p:blipFill rotWithShape="1">
+          <a:blip r:embed="rId5">
+            <a:alphaModFix/>
+          </a:blip>
+          <a:srcRect/>
+          <a:stretch/>
+        </p:blipFill>
+        <p:spPr>
+          <a:xfrm>
+            <a:off x="266160" y="5291998"/>
+            <a:ext cx="778484" cy="1250292"/>
+          </a:xfrm>
+          <a:prstGeom prst="rect">
+            <a:avLst/>
+          </a:prstGeom>
+          <a:solidFill>
+            <a:schemeClr val="tx1"/>
+          </a:solidFill>
+        </p:spPr>
+      </p:pic>
+    </p:spTree>
+    <p:extLst>
+      <p:ext uri="{BB962C8B-B14F-4D97-AF65-F5344CB8AC3E}">
+        <p14:creationId xmlns:p14="http://schemas.microsoft.com/office/powerpoint/2010/main" val="868380100"/>
+      </p:ext>
+    </p:extLst>
+  </p:cSld>
+  <p:clrMapOvr>
+    <a:masterClrMapping/>
+  </p:clrMapOvr>
+  <p:timing>
+    <p:tnLst>
+      <p:par>
+        <p:cTn id="1" dur="indefinite" restart="never" nodeType="tmRoot"/>
+      </p:par>
+    </p:tnLst>
+  </p:timing>
+</p:sld>
+</file>
+
+<file path=ppt/slides/slide15.xml><?xml version="1.0" encoding="utf-8"?>
+<p:sld xmlns:a="http://schemas.openxmlformats.org/drawingml/2006/main" xmlns:r="http://schemas.openxmlformats.org/officeDocument/2006/relationships" xmlns:p="http://schemas.openxmlformats.org/presentationml/2006/main">
+  <p:cSld>
+    <p:spTree>
+      <p:nvGrpSpPr>
+        <p:cNvPr id="1" name=""/>
+        <p:cNvGrpSpPr/>
+        <p:nvPr/>
+      </p:nvGrpSpPr>
+      <p:grpSpPr>
+        <a:xfrm>
+          <a:off x="0" y="0"/>
+          <a:ext cx="0" cy="0"/>
+          <a:chOff x="0" y="0"/>
+          <a:chExt cx="0" cy="0"/>
+        </a:xfrm>
+      </p:grpSpPr>
+      <p:sp>
+        <p:nvSpPr>
+          <p:cNvPr id="2" name="Title 1"/>
+          <p:cNvSpPr>
+            <a:spLocks noGrp="1"/>
+          </p:cNvSpPr>
+          <p:nvPr>
+            <p:ph type="title"/>
+          </p:nvPr>
+        </p:nvSpPr>
+        <p:spPr/>
+        <p:txBody>
+          <a:bodyPr>
+            <a:normAutofit/>
+          </a:bodyPr>
+          <a:lstStyle/>
+          <a:p>
+            <a:r>
+              <a:rPr lang="en-US" dirty="0" smtClean="0"/>
+              <a:t>YPL 4 and YPL 4a</a:t>
+            </a:r>
+            <a:endParaRPr lang="en-US" dirty="0"/>
+          </a:p>
+        </p:txBody>
+      </p:sp>
+      <p:pic>
+        <p:nvPicPr>
+          <p:cNvPr id="3" name="Picture 2"/>
+          <p:cNvPicPr>
+            <a:picLocks noChangeAspect="1"/>
+          </p:cNvPicPr>
+          <p:nvPr/>
+        </p:nvPicPr>
+        <p:blipFill>
+          <a:blip r:embed="rId2"/>
+          <a:stretch>
+            <a:fillRect/>
+          </a:stretch>
+        </p:blipFill>
+        <p:spPr>
+          <a:xfrm>
+            <a:off x="317349" y="2101426"/>
+            <a:ext cx="8509303" cy="3151594"/>
+          </a:xfrm>
+          <a:prstGeom prst="rect">
+            <a:avLst/>
+          </a:prstGeom>
+        </p:spPr>
+      </p:pic>
+      <p:pic>
+        <p:nvPicPr>
+          <p:cNvPr id="7" name="Picture 6"/>
+          <p:cNvPicPr>
+            <a:picLocks noChangeAspect="1"/>
+          </p:cNvPicPr>
+          <p:nvPr/>
+        </p:nvPicPr>
+        <p:blipFill>
+          <a:blip r:embed="rId3"/>
+          <a:stretch>
+            <a:fillRect/>
+          </a:stretch>
+        </p:blipFill>
+        <p:spPr>
+          <a:xfrm>
+            <a:off x="6900346" y="274638"/>
+            <a:ext cx="1926303" cy="866190"/>
+          </a:xfrm>
+          <a:prstGeom prst="rect">
+            <a:avLst/>
+          </a:prstGeom>
+        </p:spPr>
+      </p:pic>
+      <p:pic>
+        <p:nvPicPr>
+          <p:cNvPr id="8" name="Picture 7"/>
+          <p:cNvPicPr>
+            <a:picLocks noChangeAspect="1"/>
+          </p:cNvPicPr>
+          <p:nvPr/>
+        </p:nvPicPr>
+        <p:blipFill>
+          <a:blip r:embed="rId4"/>
+          <a:stretch>
+            <a:fillRect/>
+          </a:stretch>
+        </p:blipFill>
+        <p:spPr>
+          <a:xfrm>
+            <a:off x="166329" y="274638"/>
+            <a:ext cx="1924867" cy="866190"/>
+          </a:xfrm>
+          <a:prstGeom prst="rect">
+            <a:avLst/>
+          </a:prstGeom>
+        </p:spPr>
+      </p:pic>
+      <p:pic>
+        <p:nvPicPr>
+          <p:cNvPr id="9" name="Picture 8"/>
+          <p:cNvPicPr>
+            <a:picLocks noChangeAspect="1"/>
+          </p:cNvPicPr>
+          <p:nvPr/>
+        </p:nvPicPr>
+        <p:blipFill rotWithShape="1">
+          <a:blip r:embed="rId5">
+            <a:alphaModFix/>
+          </a:blip>
+          <a:srcRect/>
+          <a:stretch/>
+        </p:blipFill>
+        <p:spPr>
+          <a:xfrm>
+            <a:off x="266160" y="5291998"/>
+            <a:ext cx="778484" cy="1250292"/>
+          </a:xfrm>
+          <a:prstGeom prst="rect">
+            <a:avLst/>
+          </a:prstGeom>
+          <a:solidFill>
+            <a:schemeClr val="tx1"/>
+          </a:solidFill>
+        </p:spPr>
+      </p:pic>
+    </p:spTree>
+    <p:extLst>
+      <p:ext uri="{BB962C8B-B14F-4D97-AF65-F5344CB8AC3E}">
+        <p14:creationId xmlns:p14="http://schemas.microsoft.com/office/powerpoint/2010/main" val="565475688"/>
       </p:ext>
     </p:extLst>
   </p:cSld>
@@ -7667,7 +5853,7 @@
       </p:sp>
       <p:pic>
         <p:nvPicPr>
-          <p:cNvPr id="7" name="Picture 6"/>
+          <p:cNvPr id="8" name="Picture 7"/>
           <p:cNvPicPr>
             <a:picLocks noChangeAspect="1"/>
           </p:cNvPicPr>
@@ -7681,8 +5867,8 @@
         </p:blipFill>
         <p:spPr>
           <a:xfrm>
-            <a:off x="317350" y="2101426"/>
-            <a:ext cx="8509299" cy="3151593"/>
+            <a:off x="317349" y="2101426"/>
+            <a:ext cx="8545322" cy="3151594"/>
           </a:xfrm>
           <a:prstGeom prst="rect">
             <a:avLst/>
@@ -7691,7 +5877,7 @@
       </p:pic>
       <p:pic>
         <p:nvPicPr>
-          <p:cNvPr id="4" name="Picture 3"/>
+          <p:cNvPr id="9" name="Picture 8"/>
           <p:cNvPicPr>
             <a:picLocks noChangeAspect="1"/>
           </p:cNvPicPr>
@@ -7705,8 +5891,8 @@
         </p:blipFill>
         <p:spPr>
           <a:xfrm>
-            <a:off x="155585" y="6026918"/>
-            <a:ext cx="1779647" cy="750736"/>
+            <a:off x="6900346" y="274638"/>
+            <a:ext cx="1926303" cy="866190"/>
           </a:xfrm>
           <a:prstGeom prst="rect">
             <a:avLst/>
@@ -7715,7 +5901,7 @@
       </p:pic>
       <p:pic>
         <p:nvPicPr>
-          <p:cNvPr id="3" name="Picture 2"/>
+          <p:cNvPr id="10" name="Picture 9"/>
           <p:cNvPicPr>
             <a:picLocks noChangeAspect="1"/>
           </p:cNvPicPr>
@@ -7729,8 +5915,8 @@
         </p:blipFill>
         <p:spPr>
           <a:xfrm>
-            <a:off x="6933936" y="238968"/>
-            <a:ext cx="1924377" cy="977758"/>
+            <a:off x="166329" y="274638"/>
+            <a:ext cx="1924867" cy="866190"/>
           </a:xfrm>
           <a:prstGeom prst="rect">
             <a:avLst/>
@@ -7739,32 +5925,36 @@
       </p:pic>
       <p:pic>
         <p:nvPicPr>
-          <p:cNvPr id="6" name="Picture 5"/>
+          <p:cNvPr id="11" name="Picture 10"/>
           <p:cNvPicPr>
             <a:picLocks noChangeAspect="1"/>
           </p:cNvPicPr>
           <p:nvPr/>
         </p:nvPicPr>
-        <p:blipFill>
-          <a:blip r:embed="rId5"/>
-          <a:stretch>
-            <a:fillRect/>
-          </a:stretch>
+        <p:blipFill rotWithShape="1">
+          <a:blip r:embed="rId5">
+            <a:alphaModFix/>
+          </a:blip>
+          <a:srcRect/>
+          <a:stretch/>
         </p:blipFill>
         <p:spPr>
           <a:xfrm>
-            <a:off x="83371" y="238968"/>
-            <a:ext cx="1924077" cy="977758"/>
+            <a:off x="266160" y="5291998"/>
+            <a:ext cx="778484" cy="1250292"/>
           </a:xfrm>
           <a:prstGeom prst="rect">
             <a:avLst/>
           </a:prstGeom>
+          <a:solidFill>
+            <a:schemeClr val="tx1"/>
+          </a:solidFill>
         </p:spPr>
       </p:pic>
     </p:spTree>
     <p:extLst>
       <p:ext uri="{BB962C8B-B14F-4D97-AF65-F5344CB8AC3E}">
-        <p14:creationId xmlns:p14="http://schemas.microsoft.com/office/powerpoint/2010/main" val="868380100"/>
+        <p14:creationId xmlns:p14="http://schemas.microsoft.com/office/powerpoint/2010/main" val="1334750241"/>
       </p:ext>
     </p:extLst>
   </p:cSld>
@@ -7810,119 +6000,77 @@
         </p:nvSpPr>
         <p:spPr/>
         <p:txBody>
+          <a:bodyPr/>
+          <a:lstStyle/>
+          <a:p>
+            <a:r>
+              <a:rPr lang="en-US" dirty="0" smtClean="0"/>
+              <a:t>Exercise</a:t>
+            </a:r>
+            <a:endParaRPr lang="x-none" dirty="0"/>
+          </a:p>
+        </p:txBody>
+      </p:sp>
+      <p:sp>
+        <p:nvSpPr>
+          <p:cNvPr id="3" name="Content Placeholder 2"/>
+          <p:cNvSpPr>
+            <a:spLocks noGrp="1"/>
+          </p:cNvSpPr>
+          <p:nvPr>
+            <p:ph idx="1"/>
+          </p:nvPr>
+        </p:nvSpPr>
+        <p:spPr/>
+        <p:txBody>
           <a:bodyPr>
             <a:normAutofit/>
           </a:bodyPr>
           <a:lstStyle/>
           <a:p>
             <a:r>
+              <a:rPr lang="en-US" dirty="0"/>
+              <a:t>Scenario</a:t>
+            </a:r>
+          </a:p>
+          <a:p>
+            <a:pPr lvl="1"/>
+            <a:r>
+              <a:rPr lang="en-US" dirty="0"/>
+              <a:t>Sam is using a </a:t>
+            </a:r>
+            <a:r>
+              <a:rPr lang="en-US" dirty="0" err="1" smtClean="0"/>
+              <a:t>YourPublicLicense</a:t>
+            </a:r>
+            <a:r>
               <a:rPr lang="en-US" dirty="0" smtClean="0"/>
-              <a:t>YPL 4 and YPL 4a</a:t>
+              <a:t> v1.0 licensed </a:t>
+            </a:r>
+            <a:r>
+              <a:rPr lang="en-US" dirty="0"/>
+              <a:t>codebase in his organization. He wants to modify the codebase and distribute it to his customers. </a:t>
+            </a:r>
+            <a:r>
+              <a:rPr lang="en-US" dirty="0" smtClean="0"/>
+              <a:t>The original codebase has several copyright</a:t>
+            </a:r>
+            <a:r>
+              <a:rPr lang="en-US" dirty="0"/>
+              <a:t>, patent, trademark, and attribution </a:t>
+            </a:r>
+            <a:r>
+              <a:rPr lang="en-US" dirty="0" smtClean="0"/>
+              <a:t>notices.</a:t>
             </a:r>
             <a:endParaRPr lang="en-US" dirty="0"/>
           </a:p>
         </p:txBody>
       </p:sp>
-      <p:pic>
-        <p:nvPicPr>
-          <p:cNvPr id="3" name="Picture 2"/>
-          <p:cNvPicPr>
-            <a:picLocks noChangeAspect="1"/>
-          </p:cNvPicPr>
-          <p:nvPr/>
-        </p:nvPicPr>
-        <p:blipFill>
-          <a:blip r:embed="rId2"/>
-          <a:stretch>
-            <a:fillRect/>
-          </a:stretch>
-        </p:blipFill>
-        <p:spPr>
-          <a:xfrm>
-            <a:off x="317349" y="2101426"/>
-            <a:ext cx="8509303" cy="3151594"/>
-          </a:xfrm>
-          <a:prstGeom prst="rect">
-            <a:avLst/>
-          </a:prstGeom>
-        </p:spPr>
-      </p:pic>
-      <p:pic>
-        <p:nvPicPr>
-          <p:cNvPr id="4" name="Picture 3"/>
-          <p:cNvPicPr>
-            <a:picLocks noChangeAspect="1"/>
-          </p:cNvPicPr>
-          <p:nvPr/>
-        </p:nvPicPr>
-        <p:blipFill>
-          <a:blip r:embed="rId3"/>
-          <a:stretch>
-            <a:fillRect/>
-          </a:stretch>
-        </p:blipFill>
-        <p:spPr>
-          <a:xfrm>
-            <a:off x="6933936" y="238968"/>
-            <a:ext cx="1924377" cy="977758"/>
-          </a:xfrm>
-          <a:prstGeom prst="rect">
-            <a:avLst/>
-          </a:prstGeom>
-        </p:spPr>
-      </p:pic>
-      <p:pic>
-        <p:nvPicPr>
-          <p:cNvPr id="5" name="Picture 4"/>
-          <p:cNvPicPr>
-            <a:picLocks noChangeAspect="1"/>
-          </p:cNvPicPr>
-          <p:nvPr/>
-        </p:nvPicPr>
-        <p:blipFill>
-          <a:blip r:embed="rId4"/>
-          <a:stretch>
-            <a:fillRect/>
-          </a:stretch>
-        </p:blipFill>
-        <p:spPr>
-          <a:xfrm>
-            <a:off x="83371" y="238968"/>
-            <a:ext cx="1924077" cy="977758"/>
-          </a:xfrm>
-          <a:prstGeom prst="rect">
-            <a:avLst/>
-          </a:prstGeom>
-        </p:spPr>
-      </p:pic>
-      <p:pic>
-        <p:nvPicPr>
-          <p:cNvPr id="6" name="Picture 5"/>
-          <p:cNvPicPr>
-            <a:picLocks noChangeAspect="1"/>
-          </p:cNvPicPr>
-          <p:nvPr/>
-        </p:nvPicPr>
-        <p:blipFill>
-          <a:blip r:embed="rId5"/>
-          <a:stretch>
-            <a:fillRect/>
-          </a:stretch>
-        </p:blipFill>
-        <p:spPr>
-          <a:xfrm>
-            <a:off x="155585" y="6026918"/>
-            <a:ext cx="1779647" cy="750736"/>
-          </a:xfrm>
-          <a:prstGeom prst="rect">
-            <a:avLst/>
-          </a:prstGeom>
-        </p:spPr>
-      </p:pic>
     </p:spTree>
     <p:extLst>
       <p:ext uri="{BB962C8B-B14F-4D97-AF65-F5344CB8AC3E}">
-        <p14:creationId xmlns:p14="http://schemas.microsoft.com/office/powerpoint/2010/main" val="565475688"/>
+        <p14:creationId xmlns:p14="http://schemas.microsoft.com/office/powerpoint/2010/main" val="110840933"/>
       </p:ext>
     </p:extLst>
   </p:cSld>
@@ -7956,30 +6104,6 @@
           <a:chExt cx="0" cy="0"/>
         </a:xfrm>
       </p:grpSpPr>
-      <p:pic>
-        <p:nvPicPr>
-          <p:cNvPr id="4" name="Picture 3"/>
-          <p:cNvPicPr>
-            <a:picLocks noChangeAspect="1"/>
-          </p:cNvPicPr>
-          <p:nvPr/>
-        </p:nvPicPr>
-        <p:blipFill>
-          <a:blip r:embed="rId2"/>
-          <a:stretch>
-            <a:fillRect/>
-          </a:stretch>
-        </p:blipFill>
-        <p:spPr>
-          <a:xfrm>
-            <a:off x="317349" y="2101427"/>
-            <a:ext cx="8549152" cy="3151594"/>
-          </a:xfrm>
-          <a:prstGeom prst="rect">
-            <a:avLst/>
-          </a:prstGeom>
-        </p:spPr>
-      </p:pic>
       <p:sp>
         <p:nvSpPr>
           <p:cNvPr id="2" name="Title 1"/>
@@ -7992,95 +6116,73 @@
         </p:nvSpPr>
         <p:spPr/>
         <p:txBody>
-          <a:bodyPr>
-            <a:normAutofit/>
-          </a:bodyPr>
+          <a:bodyPr/>
           <a:lstStyle/>
           <a:p>
             <a:r>
               <a:rPr lang="en-US" dirty="0" smtClean="0"/>
-              <a:t>YPL 4 and YPL 4a</a:t>
+              <a:t>Question 1</a:t>
             </a:r>
             <a:endParaRPr lang="en-US" dirty="0"/>
           </a:p>
         </p:txBody>
       </p:sp>
-      <p:pic>
-        <p:nvPicPr>
-          <p:cNvPr id="5" name="Picture 4"/>
-          <p:cNvPicPr>
-            <a:picLocks noChangeAspect="1"/>
-          </p:cNvPicPr>
-          <p:nvPr/>
-        </p:nvPicPr>
-        <p:blipFill>
-          <a:blip r:embed="rId3"/>
-          <a:stretch>
-            <a:fillRect/>
-          </a:stretch>
-        </p:blipFill>
-        <p:spPr>
-          <a:xfrm>
-            <a:off x="6933936" y="238968"/>
-            <a:ext cx="1924377" cy="977758"/>
-          </a:xfrm>
-          <a:prstGeom prst="rect">
-            <a:avLst/>
-          </a:prstGeom>
-        </p:spPr>
-      </p:pic>
-      <p:pic>
-        <p:nvPicPr>
-          <p:cNvPr id="6" name="Picture 5"/>
-          <p:cNvPicPr>
-            <a:picLocks noChangeAspect="1"/>
-          </p:cNvPicPr>
-          <p:nvPr/>
-        </p:nvPicPr>
-        <p:blipFill>
-          <a:blip r:embed="rId4"/>
-          <a:stretch>
-            <a:fillRect/>
-          </a:stretch>
-        </p:blipFill>
-        <p:spPr>
-          <a:xfrm>
-            <a:off x="83371" y="238968"/>
-            <a:ext cx="1924077" cy="977758"/>
-          </a:xfrm>
-          <a:prstGeom prst="rect">
-            <a:avLst/>
-          </a:prstGeom>
-        </p:spPr>
-      </p:pic>
-      <p:pic>
-        <p:nvPicPr>
-          <p:cNvPr id="7" name="Picture 6"/>
-          <p:cNvPicPr>
-            <a:picLocks noChangeAspect="1"/>
-          </p:cNvPicPr>
-          <p:nvPr/>
-        </p:nvPicPr>
-        <p:blipFill>
-          <a:blip r:embed="rId5"/>
-          <a:stretch>
-            <a:fillRect/>
-          </a:stretch>
-        </p:blipFill>
-        <p:spPr>
-          <a:xfrm>
-            <a:off x="155585" y="6026918"/>
-            <a:ext cx="1779647" cy="750736"/>
-          </a:xfrm>
-          <a:prstGeom prst="rect">
-            <a:avLst/>
-          </a:prstGeom>
-        </p:spPr>
-      </p:pic>
+      <p:sp>
+        <p:nvSpPr>
+          <p:cNvPr id="3" name="Content Placeholder 2"/>
+          <p:cNvSpPr>
+            <a:spLocks noGrp="1"/>
+          </p:cNvSpPr>
+          <p:nvPr>
+            <p:ph idx="1"/>
+          </p:nvPr>
+        </p:nvSpPr>
+        <p:spPr/>
+        <p:txBody>
+          <a:bodyPr/>
+          <a:lstStyle/>
+          <a:p>
+            <a:r>
+              <a:rPr lang="en-US" dirty="0" smtClean="0"/>
+              <a:t>In his modified copy, Sam excluded trademark notices from the original source code. Is Sam compliant with YPL v1.0?</a:t>
+            </a:r>
+          </a:p>
+          <a:p>
+            <a:pPr lvl="1"/>
+            <a:r>
+              <a:rPr lang="en-US" dirty="0" smtClean="0"/>
+              <a:t>Yes, </a:t>
+            </a:r>
+            <a:r>
+              <a:rPr lang="en-US" dirty="0"/>
+              <a:t>Sam is compliant with YPL </a:t>
+            </a:r>
+            <a:r>
+              <a:rPr lang="en-US" dirty="0" smtClean="0"/>
+              <a:t>v1.0</a:t>
+            </a:r>
+          </a:p>
+          <a:p>
+            <a:pPr lvl="1"/>
+            <a:r>
+              <a:rPr lang="en-US" dirty="0" smtClean="0"/>
+              <a:t>No, Sam in not compliant with YPL v1.0</a:t>
+            </a:r>
+          </a:p>
+          <a:p>
+            <a:pPr lvl="1"/>
+            <a:r>
+              <a:rPr lang="en-US" dirty="0" smtClean="0"/>
+              <a:t>Need more information</a:t>
+            </a:r>
+            <a:endParaRPr lang="en-US" dirty="0"/>
+          </a:p>
+        </p:txBody>
+      </p:sp>
     </p:spTree>
     <p:extLst>
       <p:ext uri="{BB962C8B-B14F-4D97-AF65-F5344CB8AC3E}">
-        <p14:creationId xmlns:p14="http://schemas.microsoft.com/office/powerpoint/2010/main" val="1334750241"/>
+        <p14:creationId xmlns:p14="http://schemas.microsoft.com/office/powerpoint/2010/main" val="1890655421"/>
       </p:ext>
     </p:extLst>
   </p:cSld>
@@ -8124,16 +6226,21 @@
             <p:ph type="title"/>
           </p:nvPr>
         </p:nvSpPr>
-        <p:spPr/>
+        <p:spPr>
+          <a:xfrm>
+            <a:off x="457200" y="-127698"/>
+            <a:ext cx="8229600" cy="1143000"/>
+          </a:xfrm>
+        </p:spPr>
         <p:txBody>
           <a:bodyPr/>
           <a:lstStyle/>
           <a:p>
             <a:r>
               <a:rPr lang="en-US" dirty="0" smtClean="0"/>
-              <a:t>Exercise</a:t>
-            </a:r>
-            <a:endParaRPr lang="x-none" dirty="0"/>
+              <a:t>Steps to Follow</a:t>
+            </a:r>
+            <a:endParaRPr lang="en-US" dirty="0"/>
           </a:p>
         </p:txBody>
       </p:sp>
@@ -8147,48 +6254,136 @@
             <p:ph idx="1"/>
           </p:nvPr>
         </p:nvSpPr>
-        <p:spPr/>
+        <p:spPr>
+          <a:xfrm>
+            <a:off x="457200" y="1015302"/>
+            <a:ext cx="8229600" cy="5650674"/>
+          </a:xfrm>
+        </p:spPr>
         <p:txBody>
           <a:bodyPr>
-            <a:normAutofit/>
+            <a:normAutofit fontScale="85000" lnSpcReduction="20000"/>
           </a:bodyPr>
           <a:lstStyle/>
           <a:p>
+            <a:pPr marL="0" indent="0">
+              <a:buNone/>
+            </a:pPr>
+            <a:r>
+              <a:rPr lang="en-US" dirty="0" smtClean="0">
+                <a:solidFill>
+                  <a:srgbClr val="FFFF00"/>
+                </a:solidFill>
+              </a:rPr>
+              <a:t>Visit this link: </a:t>
+            </a:r>
             <a:r>
               <a:rPr lang="en-US" dirty="0"/>
-              <a:t>Scenario</a:t>
+              <a:t>https://</a:t>
+            </a:r>
+            <a:r>
+              <a:rPr lang="en-US" dirty="0" smtClean="0"/>
+              <a:t>goo.gl/ejhjp9</a:t>
+            </a:r>
+          </a:p>
+          <a:p>
+            <a:pPr marL="0" indent="0">
+              <a:buNone/>
+            </a:pPr>
+            <a:endParaRPr lang="en-US" dirty="0" smtClean="0"/>
+          </a:p>
+          <a:p>
+            <a:pPr marL="514350" indent="-514350">
+              <a:buFont typeface="+mj-lt"/>
+              <a:buAutoNum type="arabicPeriod"/>
+            </a:pPr>
+            <a:r>
+              <a:rPr lang="en-US" dirty="0" smtClean="0"/>
+              <a:t>Determine the most relevant norm</a:t>
+            </a:r>
+          </a:p>
+          <a:p>
+            <a:pPr marL="914400" lvl="1" indent="-514350"/>
+            <a:r>
+              <a:rPr lang="en-US" dirty="0" smtClean="0"/>
+              <a:t>Hover over Duties and Rights to read relevant text</a:t>
+            </a:r>
+          </a:p>
+          <a:p>
+            <a:pPr marL="514350" indent="-514350">
+              <a:buFont typeface="+mj-lt"/>
+              <a:buAutoNum type="arabicPeriod"/>
+            </a:pPr>
+            <a:r>
+              <a:rPr lang="en-US" dirty="0" smtClean="0"/>
+              <a:t>Trace activating situations for the norm in Step 1</a:t>
             </a:r>
           </a:p>
           <a:p>
             <a:pPr lvl="1"/>
             <a:r>
+              <a:rPr lang="en-US" dirty="0" smtClean="0"/>
+              <a:t>Follow links to other norms and situations </a:t>
+            </a:r>
+          </a:p>
+          <a:p>
+            <a:pPr lvl="1"/>
+            <a:r>
+              <a:rPr lang="en-US" dirty="0" smtClean="0"/>
+              <a:t>Assign truth values of situations with respect to the scenario and the question</a:t>
+            </a:r>
+          </a:p>
+          <a:p>
+            <a:pPr marL="514350" indent="-514350">
+              <a:buFont typeface="+mj-lt"/>
+              <a:buAutoNum type="arabicPeriod"/>
+            </a:pPr>
+            <a:r>
+              <a:rPr lang="en-US" dirty="0" smtClean="0"/>
+              <a:t>Trace satisfying situations for the norm in Step 1</a:t>
+            </a:r>
+          </a:p>
+          <a:p>
+            <a:pPr marL="857250" lvl="1" indent="-457200"/>
+            <a:r>
+              <a:rPr lang="en-US" dirty="0" smtClean="0"/>
+              <a:t>Assign </a:t>
+            </a:r>
+            <a:r>
               <a:rPr lang="en-US" dirty="0"/>
-              <a:t>Sam is using a </a:t>
-            </a:r>
-            <a:r>
-              <a:rPr lang="en-US" dirty="0" err="1" smtClean="0"/>
-              <a:t>YourPublicLicense</a:t>
+              <a:t>truth values of situations with respect to the scenario and the </a:t>
             </a:r>
             <a:r>
               <a:rPr lang="en-US" dirty="0" smtClean="0"/>
-              <a:t> v1.0 licensed </a:t>
-            </a:r>
-            <a:r>
-              <a:rPr lang="en-US" dirty="0"/>
-              <a:t>codebase in his organization. He wants to modify the codebase and distribute it to his customers. </a:t>
-            </a:r>
+              <a:t>question</a:t>
+            </a:r>
+          </a:p>
+          <a:p>
+            <a:pPr marL="514350" indent="-514350">
+              <a:buFont typeface="+mj-lt"/>
+              <a:buAutoNum type="arabicPeriod"/>
+            </a:pPr>
             <a:r>
               <a:rPr lang="en-US" dirty="0" smtClean="0"/>
-              <a:t>The original codebase has several copyright</a:t>
-            </a:r>
-            <a:r>
-              <a:rPr lang="en-US" dirty="0"/>
-              <a:t>, patent, trademark, and attribution </a:t>
-            </a:r>
+              <a:t>Hit the SOLVE button.</a:t>
+            </a:r>
+          </a:p>
+          <a:p>
+            <a:pPr marL="514350" indent="-514350">
+              <a:buFont typeface="+mj-lt"/>
+              <a:buAutoNum type="arabicPeriod"/>
+            </a:pPr>
             <a:r>
               <a:rPr lang="en-US" dirty="0" smtClean="0"/>
-              <a:t>notices.</a:t>
-            </a:r>
+              <a:t>Note the color of the situation containing the norm in Step 1.</a:t>
+            </a:r>
+            <a:endParaRPr lang="en-US" dirty="0"/>
+          </a:p>
+          <a:p>
+            <a:pPr marL="514350" indent="-514350">
+              <a:buFont typeface="+mj-lt"/>
+              <a:buAutoNum type="arabicPeriod"/>
+            </a:pPr>
             <a:endParaRPr lang="en-US" dirty="0"/>
           </a:p>
         </p:txBody>
@@ -8196,7 +6391,7 @@
     </p:spTree>
     <p:extLst>
       <p:ext uri="{BB962C8B-B14F-4D97-AF65-F5344CB8AC3E}">
-        <p14:creationId xmlns:p14="http://schemas.microsoft.com/office/powerpoint/2010/main" val="110840933"/>
+        <p14:creationId xmlns:p14="http://schemas.microsoft.com/office/powerpoint/2010/main" val="1219980335"/>
       </p:ext>
     </p:extLst>
   </p:cSld>
@@ -8402,53 +6597,49 @@
           <a:lstStyle/>
           <a:p>
             <a:r>
+              <a:rPr lang="en-US" smtClean="0"/>
+              <a:t>Question 2</a:t>
+            </a:r>
+            <a:endParaRPr lang="en-US" dirty="0"/>
+          </a:p>
+        </p:txBody>
+      </p:sp>
+      <p:sp>
+        <p:nvSpPr>
+          <p:cNvPr id="3" name="Content Placeholder 2"/>
+          <p:cNvSpPr>
+            <a:spLocks noGrp="1"/>
+          </p:cNvSpPr>
+          <p:nvPr>
+            <p:ph idx="1"/>
+          </p:nvPr>
+        </p:nvSpPr>
+        <p:spPr/>
+        <p:txBody>
+          <a:bodyPr/>
+          <a:lstStyle/>
+          <a:p>
+            <a:pPr marL="514350" lvl="1" indent="-457200">
+              <a:buFont typeface="Arial" pitchFamily="34" charset="0"/>
+              <a:buChar char="•"/>
+            </a:pPr>
+            <a:r>
               <a:rPr lang="en-US" dirty="0" smtClean="0"/>
-              <a:t>Question 1</a:t>
-            </a:r>
-            <a:endParaRPr lang="en-US" dirty="0"/>
-          </a:p>
-        </p:txBody>
-      </p:sp>
-      <p:sp>
-        <p:nvSpPr>
-          <p:cNvPr id="3" name="Content Placeholder 2"/>
-          <p:cNvSpPr>
-            <a:spLocks noGrp="1"/>
-          </p:cNvSpPr>
-          <p:nvPr>
-            <p:ph idx="1"/>
-          </p:nvPr>
-        </p:nvSpPr>
-        <p:spPr/>
-        <p:txBody>
-          <a:bodyPr/>
-          <a:lstStyle/>
-          <a:p>
+              <a:t>Sam includes all previous notices (from the original codebase) in to the modified codebase. Sam now distributed the modified source code. Is Sam compliant YPL v1.0?</a:t>
+            </a:r>
+          </a:p>
+          <a:p>
+            <a:pPr lvl="1"/>
             <a:r>
               <a:rPr lang="en-US" dirty="0" smtClean="0"/>
-              <a:t>In his modified copy, Sam excluded trademark notices from the original source code. Is Sam compliant with YPL v1.0?</a:t>
+              <a:t>Yes, Sam is compliant with YPL v1.0</a:t>
             </a:r>
           </a:p>
           <a:p>
             <a:pPr lvl="1"/>
             <a:r>
               <a:rPr lang="en-US" dirty="0" smtClean="0"/>
-              <a:t>Yes, </a:t>
-            </a:r>
-            <a:r>
-              <a:rPr lang="en-US" dirty="0"/>
-              <a:t>Sam is compliant with YPL </a:t>
-            </a:r>
-            <a:r>
-              <a:rPr lang="en-US" dirty="0" smtClean="0"/>
-              <a:t>v1.0</a:t>
-            </a:r>
-          </a:p>
-          <a:p>
-            <a:pPr lvl="1"/>
-            <a:r>
-              <a:rPr lang="en-US" dirty="0" smtClean="0"/>
-              <a:t>No, Sam in not compliant with YPL v1.0</a:t>
+              <a:t>No, Sam is not compliant with YPL v1.0</a:t>
             </a:r>
           </a:p>
           <a:p>
@@ -8457,6 +6648,12 @@
               <a:rPr lang="en-US" dirty="0" smtClean="0"/>
               <a:t>Need more information</a:t>
             </a:r>
+          </a:p>
+          <a:p>
+            <a:pPr marL="514350" indent="-457200"/>
+            <a:endParaRPr lang="en-US" dirty="0" smtClean="0"/>
+          </a:p>
+          <a:p>
             <a:endParaRPr lang="en-US" dirty="0"/>
           </a:p>
         </p:txBody>
@@ -8464,7 +6661,7 @@
     </p:spTree>
     <p:extLst>
       <p:ext uri="{BB962C8B-B14F-4D97-AF65-F5344CB8AC3E}">
-        <p14:creationId xmlns:p14="http://schemas.microsoft.com/office/powerpoint/2010/main" val="1890655421"/>
+        <p14:creationId xmlns:p14="http://schemas.microsoft.com/office/powerpoint/2010/main" val="90006023"/>
       </p:ext>
     </p:extLst>
   </p:cSld>
@@ -8500,18 +6697,18 @@
       </p:grpSpPr>
       <p:sp>
         <p:nvSpPr>
-          <p:cNvPr id="2" name="Title 1"/>
-          <p:cNvSpPr>
-            <a:spLocks noGrp="1"/>
-          </p:cNvSpPr>
-          <p:nvPr>
-            <p:ph type="title"/>
+          <p:cNvPr id="4" name="Title 3"/>
+          <p:cNvSpPr>
+            <a:spLocks noGrp="1"/>
+          </p:cNvSpPr>
+          <p:nvPr>
+            <p:ph type="ctrTitle"/>
           </p:nvPr>
         </p:nvSpPr>
         <p:spPr>
           <a:xfrm>
-            <a:off x="457200" y="-127698"/>
-            <a:ext cx="8229600" cy="1143000"/>
+            <a:off x="685800" y="2668308"/>
+            <a:ext cx="7772400" cy="1470025"/>
           </a:xfrm>
         </p:spPr>
         <p:txBody>
@@ -8520,152 +6717,8 @@
           <a:p>
             <a:r>
               <a:rPr lang="en-US" dirty="0" smtClean="0"/>
-              <a:t>Steps to Follow</a:t>
-            </a:r>
-            <a:endParaRPr lang="en-US" dirty="0"/>
-          </a:p>
-        </p:txBody>
-      </p:sp>
-      <p:sp>
-        <p:nvSpPr>
-          <p:cNvPr id="3" name="Content Placeholder 2"/>
-          <p:cNvSpPr>
-            <a:spLocks noGrp="1"/>
-          </p:cNvSpPr>
-          <p:nvPr>
-            <p:ph idx="1"/>
-          </p:nvPr>
-        </p:nvSpPr>
-        <p:spPr>
-          <a:xfrm>
-            <a:off x="457200" y="1015302"/>
-            <a:ext cx="8229600" cy="5650674"/>
-          </a:xfrm>
-        </p:spPr>
-        <p:txBody>
-          <a:bodyPr>
-            <a:normAutofit fontScale="85000" lnSpcReduction="20000"/>
-          </a:bodyPr>
-          <a:lstStyle/>
-          <a:p>
-            <a:pPr marL="0" indent="0">
-              <a:buNone/>
-            </a:pPr>
-            <a:r>
-              <a:rPr lang="en-US" dirty="0" smtClean="0">
-                <a:solidFill>
-                  <a:srgbClr val="FFFF00"/>
-                </a:solidFill>
-              </a:rPr>
-              <a:t>Visit this link: </a:t>
-            </a:r>
-            <a:r>
-              <a:rPr lang="en-US" dirty="0"/>
-              <a:t>https://</a:t>
-            </a:r>
-            <a:r>
-              <a:rPr lang="en-US" dirty="0" smtClean="0"/>
-              <a:t>goo.gl/ejhjp9</a:t>
-            </a:r>
-          </a:p>
-          <a:p>
-            <a:pPr marL="0" indent="0">
-              <a:buNone/>
-            </a:pPr>
-            <a:endParaRPr lang="en-US" dirty="0" smtClean="0"/>
-          </a:p>
-          <a:p>
-            <a:pPr marL="514350" indent="-514350">
-              <a:buFont typeface="+mj-lt"/>
-              <a:buAutoNum type="arabicPeriod"/>
-            </a:pPr>
-            <a:r>
-              <a:rPr lang="en-US" dirty="0" smtClean="0"/>
-              <a:t>Determine the most relevant norm</a:t>
-            </a:r>
-          </a:p>
-          <a:p>
-            <a:pPr marL="914400" lvl="1" indent="-514350"/>
-            <a:r>
-              <a:rPr lang="en-US" dirty="0" smtClean="0"/>
-              <a:t>Hover over Duties and Rights to read relevant text</a:t>
-            </a:r>
-          </a:p>
-          <a:p>
-            <a:pPr marL="514350" indent="-514350">
-              <a:buFont typeface="+mj-lt"/>
-              <a:buAutoNum type="arabicPeriod"/>
-            </a:pPr>
-            <a:r>
-              <a:rPr lang="en-US" dirty="0" smtClean="0"/>
-              <a:t>Trace activating situations for the norm in Step 1</a:t>
-            </a:r>
-          </a:p>
-          <a:p>
-            <a:pPr lvl="1"/>
-            <a:r>
-              <a:rPr lang="en-US" dirty="0" smtClean="0"/>
-              <a:t>Follow links to other norms and situations </a:t>
-            </a:r>
-          </a:p>
-          <a:p>
-            <a:pPr lvl="1"/>
-            <a:r>
-              <a:rPr lang="en-US" dirty="0" smtClean="0"/>
-              <a:t>Assign truth values of situations with respect to the scenario and the question</a:t>
-            </a:r>
-          </a:p>
-          <a:p>
-            <a:pPr marL="514350" indent="-514350">
-              <a:buFont typeface="+mj-lt"/>
-              <a:buAutoNum type="arabicPeriod"/>
-            </a:pPr>
-            <a:r>
-              <a:rPr lang="en-US" dirty="0" smtClean="0"/>
-              <a:t>Trace satisfying situations for the norm in Step 1</a:t>
-            </a:r>
-          </a:p>
-          <a:p>
-            <a:pPr marL="857250" lvl="1" indent="-457200"/>
-            <a:r>
-              <a:rPr lang="en-US" dirty="0" smtClean="0"/>
-              <a:t>Assign </a:t>
-            </a:r>
-            <a:r>
-              <a:rPr lang="en-US" dirty="0"/>
-              <a:t>truth values of situations with respect to the scenario and the </a:t>
-            </a:r>
-            <a:r>
-              <a:rPr lang="en-US" dirty="0" smtClean="0"/>
-              <a:t>question</a:t>
-            </a:r>
-          </a:p>
-          <a:p>
-            <a:pPr marL="514350" indent="-514350">
-              <a:buFont typeface="+mj-lt"/>
-              <a:buAutoNum type="arabicPeriod"/>
-            </a:pPr>
-            <a:r>
-              <a:rPr lang="en-US" dirty="0" smtClean="0"/>
-              <a:t>Hit the SOLVE button.</a:t>
-            </a:r>
-          </a:p>
-          <a:p>
-            <a:pPr marL="514350" indent="-514350">
-              <a:buFont typeface="+mj-lt"/>
-              <a:buAutoNum type="arabicPeriod"/>
-            </a:pPr>
-            <a:r>
-              <a:rPr lang="en-US" dirty="0" smtClean="0"/>
-              <a:t>Note the color of the situation containing the norm in Step 1.</a:t>
-            </a:r>
-            <a:endParaRPr lang="en-US" dirty="0"/>
-          </a:p>
-          <a:p>
-            <a:pPr marL="514350" indent="-514350">
-              <a:buFont typeface="+mj-lt"/>
-              <a:buAutoNum type="arabicPeriod"/>
-            </a:pPr>
+              <a:t>Enough with Toy Examples!</a:t>
+            </a:r>
             <a:endParaRPr lang="en-US" dirty="0"/>
           </a:p>
         </p:txBody>
@@ -8673,7 +6726,7 @@
     </p:spTree>
     <p:extLst>
       <p:ext uri="{BB962C8B-B14F-4D97-AF65-F5344CB8AC3E}">
-        <p14:creationId xmlns:p14="http://schemas.microsoft.com/office/powerpoint/2010/main" val="1219980335"/>
+        <p14:creationId xmlns:p14="http://schemas.microsoft.com/office/powerpoint/2010/main" val="1782492740"/>
       </p:ext>
     </p:extLst>
   </p:cSld>
@@ -8723,8 +6776,8 @@
           <a:lstStyle/>
           <a:p>
             <a:r>
-              <a:rPr lang="en-US" smtClean="0"/>
-              <a:t>Question 2</a:t>
+              <a:rPr lang="en-US" dirty="0" smtClean="0"/>
+              <a:t>New Scenario for AGPL Analysis</a:t>
             </a:r>
             <a:endParaRPr lang="en-US" dirty="0"/>
           </a:p>
@@ -8740,39 +6793,65 @@
             <p:ph idx="1"/>
           </p:nvPr>
         </p:nvSpPr>
-        <p:spPr/>
-        <p:txBody>
-          <a:bodyPr/>
-          <a:lstStyle/>
-          <a:p>
-            <a:pPr marL="514350" lvl="1" indent="-457200">
-              <a:buFont typeface="Arial" pitchFamily="34" charset="0"/>
-              <a:buChar char="•"/>
-            </a:pPr>
+        <p:spPr>
+          <a:xfrm>
+            <a:off x="457200" y="1600200"/>
+            <a:ext cx="8229600" cy="5004995"/>
+          </a:xfrm>
+        </p:spPr>
+        <p:txBody>
+          <a:bodyPr>
+            <a:normAutofit fontScale="70000" lnSpcReduction="20000"/>
+          </a:bodyPr>
+          <a:lstStyle/>
+          <a:p>
+            <a:r>
+              <a:rPr lang="en-US" dirty="0"/>
+              <a:t>Bob is an avid user of StarWidget. StarWidget is an open source package whose source code is publicly available for download from Github over HTTP. StarWidget is licensed under AGPLv1.0. Bob has made some custom modifications to his forked copy of StarWidget to improve his productivity, calling it GalaxyWidget. </a:t>
+            </a:r>
+            <a:br>
+              <a:rPr lang="en-US" dirty="0"/>
+            </a:br>
+            <a:endParaRPr lang="en-US" dirty="0"/>
+          </a:p>
+          <a:p>
+            <a:r>
+              <a:rPr lang="en-US" dirty="0"/>
+              <a:t>Bob has kept intact all licenses and associated warranties from StarWidget inside the GalaxyWidget codebase. Also when GalaxyWidget runs, it displays notices that includes ‘copyright’, ‘no warranty’, ‘</a:t>
+            </a:r>
             <a:r>
               <a:rPr lang="en-US" dirty="0" smtClean="0"/>
-              <a:t>Sam includes all previous notices (from the original codebase) in to the modified codebase. Sam now distributed the modified source code. Is Sam compliant YPL v1.0?</a:t>
-            </a:r>
-          </a:p>
-          <a:p>
-            <a:pPr lvl="1"/>
+              <a:t>trademark</a:t>
+            </a:r>
+            <a:r>
+              <a:rPr lang="en-US" dirty="0"/>
+              <a:t>’, ‘patent’ and other attributions during user interactions. </a:t>
+            </a:r>
+            <a:endParaRPr lang="en-US" dirty="0" smtClean="0"/>
+          </a:p>
+          <a:p>
+            <a:endParaRPr lang="en-US" dirty="0"/>
+          </a:p>
+          <a:p>
+            <a:r>
+              <a:rPr lang="en-US" dirty="0"/>
+              <a:t>Later Bob made GalaxyWidget </a:t>
+            </a:r>
+            <a:r>
+              <a:rPr lang="en-US" dirty="0" err="1"/>
+              <a:t>github</a:t>
+            </a:r>
+            <a:r>
+              <a:rPr lang="en-US" dirty="0"/>
+              <a:t> repository private</a:t>
+            </a:r>
             <a:r>
               <a:rPr lang="en-US" dirty="0" smtClean="0"/>
-              <a:t>Yes, Sam is compliant with YPL v1.0</a:t>
-            </a:r>
-          </a:p>
-          <a:p>
-            <a:pPr lvl="1"/>
-            <a:r>
-              <a:rPr lang="en-US" dirty="0" smtClean="0"/>
-              <a:t>No, Sam is not compliant with YPL v1.0</a:t>
-            </a:r>
-          </a:p>
-          <a:p>
-            <a:pPr lvl="1"/>
-            <a:r>
-              <a:rPr lang="en-US" dirty="0" smtClean="0"/>
-              <a:t>Need more information</a:t>
+              <a:t>. However</a:t>
+            </a:r>
+            <a:r>
+              <a:rPr lang="en-US" dirty="0"/>
+              <a:t>, not all of the source code of GalaxyWidget is available for download. Bob also did not provide any provisions for downloading the complete modified code for GalaxyWidget over the web (over HTTP).</a:t>
             </a:r>
           </a:p>
           <a:p>
@@ -8787,7 +6866,7 @@
     </p:spTree>
     <p:extLst>
       <p:ext uri="{BB962C8B-B14F-4D97-AF65-F5344CB8AC3E}">
-        <p14:creationId xmlns:p14="http://schemas.microsoft.com/office/powerpoint/2010/main" val="90006023"/>
+        <p14:creationId xmlns:p14="http://schemas.microsoft.com/office/powerpoint/2010/main" val="19609049"/>
       </p:ext>
     </p:extLst>
   </p:cSld>
@@ -8823,211 +6902,6 @@
       </p:grpSpPr>
       <p:sp>
         <p:nvSpPr>
-          <p:cNvPr id="4" name="Title 3"/>
-          <p:cNvSpPr>
-            <a:spLocks noGrp="1"/>
-          </p:cNvSpPr>
-          <p:nvPr>
-            <p:ph type="ctrTitle"/>
-          </p:nvPr>
-        </p:nvSpPr>
-        <p:spPr>
-          <a:xfrm>
-            <a:off x="685800" y="2668308"/>
-            <a:ext cx="7772400" cy="1470025"/>
-          </a:xfrm>
-        </p:spPr>
-        <p:txBody>
-          <a:bodyPr/>
-          <a:lstStyle/>
-          <a:p>
-            <a:r>
-              <a:rPr lang="en-US" dirty="0" smtClean="0"/>
-              <a:t>Enough with Toy Examples!</a:t>
-            </a:r>
-            <a:endParaRPr lang="en-US" dirty="0"/>
-          </a:p>
-        </p:txBody>
-      </p:sp>
-    </p:spTree>
-    <p:extLst>
-      <p:ext uri="{BB962C8B-B14F-4D97-AF65-F5344CB8AC3E}">
-        <p14:creationId xmlns:p14="http://schemas.microsoft.com/office/powerpoint/2010/main" val="1782492740"/>
-      </p:ext>
-    </p:extLst>
-  </p:cSld>
-  <p:clrMapOvr>
-    <a:masterClrMapping/>
-  </p:clrMapOvr>
-  <p:timing>
-    <p:tnLst>
-      <p:par>
-        <p:cTn id="1" dur="indefinite" restart="never" nodeType="tmRoot"/>
-      </p:par>
-    </p:tnLst>
-  </p:timing>
-</p:sld>
-</file>
-
-<file path=ppt/slides/slide24.xml><?xml version="1.0" encoding="utf-8"?>
-<p:sld xmlns:a="http://schemas.openxmlformats.org/drawingml/2006/main" xmlns:r="http://schemas.openxmlformats.org/officeDocument/2006/relationships" xmlns:p="http://schemas.openxmlformats.org/presentationml/2006/main">
-  <p:cSld>
-    <p:spTree>
-      <p:nvGrpSpPr>
-        <p:cNvPr id="1" name=""/>
-        <p:cNvGrpSpPr/>
-        <p:nvPr/>
-      </p:nvGrpSpPr>
-      <p:grpSpPr>
-        <a:xfrm>
-          <a:off x="0" y="0"/>
-          <a:ext cx="0" cy="0"/>
-          <a:chOff x="0" y="0"/>
-          <a:chExt cx="0" cy="0"/>
-        </a:xfrm>
-      </p:grpSpPr>
-      <p:sp>
-        <p:nvSpPr>
-          <p:cNvPr id="2" name="Title 1"/>
-          <p:cNvSpPr>
-            <a:spLocks noGrp="1"/>
-          </p:cNvSpPr>
-          <p:nvPr>
-            <p:ph type="title"/>
-          </p:nvPr>
-        </p:nvSpPr>
-        <p:spPr/>
-        <p:txBody>
-          <a:bodyPr/>
-          <a:lstStyle/>
-          <a:p>
-            <a:r>
-              <a:rPr lang="en-US" dirty="0" smtClean="0"/>
-              <a:t>New Scenario for AGPL Analysis</a:t>
-            </a:r>
-            <a:endParaRPr lang="en-US" dirty="0"/>
-          </a:p>
-        </p:txBody>
-      </p:sp>
-      <p:sp>
-        <p:nvSpPr>
-          <p:cNvPr id="3" name="Content Placeholder 2"/>
-          <p:cNvSpPr>
-            <a:spLocks noGrp="1"/>
-          </p:cNvSpPr>
-          <p:nvPr>
-            <p:ph idx="1"/>
-          </p:nvPr>
-        </p:nvSpPr>
-        <p:spPr>
-          <a:xfrm>
-            <a:off x="457200" y="1600200"/>
-            <a:ext cx="8229600" cy="5004995"/>
-          </a:xfrm>
-        </p:spPr>
-        <p:txBody>
-          <a:bodyPr>
-            <a:normAutofit fontScale="70000" lnSpcReduction="20000"/>
-          </a:bodyPr>
-          <a:lstStyle/>
-          <a:p>
-            <a:r>
-              <a:rPr lang="en-US" dirty="0"/>
-              <a:t>Bob is an avid user of StarWidget. StarWidget is an open source package whose source code is publicly available for download from Github over HTTP. StarWidget is licensed under AGPLv1.0. Bob has made some custom modifications to his forked copy of StarWidget to improve his productivity, calling it GalaxyWidget. </a:t>
-            </a:r>
-            <a:br>
-              <a:rPr lang="en-US" dirty="0"/>
-            </a:br>
-            <a:endParaRPr lang="en-US" dirty="0"/>
-          </a:p>
-          <a:p>
-            <a:r>
-              <a:rPr lang="en-US" dirty="0"/>
-              <a:t>Bob has kept intact all licenses and associated warranties from StarWidget inside the GalaxyWidget codebase. Also when GalaxyWidget runs, it displays notices that includes ‘copyright’, ‘no warranty’, ‘</a:t>
-            </a:r>
-            <a:r>
-              <a:rPr lang="en-US" dirty="0" smtClean="0"/>
-              <a:t>trademark</a:t>
-            </a:r>
-            <a:r>
-              <a:rPr lang="en-US" dirty="0"/>
-              <a:t>’, ‘patent’ and other attributions during user interactions. </a:t>
-            </a:r>
-            <a:endParaRPr lang="en-US" dirty="0" smtClean="0"/>
-          </a:p>
-          <a:p>
-            <a:endParaRPr lang="en-US" dirty="0"/>
-          </a:p>
-          <a:p>
-            <a:r>
-              <a:rPr lang="en-US" dirty="0"/>
-              <a:t>Later Bob made GalaxyWidget </a:t>
-            </a:r>
-            <a:r>
-              <a:rPr lang="en-US" dirty="0" err="1"/>
-              <a:t>github</a:t>
-            </a:r>
-            <a:r>
-              <a:rPr lang="en-US" dirty="0"/>
-              <a:t> repository private</a:t>
-            </a:r>
-            <a:r>
-              <a:rPr lang="en-US" dirty="0" smtClean="0"/>
-              <a:t>. However</a:t>
-            </a:r>
-            <a:r>
-              <a:rPr lang="en-US" dirty="0"/>
-              <a:t>, not all of the source code of GalaxyWidget is available for download. Bob also did not provide any provisions for downloading the complete modified code for GalaxyWidget over the web (over HTTP).</a:t>
-            </a:r>
-          </a:p>
-          <a:p>
-            <a:pPr marL="514350" indent="-457200"/>
-            <a:endParaRPr lang="en-US" dirty="0" smtClean="0"/>
-          </a:p>
-          <a:p>
-            <a:endParaRPr lang="en-US" dirty="0"/>
-          </a:p>
-        </p:txBody>
-      </p:sp>
-    </p:spTree>
-    <p:extLst>
-      <p:ext uri="{BB962C8B-B14F-4D97-AF65-F5344CB8AC3E}">
-        <p14:creationId xmlns:p14="http://schemas.microsoft.com/office/powerpoint/2010/main" val="19609049"/>
-      </p:ext>
-    </p:extLst>
-  </p:cSld>
-  <p:clrMapOvr>
-    <a:masterClrMapping/>
-  </p:clrMapOvr>
-  <p:timing>
-    <p:tnLst>
-      <p:par>
-        <p:cTn id="1" dur="indefinite" restart="never" nodeType="tmRoot"/>
-      </p:par>
-    </p:tnLst>
-  </p:timing>
-</p:sld>
-</file>
-
-<file path=ppt/slides/slide25.xml><?xml version="1.0" encoding="utf-8"?>
-<p:sld xmlns:a="http://schemas.openxmlformats.org/drawingml/2006/main" xmlns:r="http://schemas.openxmlformats.org/officeDocument/2006/relationships" xmlns:p="http://schemas.openxmlformats.org/presentationml/2006/main">
-  <p:cSld>
-    <p:spTree>
-      <p:nvGrpSpPr>
-        <p:cNvPr id="1" name=""/>
-        <p:cNvGrpSpPr/>
-        <p:nvPr/>
-      </p:nvGrpSpPr>
-      <p:grpSpPr>
-        <a:xfrm>
-          <a:off x="0" y="0"/>
-          <a:ext cx="0" cy="0"/>
-          <a:chOff x="0" y="0"/>
-          <a:chExt cx="0" cy="0"/>
-        </a:xfrm>
-      </p:grpSpPr>
-      <p:sp>
-        <p:nvSpPr>
           <p:cNvPr id="2" name="Title 1"/>
           <p:cNvSpPr>
             <a:spLocks noGrp="1"/>
@@ -9155,7 +7029,7 @@
 </p:sld>
 </file>
 
-<file path=ppt/slides/slide26.xml><?xml version="1.0" encoding="utf-8"?>
+<file path=ppt/slides/slide24.xml><?xml version="1.0" encoding="utf-8"?>
 <p:sld xmlns:a="http://schemas.openxmlformats.org/drawingml/2006/main" xmlns:r="http://schemas.openxmlformats.org/officeDocument/2006/relationships" xmlns:p="http://schemas.openxmlformats.org/presentationml/2006/main">
   <p:cSld>
     <p:spTree>
@@ -10910,54 +8784,54 @@
         </p:nvSpPr>
         <p:spPr>
           <a:xfrm>
-            <a:off x="457200" y="5676283"/>
-            <a:ext cx="8229600" cy="864366"/>
+            <a:off x="3207600" y="5676283"/>
+            <a:ext cx="2728799" cy="827756"/>
           </a:xfrm>
         </p:spPr>
         <p:txBody>
           <a:bodyPr>
-            <a:normAutofit fontScale="55000" lnSpcReduction="20000"/>
+            <a:normAutofit fontScale="85000" lnSpcReduction="20000"/>
           </a:bodyPr>
           <a:lstStyle/>
           <a:p>
-            <a:pPr marL="0" indent="0" algn="ctr">
+            <a:pPr marL="0" indent="0">
               <a:buNone/>
             </a:pPr>
             <a:r>
-              <a:rPr lang="en-US" b="1" dirty="0" smtClean="0"/>
+              <a:rPr lang="en-US" sz="2000" b="1" dirty="0" smtClean="0"/>
               <a:t>ST: </a:t>
             </a:r>
             <a:r>
-              <a:rPr lang="en-US" dirty="0" smtClean="0"/>
+              <a:rPr lang="en-US" sz="2000" dirty="0" smtClean="0"/>
               <a:t>Satisfied</a:t>
             </a:r>
           </a:p>
           <a:p>
-            <a:pPr marL="0" indent="0" algn="ctr">
+            <a:pPr marL="0" indent="0">
               <a:buNone/>
             </a:pPr>
             <a:r>
-              <a:rPr lang="en-US" b="1" dirty="0" smtClean="0"/>
+              <a:rPr lang="en-US" sz="2000" b="1" dirty="0" smtClean="0"/>
               <a:t>SF: </a:t>
             </a:r>
             <a:r>
-              <a:rPr lang="en-US" dirty="0" smtClean="0"/>
+              <a:rPr lang="en-US" sz="2000" dirty="0" smtClean="0"/>
               <a:t>Not Satisfied</a:t>
             </a:r>
           </a:p>
           <a:p>
-            <a:pPr marL="0" indent="0" algn="ctr">
+            <a:pPr marL="0" indent="0">
               <a:buNone/>
             </a:pPr>
             <a:r>
-              <a:rPr lang="en-US" b="1" dirty="0" smtClean="0"/>
+              <a:rPr lang="en-US" sz="2000" b="1" dirty="0" smtClean="0"/>
               <a:t>SU: </a:t>
             </a:r>
             <a:r>
-              <a:rPr lang="en-US" dirty="0" smtClean="0"/>
+              <a:rPr lang="en-US" sz="2000" dirty="0" smtClean="0"/>
               <a:t>Satisfiability Undefined</a:t>
             </a:r>
-            <a:endParaRPr lang="en-US" dirty="0"/>
+            <a:endParaRPr lang="en-US" sz="2000" dirty="0"/>
           </a:p>
         </p:txBody>
       </p:sp>
@@ -10987,28 +8861,26 @@
       </p:sp>
       <p:pic>
         <p:nvPicPr>
-          <p:cNvPr id="6" name="Picture 5"/>
+          <p:cNvPr id="8" name="Picture 7"/>
           <p:cNvPicPr>
             <a:picLocks noChangeAspect="1"/>
           </p:cNvPicPr>
           <p:nvPr/>
         </p:nvPicPr>
-        <p:blipFill rotWithShape="1">
+        <p:blipFill>
           <a:blip r:embed="rId3"/>
-          <a:srcRect l="1058" r="10434"/>
-          <a:stretch/>
+          <a:stretch>
+            <a:fillRect/>
+          </a:stretch>
         </p:blipFill>
         <p:spPr>
           <a:xfrm>
-            <a:off x="682181" y="1575248"/>
-            <a:ext cx="7779637" cy="3943425"/>
+            <a:off x="1321335" y="2097705"/>
+            <a:ext cx="7365465" cy="3316613"/>
           </a:xfrm>
           <a:prstGeom prst="rect">
             <a:avLst/>
           </a:prstGeom>
-          <a:solidFill>
-            <a:schemeClr val="tx1"/>
-          </a:solidFill>
         </p:spPr>
       </p:pic>
       <p:sp>
@@ -11019,7 +8891,7 @@
         </p:nvSpPr>
         <p:spPr>
           <a:xfrm>
-            <a:off x="1710466" y="2312894"/>
+            <a:off x="3303292" y="2438756"/>
             <a:ext cx="677732" cy="584252"/>
           </a:xfrm>
           <a:prstGeom prst="triangle">
@@ -11046,6 +8918,420 @@
           <a:p>
             <a:pPr algn="ctr"/>
             <a:endParaRPr lang="en-US"/>
+          </a:p>
+        </p:txBody>
+      </p:sp>
+      <p:sp>
+        <p:nvSpPr>
+          <p:cNvPr id="9" name="Content Placeholder 2"/>
+          <p:cNvSpPr txBox="1">
+            <a:spLocks/>
+          </p:cNvSpPr>
+          <p:nvPr/>
+        </p:nvSpPr>
+        <p:spPr>
+          <a:xfrm>
+            <a:off x="5781368" y="5676283"/>
+            <a:ext cx="2713703" cy="827756"/>
+          </a:xfrm>
+          <a:prstGeom prst="rect">
+            <a:avLst/>
+          </a:prstGeom>
+        </p:spPr>
+        <p:txBody>
+          <a:bodyPr vert="horz" lIns="91440" tIns="45720" rIns="91440" bIns="45720" rtlCol="0">
+            <a:normAutofit fontScale="85000" lnSpcReduction="20000"/>
+          </a:bodyPr>
+          <a:lstStyle>
+            <a:lvl1pPr marL="342900" indent="-342900" algn="l" defTabSz="914400" rtl="0" eaLnBrk="1" latinLnBrk="0" hangingPunct="1">
+              <a:spcBef>
+                <a:spcPct val="20000"/>
+              </a:spcBef>
+              <a:buFont typeface="Arial" pitchFamily="34" charset="0"/>
+              <a:buChar char="•"/>
+              <a:defRPr sz="3200" kern="1200">
+                <a:solidFill>
+                  <a:schemeClr val="tx1"/>
+                </a:solidFill>
+                <a:latin typeface="+mn-lt"/>
+                <a:ea typeface="+mn-ea"/>
+                <a:cs typeface="+mn-cs"/>
+              </a:defRPr>
+            </a:lvl1pPr>
+            <a:lvl2pPr marL="742950" indent="-285750" algn="l" defTabSz="914400" rtl="0" eaLnBrk="1" latinLnBrk="0" hangingPunct="1">
+              <a:spcBef>
+                <a:spcPct val="20000"/>
+              </a:spcBef>
+              <a:buFont typeface="Arial" pitchFamily="34" charset="0"/>
+              <a:buChar char="–"/>
+              <a:defRPr sz="2800" kern="1200">
+                <a:solidFill>
+                  <a:schemeClr val="tx1"/>
+                </a:solidFill>
+                <a:latin typeface="+mn-lt"/>
+                <a:ea typeface="+mn-ea"/>
+                <a:cs typeface="+mn-cs"/>
+              </a:defRPr>
+            </a:lvl2pPr>
+            <a:lvl3pPr marL="1143000" indent="-228600" algn="l" defTabSz="914400" rtl="0" eaLnBrk="1" latinLnBrk="0" hangingPunct="1">
+              <a:spcBef>
+                <a:spcPct val="20000"/>
+              </a:spcBef>
+              <a:buFont typeface="Arial" pitchFamily="34" charset="0"/>
+              <a:buChar char="•"/>
+              <a:defRPr sz="2400" kern="1200">
+                <a:solidFill>
+                  <a:schemeClr val="tx1"/>
+                </a:solidFill>
+                <a:latin typeface="+mn-lt"/>
+                <a:ea typeface="+mn-ea"/>
+                <a:cs typeface="+mn-cs"/>
+              </a:defRPr>
+            </a:lvl3pPr>
+            <a:lvl4pPr marL="1600200" indent="-228600" algn="l" defTabSz="914400" rtl="0" eaLnBrk="1" latinLnBrk="0" hangingPunct="1">
+              <a:spcBef>
+                <a:spcPct val="20000"/>
+              </a:spcBef>
+              <a:buFont typeface="Arial" pitchFamily="34" charset="0"/>
+              <a:buChar char="–"/>
+              <a:defRPr sz="2000" kern="1200">
+                <a:solidFill>
+                  <a:schemeClr val="tx1"/>
+                </a:solidFill>
+                <a:latin typeface="+mn-lt"/>
+                <a:ea typeface="+mn-ea"/>
+                <a:cs typeface="+mn-cs"/>
+              </a:defRPr>
+            </a:lvl4pPr>
+            <a:lvl5pPr marL="2057400" indent="-228600" algn="l" defTabSz="914400" rtl="0" eaLnBrk="1" latinLnBrk="0" hangingPunct="1">
+              <a:spcBef>
+                <a:spcPct val="20000"/>
+              </a:spcBef>
+              <a:buFont typeface="Arial" pitchFamily="34" charset="0"/>
+              <a:buChar char="»"/>
+              <a:defRPr sz="2000" kern="1200">
+                <a:solidFill>
+                  <a:schemeClr val="tx1"/>
+                </a:solidFill>
+                <a:latin typeface="+mn-lt"/>
+                <a:ea typeface="+mn-ea"/>
+                <a:cs typeface="+mn-cs"/>
+              </a:defRPr>
+            </a:lvl5pPr>
+            <a:lvl6pPr marL="2514600" indent="-228600" algn="l" defTabSz="914400" rtl="0" eaLnBrk="1" latinLnBrk="0" hangingPunct="1">
+              <a:spcBef>
+                <a:spcPct val="20000"/>
+              </a:spcBef>
+              <a:buFont typeface="Arial" pitchFamily="34" charset="0"/>
+              <a:buChar char="•"/>
+              <a:defRPr sz="2000" kern="1200">
+                <a:solidFill>
+                  <a:schemeClr val="tx1"/>
+                </a:solidFill>
+                <a:latin typeface="+mn-lt"/>
+                <a:ea typeface="+mn-ea"/>
+                <a:cs typeface="+mn-cs"/>
+              </a:defRPr>
+            </a:lvl6pPr>
+            <a:lvl7pPr marL="2971800" indent="-228600" algn="l" defTabSz="914400" rtl="0" eaLnBrk="1" latinLnBrk="0" hangingPunct="1">
+              <a:spcBef>
+                <a:spcPct val="20000"/>
+              </a:spcBef>
+              <a:buFont typeface="Arial" pitchFamily="34" charset="0"/>
+              <a:buChar char="•"/>
+              <a:defRPr sz="2000" kern="1200">
+                <a:solidFill>
+                  <a:schemeClr val="tx1"/>
+                </a:solidFill>
+                <a:latin typeface="+mn-lt"/>
+                <a:ea typeface="+mn-ea"/>
+                <a:cs typeface="+mn-cs"/>
+              </a:defRPr>
+            </a:lvl7pPr>
+            <a:lvl8pPr marL="3429000" indent="-228600" algn="l" defTabSz="914400" rtl="0" eaLnBrk="1" latinLnBrk="0" hangingPunct="1">
+              <a:spcBef>
+                <a:spcPct val="20000"/>
+              </a:spcBef>
+              <a:buFont typeface="Arial" pitchFamily="34" charset="0"/>
+              <a:buChar char="•"/>
+              <a:defRPr sz="2000" kern="1200">
+                <a:solidFill>
+                  <a:schemeClr val="tx1"/>
+                </a:solidFill>
+                <a:latin typeface="+mn-lt"/>
+                <a:ea typeface="+mn-ea"/>
+                <a:cs typeface="+mn-cs"/>
+              </a:defRPr>
+            </a:lvl8pPr>
+            <a:lvl9pPr marL="3886200" indent="-228600" algn="l" defTabSz="914400" rtl="0" eaLnBrk="1" latinLnBrk="0" hangingPunct="1">
+              <a:spcBef>
+                <a:spcPct val="20000"/>
+              </a:spcBef>
+              <a:buFont typeface="Arial" pitchFamily="34" charset="0"/>
+              <a:buChar char="•"/>
+              <a:defRPr sz="2000" kern="1200">
+                <a:solidFill>
+                  <a:schemeClr val="tx1"/>
+                </a:solidFill>
+                <a:latin typeface="+mn-lt"/>
+                <a:ea typeface="+mn-ea"/>
+                <a:cs typeface="+mn-cs"/>
+              </a:defRPr>
+            </a:lvl9pPr>
+          </a:lstStyle>
+          <a:p>
+            <a:pPr marL="0" indent="0">
+              <a:buFont typeface="Arial" pitchFamily="34" charset="0"/>
+              <a:buNone/>
+            </a:pPr>
+            <a:r>
+              <a:rPr lang="en-US" sz="2000" b="1" dirty="0" smtClean="0"/>
+              <a:t>AT: </a:t>
+            </a:r>
+            <a:r>
+              <a:rPr lang="en-US" sz="2000" dirty="0" smtClean="0"/>
+              <a:t>Applicable</a:t>
+            </a:r>
+          </a:p>
+          <a:p>
+            <a:pPr marL="0" indent="0">
+              <a:buFont typeface="Arial" pitchFamily="34" charset="0"/>
+              <a:buNone/>
+            </a:pPr>
+            <a:r>
+              <a:rPr lang="en-US" sz="2000" b="1" dirty="0" smtClean="0"/>
+              <a:t>AF: </a:t>
+            </a:r>
+            <a:r>
+              <a:rPr lang="en-US" sz="2000" dirty="0" smtClean="0"/>
+              <a:t>Not Applicable</a:t>
+            </a:r>
+          </a:p>
+          <a:p>
+            <a:pPr marL="0" indent="0">
+              <a:buFont typeface="Arial" pitchFamily="34" charset="0"/>
+              <a:buNone/>
+            </a:pPr>
+            <a:r>
+              <a:rPr lang="en-US" sz="2000" b="1" dirty="0" smtClean="0"/>
+              <a:t>AU: </a:t>
+            </a:r>
+            <a:r>
+              <a:rPr lang="en-US" sz="2000" dirty="0" smtClean="0"/>
+              <a:t>Applicability Undefined</a:t>
+            </a:r>
+            <a:endParaRPr lang="en-US" sz="2000" dirty="0"/>
+          </a:p>
+        </p:txBody>
+      </p:sp>
+      <p:sp>
+        <p:nvSpPr>
+          <p:cNvPr id="10" name="Content Placeholder 2"/>
+          <p:cNvSpPr txBox="1">
+            <a:spLocks/>
+          </p:cNvSpPr>
+          <p:nvPr/>
+        </p:nvSpPr>
+        <p:spPr>
+          <a:xfrm>
+            <a:off x="1321335" y="5643517"/>
+            <a:ext cx="2561650" cy="827756"/>
+          </a:xfrm>
+          <a:prstGeom prst="rect">
+            <a:avLst/>
+          </a:prstGeom>
+        </p:spPr>
+        <p:txBody>
+          <a:bodyPr vert="horz" lIns="91440" tIns="45720" rIns="91440" bIns="45720" rtlCol="0">
+            <a:normAutofit fontScale="85000" lnSpcReduction="20000"/>
+          </a:bodyPr>
+          <a:lstStyle>
+            <a:lvl1pPr marL="342900" indent="-342900" algn="l" defTabSz="914400" rtl="0" eaLnBrk="1" latinLnBrk="0" hangingPunct="1">
+              <a:spcBef>
+                <a:spcPct val="20000"/>
+              </a:spcBef>
+              <a:buFont typeface="Arial" pitchFamily="34" charset="0"/>
+              <a:buChar char="•"/>
+              <a:defRPr sz="3200" kern="1200">
+                <a:solidFill>
+                  <a:schemeClr val="tx1"/>
+                </a:solidFill>
+                <a:latin typeface="+mn-lt"/>
+                <a:ea typeface="+mn-ea"/>
+                <a:cs typeface="+mn-cs"/>
+              </a:defRPr>
+            </a:lvl1pPr>
+            <a:lvl2pPr marL="742950" indent="-285750" algn="l" defTabSz="914400" rtl="0" eaLnBrk="1" latinLnBrk="0" hangingPunct="1">
+              <a:spcBef>
+                <a:spcPct val="20000"/>
+              </a:spcBef>
+              <a:buFont typeface="Arial" pitchFamily="34" charset="0"/>
+              <a:buChar char="–"/>
+              <a:defRPr sz="2800" kern="1200">
+                <a:solidFill>
+                  <a:schemeClr val="tx1"/>
+                </a:solidFill>
+                <a:latin typeface="+mn-lt"/>
+                <a:ea typeface="+mn-ea"/>
+                <a:cs typeface="+mn-cs"/>
+              </a:defRPr>
+            </a:lvl2pPr>
+            <a:lvl3pPr marL="1143000" indent="-228600" algn="l" defTabSz="914400" rtl="0" eaLnBrk="1" latinLnBrk="0" hangingPunct="1">
+              <a:spcBef>
+                <a:spcPct val="20000"/>
+              </a:spcBef>
+              <a:buFont typeface="Arial" pitchFamily="34" charset="0"/>
+              <a:buChar char="•"/>
+              <a:defRPr sz="2400" kern="1200">
+                <a:solidFill>
+                  <a:schemeClr val="tx1"/>
+                </a:solidFill>
+                <a:latin typeface="+mn-lt"/>
+                <a:ea typeface="+mn-ea"/>
+                <a:cs typeface="+mn-cs"/>
+              </a:defRPr>
+            </a:lvl3pPr>
+            <a:lvl4pPr marL="1600200" indent="-228600" algn="l" defTabSz="914400" rtl="0" eaLnBrk="1" latinLnBrk="0" hangingPunct="1">
+              <a:spcBef>
+                <a:spcPct val="20000"/>
+              </a:spcBef>
+              <a:buFont typeface="Arial" pitchFamily="34" charset="0"/>
+              <a:buChar char="–"/>
+              <a:defRPr sz="2000" kern="1200">
+                <a:solidFill>
+                  <a:schemeClr val="tx1"/>
+                </a:solidFill>
+                <a:latin typeface="+mn-lt"/>
+                <a:ea typeface="+mn-ea"/>
+                <a:cs typeface="+mn-cs"/>
+              </a:defRPr>
+            </a:lvl4pPr>
+            <a:lvl5pPr marL="2057400" indent="-228600" algn="l" defTabSz="914400" rtl="0" eaLnBrk="1" latinLnBrk="0" hangingPunct="1">
+              <a:spcBef>
+                <a:spcPct val="20000"/>
+              </a:spcBef>
+              <a:buFont typeface="Arial" pitchFamily="34" charset="0"/>
+              <a:buChar char="»"/>
+              <a:defRPr sz="2000" kern="1200">
+                <a:solidFill>
+                  <a:schemeClr val="tx1"/>
+                </a:solidFill>
+                <a:latin typeface="+mn-lt"/>
+                <a:ea typeface="+mn-ea"/>
+                <a:cs typeface="+mn-cs"/>
+              </a:defRPr>
+            </a:lvl5pPr>
+            <a:lvl6pPr marL="2514600" indent="-228600" algn="l" defTabSz="914400" rtl="0" eaLnBrk="1" latinLnBrk="0" hangingPunct="1">
+              <a:spcBef>
+                <a:spcPct val="20000"/>
+              </a:spcBef>
+              <a:buFont typeface="Arial" pitchFamily="34" charset="0"/>
+              <a:buChar char="•"/>
+              <a:defRPr sz="2000" kern="1200">
+                <a:solidFill>
+                  <a:schemeClr val="tx1"/>
+                </a:solidFill>
+                <a:latin typeface="+mn-lt"/>
+                <a:ea typeface="+mn-ea"/>
+                <a:cs typeface="+mn-cs"/>
+              </a:defRPr>
+            </a:lvl6pPr>
+            <a:lvl7pPr marL="2971800" indent="-228600" algn="l" defTabSz="914400" rtl="0" eaLnBrk="1" latinLnBrk="0" hangingPunct="1">
+              <a:spcBef>
+                <a:spcPct val="20000"/>
+              </a:spcBef>
+              <a:buFont typeface="Arial" pitchFamily="34" charset="0"/>
+              <a:buChar char="•"/>
+              <a:defRPr sz="2000" kern="1200">
+                <a:solidFill>
+                  <a:schemeClr val="tx1"/>
+                </a:solidFill>
+                <a:latin typeface="+mn-lt"/>
+                <a:ea typeface="+mn-ea"/>
+                <a:cs typeface="+mn-cs"/>
+              </a:defRPr>
+            </a:lvl7pPr>
+            <a:lvl8pPr marL="3429000" indent="-228600" algn="l" defTabSz="914400" rtl="0" eaLnBrk="1" latinLnBrk="0" hangingPunct="1">
+              <a:spcBef>
+                <a:spcPct val="20000"/>
+              </a:spcBef>
+              <a:buFont typeface="Arial" pitchFamily="34" charset="0"/>
+              <a:buChar char="•"/>
+              <a:defRPr sz="2000" kern="1200">
+                <a:solidFill>
+                  <a:schemeClr val="tx1"/>
+                </a:solidFill>
+                <a:latin typeface="+mn-lt"/>
+                <a:ea typeface="+mn-ea"/>
+                <a:cs typeface="+mn-cs"/>
+              </a:defRPr>
+            </a:lvl8pPr>
+            <a:lvl9pPr marL="3886200" indent="-228600" algn="l" defTabSz="914400" rtl="0" eaLnBrk="1" latinLnBrk="0" hangingPunct="1">
+              <a:spcBef>
+                <a:spcPct val="20000"/>
+              </a:spcBef>
+              <a:buFont typeface="Arial" pitchFamily="34" charset="0"/>
+              <a:buChar char="•"/>
+              <a:defRPr sz="2000" kern="1200">
+                <a:solidFill>
+                  <a:schemeClr val="tx1"/>
+                </a:solidFill>
+                <a:latin typeface="+mn-lt"/>
+                <a:ea typeface="+mn-ea"/>
+                <a:cs typeface="+mn-cs"/>
+              </a:defRPr>
+            </a:lvl9pPr>
+          </a:lstStyle>
+          <a:p>
+            <a:pPr marL="0" indent="0">
+              <a:buFont typeface="Arial" pitchFamily="34" charset="0"/>
+              <a:buNone/>
+            </a:pPr>
+            <a:r>
+              <a:rPr lang="en-US" sz="2000" b="1" dirty="0" smtClean="0"/>
+              <a:t>Com: </a:t>
+            </a:r>
+            <a:r>
+              <a:rPr lang="en-US" sz="2000" dirty="0" smtClean="0"/>
+              <a:t>Compliant</a:t>
+            </a:r>
+          </a:p>
+          <a:p>
+            <a:pPr marL="0" indent="0">
+              <a:buFont typeface="Arial" pitchFamily="34" charset="0"/>
+              <a:buNone/>
+            </a:pPr>
+            <a:r>
+              <a:rPr lang="en-US" sz="2000" b="1" dirty="0" err="1" smtClean="0"/>
+              <a:t>Vio</a:t>
+            </a:r>
+            <a:r>
+              <a:rPr lang="en-US" sz="2000" b="1" dirty="0" smtClean="0"/>
+              <a:t>:    </a:t>
+            </a:r>
+            <a:r>
+              <a:rPr lang="en-US" sz="2000" dirty="0" smtClean="0"/>
+              <a:t>Violated</a:t>
+            </a:r>
+          </a:p>
+          <a:p>
+            <a:pPr marL="0" indent="0">
+              <a:buFont typeface="Arial" pitchFamily="34" charset="0"/>
+              <a:buNone/>
+            </a:pPr>
+            <a:r>
+              <a:rPr lang="en-US" sz="2000" b="1" dirty="0" err="1" smtClean="0"/>
+              <a:t>Inc</a:t>
+            </a:r>
+            <a:r>
+              <a:rPr lang="en-US" sz="2000" b="1" dirty="0" smtClean="0"/>
+              <a:t>:     </a:t>
+            </a:r>
+            <a:r>
+              <a:rPr lang="en-US" sz="2000" dirty="0" smtClean="0"/>
+              <a:t>Inconclusive</a:t>
+            </a:r>
+            <a:endParaRPr lang="en-US" sz="2000" dirty="0"/>
           </a:p>
         </p:txBody>
       </p:sp>
@@ -11708,7 +9994,7 @@
       </p:sp>
       <p:pic>
         <p:nvPicPr>
-          <p:cNvPr id="4" name="Picture 3"/>
+          <p:cNvPr id="16" name="Picture 15"/>
           <p:cNvPicPr>
             <a:picLocks noChangeAspect="1"/>
           </p:cNvPicPr>
@@ -11722,8 +10008,8 @@
         </p:blipFill>
         <p:spPr>
           <a:xfrm>
-            <a:off x="83371" y="238968"/>
-            <a:ext cx="1924077" cy="977758"/>
+            <a:off x="132735" y="216818"/>
+            <a:ext cx="1817368" cy="818347"/>
           </a:xfrm>
           <a:prstGeom prst="rect">
             <a:avLst/>
@@ -12014,14 +10300,22 @@
           <a:p>
             <a:r>
               <a:rPr lang="en-US" dirty="0" smtClean="0"/>
-              <a:t>Propagation to </a:t>
+              <a:t>Propagation </a:t>
+            </a:r>
+            <a:r>
+              <a:rPr lang="en-US" dirty="0" smtClean="0"/>
+              <a:t>from </a:t>
             </a:r>
             <a:br>
               <a:rPr lang="en-US" dirty="0" smtClean="0"/>
             </a:br>
             <a:r>
               <a:rPr lang="en-US" dirty="0" smtClean="0"/>
-              <a:t>Containing </a:t>
+              <a:t>Duty </a:t>
+            </a:r>
+            <a:r>
+              <a:rPr lang="en-US" dirty="0" smtClean="0"/>
+              <a:t>to Containing </a:t>
             </a:r>
             <a:r>
               <a:rPr lang="x-none" dirty="0" smtClean="0"/>
@@ -12035,468 +10329,34 @@
           </a:p>
         </p:txBody>
       </p:sp>
-      <p:graphicFrame>
-        <p:nvGraphicFramePr>
-          <p:cNvPr id="4" name="Content Placeholder 3"/>
-          <p:cNvGraphicFramePr>
-            <a:graphicFrameLocks noGrp="1"/>
-          </p:cNvGraphicFramePr>
-          <p:nvPr>
-            <p:ph idx="1"/>
-            <p:extLst>
-              <p:ext uri="{D42A27DB-BD31-4B8C-83A1-F6EECF244321}">
-                <p14:modId xmlns:p14="http://schemas.microsoft.com/office/powerpoint/2010/main" val="1190913679"/>
-              </p:ext>
-            </p:extLst>
-          </p:nvPr>
-        </p:nvGraphicFramePr>
-        <p:xfrm>
-          <a:off x="1365247" y="2912633"/>
-          <a:ext cx="6724504" cy="2590800"/>
-        </p:xfrm>
-        <a:graphic>
-          <a:graphicData uri="http://schemas.openxmlformats.org/drawingml/2006/table">
-            <a:tbl>
-              <a:tblPr firstRow="1" bandRow="1">
-                <a:tableStyleId>{5940675A-B579-460E-94D1-54222C63F5DA}</a:tableStyleId>
-              </a:tblPr>
-              <a:tblGrid>
-                <a:gridCol w="3362252">
-                  <a:extLst>
-                    <a:ext uri="{9D8B030D-6E8A-4147-A177-3AD203B41FA5}">
-                      <a16:colId xmlns:a16="http://schemas.microsoft.com/office/drawing/2014/main" xmlns="" val="1331248463"/>
-                    </a:ext>
-                  </a:extLst>
-                </a:gridCol>
-                <a:gridCol w="3362252">
-                  <a:extLst>
-                    <a:ext uri="{9D8B030D-6E8A-4147-A177-3AD203B41FA5}">
-                      <a16:colId xmlns:a16="http://schemas.microsoft.com/office/drawing/2014/main" xmlns="" val="2864561317"/>
-                    </a:ext>
-                  </a:extLst>
-                </a:gridCol>
-              </a:tblGrid>
-              <a:tr h="370840">
-                <a:tc>
-                  <a:txBody>
-                    <a:bodyPr/>
-                    <a:lstStyle/>
-                    <a:p>
-                      <a:pPr algn="ctr"/>
-                      <a:r>
-                        <a:rPr lang="en-US" sz="2800" dirty="0" smtClean="0">
-                          <a:solidFill>
-                            <a:schemeClr val="bg1"/>
-                          </a:solidFill>
-                        </a:rPr>
-                        <a:t>Norm</a:t>
-                      </a:r>
-                      <a:endParaRPr lang="en-US" sz="2800" dirty="0">
-                        <a:solidFill>
-                          <a:schemeClr val="bg1"/>
-                        </a:solidFill>
-                        <a:latin typeface="Times New Roman" charset="0"/>
-                        <a:ea typeface="Times New Roman" charset="0"/>
-                        <a:cs typeface="Times New Roman" charset="0"/>
-                      </a:endParaRPr>
-                    </a:p>
-                  </a:txBody>
-                  <a:tcPr>
-                    <a:solidFill>
-                      <a:schemeClr val="tx1">
-                        <a:lumMod val="85000"/>
-                      </a:schemeClr>
-                    </a:solidFill>
-                  </a:tcPr>
-                </a:tc>
-                <a:tc>
-                  <a:txBody>
-                    <a:bodyPr/>
-                    <a:lstStyle/>
-                    <a:p>
-                      <a:pPr algn="ctr"/>
-                      <a:r>
-                        <a:rPr lang="en-US" sz="2800" dirty="0" smtClean="0">
-                          <a:solidFill>
-                            <a:schemeClr val="bg1"/>
-                          </a:solidFill>
-                        </a:rPr>
-                        <a:t>Super Situation</a:t>
-                      </a:r>
-                      <a:endParaRPr lang="en-US" sz="2800" dirty="0">
-                        <a:solidFill>
-                          <a:schemeClr val="bg1"/>
-                        </a:solidFill>
-                        <a:latin typeface="Times New Roman" charset="0"/>
-                        <a:ea typeface="Times New Roman" charset="0"/>
-                        <a:cs typeface="Times New Roman" charset="0"/>
-                      </a:endParaRPr>
-                    </a:p>
-                  </a:txBody>
-                  <a:tcPr>
-                    <a:solidFill>
-                      <a:schemeClr val="tx1"/>
-                    </a:solidFill>
-                  </a:tcPr>
-                </a:tc>
-                <a:extLst>
-                  <a:ext uri="{0D108BD9-81ED-4DB2-BD59-A6C34878D82A}">
-                    <a16:rowId xmlns:a16="http://schemas.microsoft.com/office/drawing/2014/main" xmlns="" val="1922527296"/>
-                  </a:ext>
-                </a:extLst>
-              </a:tr>
-              <a:tr h="370840">
-                <a:tc>
-                  <a:txBody>
-                    <a:bodyPr/>
-                    <a:lstStyle/>
-                    <a:p>
-                      <a:pPr algn="ctr"/>
-                      <a:r>
-                        <a:rPr lang="x-none" sz="2800" dirty="0" smtClean="0">
-                          <a:solidFill>
-                            <a:schemeClr val="bg1"/>
-                          </a:solidFill>
-                        </a:rPr>
-                        <a:t>Compliant</a:t>
-                      </a:r>
-                      <a:r>
-                        <a:rPr lang="en-US" sz="2800" dirty="0" smtClean="0">
-                          <a:solidFill>
-                            <a:schemeClr val="bg1"/>
-                          </a:solidFill>
-                        </a:rPr>
-                        <a:t> (Com)</a:t>
-                      </a:r>
-                      <a:endParaRPr lang="en-US" sz="2800" dirty="0">
-                        <a:solidFill>
-                          <a:schemeClr val="bg1"/>
-                        </a:solidFill>
-                        <a:latin typeface="Times New Roman" charset="0"/>
-                        <a:ea typeface="Times New Roman" charset="0"/>
-                        <a:cs typeface="Times New Roman" charset="0"/>
-                      </a:endParaRPr>
-                    </a:p>
-                  </a:txBody>
-                  <a:tcPr>
-                    <a:solidFill>
-                      <a:schemeClr val="tx1">
-                        <a:lumMod val="85000"/>
-                      </a:schemeClr>
-                    </a:solidFill>
-                  </a:tcPr>
-                </a:tc>
-                <a:tc>
-                  <a:txBody>
-                    <a:bodyPr/>
-                    <a:lstStyle/>
-                    <a:p>
-                      <a:pPr algn="ctr"/>
-                      <a:r>
-                        <a:rPr lang="x-none" sz="2800" dirty="0">
-                          <a:solidFill>
-                            <a:schemeClr val="bg1"/>
-                          </a:solidFill>
-                        </a:rPr>
-                        <a:t>ST</a:t>
-                      </a:r>
-                      <a:endParaRPr lang="en-US" sz="2800" dirty="0">
-                        <a:solidFill>
-                          <a:schemeClr val="bg1"/>
-                        </a:solidFill>
-                        <a:latin typeface="Times New Roman" charset="0"/>
-                        <a:ea typeface="Times New Roman" charset="0"/>
-                        <a:cs typeface="Times New Roman" charset="0"/>
-                      </a:endParaRPr>
-                    </a:p>
-                  </a:txBody>
-                  <a:tcPr>
-                    <a:solidFill>
-                      <a:srgbClr val="92D050"/>
-                    </a:solidFill>
-                  </a:tcPr>
-                </a:tc>
-                <a:extLst>
-                  <a:ext uri="{0D108BD9-81ED-4DB2-BD59-A6C34878D82A}">
-                    <a16:rowId xmlns:a16="http://schemas.microsoft.com/office/drawing/2014/main" xmlns="" val="4131541959"/>
-                  </a:ext>
-                </a:extLst>
-              </a:tr>
-              <a:tr h="370840">
-                <a:tc>
-                  <a:txBody>
-                    <a:bodyPr/>
-                    <a:lstStyle/>
-                    <a:p>
-                      <a:pPr algn="ctr"/>
-                      <a:r>
-                        <a:rPr lang="x-none" sz="2800" dirty="0" smtClean="0">
-                          <a:solidFill>
-                            <a:schemeClr val="bg1"/>
-                          </a:solidFill>
-                        </a:rPr>
-                        <a:t>Tolerated</a:t>
-                      </a:r>
-                      <a:r>
-                        <a:rPr lang="en-US" sz="2800" dirty="0" smtClean="0">
-                          <a:solidFill>
-                            <a:schemeClr val="bg1"/>
-                          </a:solidFill>
-                        </a:rPr>
-                        <a:t> (</a:t>
-                      </a:r>
-                      <a:r>
-                        <a:rPr lang="en-US" sz="2800" dirty="0" err="1" smtClean="0">
-                          <a:solidFill>
-                            <a:schemeClr val="bg1"/>
-                          </a:solidFill>
-                        </a:rPr>
-                        <a:t>Tol</a:t>
-                      </a:r>
-                      <a:r>
-                        <a:rPr lang="en-US" sz="2800" dirty="0" smtClean="0">
-                          <a:solidFill>
-                            <a:schemeClr val="bg1"/>
-                          </a:solidFill>
-                        </a:rPr>
-                        <a:t>)</a:t>
-                      </a:r>
-                      <a:endParaRPr lang="en-US" sz="2800" dirty="0">
-                        <a:solidFill>
-                          <a:schemeClr val="bg1"/>
-                        </a:solidFill>
-                        <a:latin typeface="Times New Roman" charset="0"/>
-                        <a:ea typeface="Times New Roman" charset="0"/>
-                        <a:cs typeface="Times New Roman" charset="0"/>
-                      </a:endParaRPr>
-                    </a:p>
-                  </a:txBody>
-                  <a:tcPr>
-                    <a:solidFill>
-                      <a:schemeClr val="tx1">
-                        <a:lumMod val="85000"/>
-                      </a:schemeClr>
-                    </a:solidFill>
-                  </a:tcPr>
-                </a:tc>
-                <a:tc>
-                  <a:txBody>
-                    <a:bodyPr/>
-                    <a:lstStyle/>
-                    <a:p>
-                      <a:pPr algn="ctr"/>
-                      <a:r>
-                        <a:rPr lang="x-none" sz="2800" dirty="0">
-                          <a:solidFill>
-                            <a:schemeClr val="bg1"/>
-                          </a:solidFill>
-                        </a:rPr>
-                        <a:t>ST</a:t>
-                      </a:r>
-                      <a:endParaRPr lang="en-US" sz="2800" dirty="0">
-                        <a:solidFill>
-                          <a:schemeClr val="bg1"/>
-                        </a:solidFill>
-                        <a:latin typeface="Times New Roman" charset="0"/>
-                        <a:ea typeface="Times New Roman" charset="0"/>
-                        <a:cs typeface="Times New Roman" charset="0"/>
-                      </a:endParaRPr>
-                    </a:p>
-                  </a:txBody>
-                  <a:tcPr>
-                    <a:solidFill>
-                      <a:srgbClr val="92D050"/>
-                    </a:solidFill>
-                  </a:tcPr>
-                </a:tc>
-                <a:extLst>
-                  <a:ext uri="{0D108BD9-81ED-4DB2-BD59-A6C34878D82A}">
-                    <a16:rowId xmlns:a16="http://schemas.microsoft.com/office/drawing/2014/main" xmlns="" val="1409234954"/>
-                  </a:ext>
-                </a:extLst>
-              </a:tr>
-              <a:tr h="370840">
-                <a:tc>
-                  <a:txBody>
-                    <a:bodyPr/>
-                    <a:lstStyle/>
-                    <a:p>
-                      <a:pPr algn="ctr"/>
-                      <a:r>
-                        <a:rPr lang="en-US" sz="2800" dirty="0" smtClean="0">
-                          <a:solidFill>
-                            <a:schemeClr val="bg1"/>
-                          </a:solidFill>
-                        </a:rPr>
-                        <a:t>Violated (</a:t>
-                      </a:r>
-                      <a:r>
-                        <a:rPr lang="en-US" sz="2800" dirty="0" err="1" smtClean="0">
-                          <a:solidFill>
-                            <a:schemeClr val="bg1"/>
-                          </a:solidFill>
-                        </a:rPr>
-                        <a:t>Vio</a:t>
-                      </a:r>
-                      <a:r>
-                        <a:rPr lang="en-US" sz="2800" dirty="0" smtClean="0">
-                          <a:solidFill>
-                            <a:schemeClr val="bg1"/>
-                          </a:solidFill>
-                        </a:rPr>
-                        <a:t>)</a:t>
-                      </a:r>
-                      <a:endParaRPr lang="en-US" sz="2800" dirty="0">
-                        <a:solidFill>
-                          <a:schemeClr val="bg1"/>
-                        </a:solidFill>
-                        <a:latin typeface="Times New Roman" charset="0"/>
-                        <a:ea typeface="Times New Roman" charset="0"/>
-                        <a:cs typeface="Times New Roman" charset="0"/>
-                      </a:endParaRPr>
-                    </a:p>
-                  </a:txBody>
-                  <a:tcPr>
-                    <a:solidFill>
-                      <a:schemeClr val="tx1">
-                        <a:lumMod val="85000"/>
-                      </a:schemeClr>
-                    </a:solidFill>
-                  </a:tcPr>
-                </a:tc>
-                <a:tc>
-                  <a:txBody>
-                    <a:bodyPr/>
-                    <a:lstStyle/>
-                    <a:p>
-                      <a:pPr algn="ctr"/>
-                      <a:r>
-                        <a:rPr lang="x-none" sz="2800" dirty="0">
-                          <a:solidFill>
-                            <a:schemeClr val="bg1"/>
-                          </a:solidFill>
-                        </a:rPr>
-                        <a:t>SF</a:t>
-                      </a:r>
-                      <a:endParaRPr lang="en-US" sz="2800" dirty="0">
-                        <a:solidFill>
-                          <a:schemeClr val="bg1"/>
-                        </a:solidFill>
-                        <a:latin typeface="Times New Roman" charset="0"/>
-                        <a:ea typeface="Times New Roman" charset="0"/>
-                        <a:cs typeface="Times New Roman" charset="0"/>
-                      </a:endParaRPr>
-                    </a:p>
-                  </a:txBody>
-                  <a:tcPr>
-                    <a:solidFill>
-                      <a:srgbClr val="FF0000"/>
-                    </a:solidFill>
-                  </a:tcPr>
-                </a:tc>
-                <a:extLst>
-                  <a:ext uri="{0D108BD9-81ED-4DB2-BD59-A6C34878D82A}">
-                    <a16:rowId xmlns:a16="http://schemas.microsoft.com/office/drawing/2014/main" xmlns="" val="2951945909"/>
-                  </a:ext>
-                </a:extLst>
-              </a:tr>
-              <a:tr h="370839">
-                <a:tc>
-                  <a:txBody>
-                    <a:bodyPr/>
-                    <a:lstStyle/>
-                    <a:p>
-                      <a:pPr algn="ctr"/>
-                      <a:r>
-                        <a:rPr lang="x-none" sz="2800" dirty="0" smtClean="0">
-                          <a:solidFill>
-                            <a:schemeClr val="bg1"/>
-                          </a:solidFill>
-                        </a:rPr>
-                        <a:t>Inconclusive</a:t>
-                      </a:r>
-                      <a:r>
-                        <a:rPr lang="en-US" sz="2800" dirty="0" smtClean="0">
-                          <a:solidFill>
-                            <a:schemeClr val="bg1"/>
-                          </a:solidFill>
-                        </a:rPr>
-                        <a:t> (</a:t>
-                      </a:r>
-                      <a:r>
-                        <a:rPr lang="en-US" sz="2800" dirty="0" err="1" smtClean="0">
-                          <a:solidFill>
-                            <a:schemeClr val="bg1"/>
-                          </a:solidFill>
-                        </a:rPr>
-                        <a:t>Inc</a:t>
-                      </a:r>
-                      <a:r>
-                        <a:rPr lang="en-US" sz="2800" dirty="0" smtClean="0">
-                          <a:solidFill>
-                            <a:schemeClr val="bg1"/>
-                          </a:solidFill>
-                        </a:rPr>
-                        <a:t>)</a:t>
-                      </a:r>
-                      <a:endParaRPr lang="en-US" sz="2800" dirty="0">
-                        <a:solidFill>
-                          <a:schemeClr val="bg1"/>
-                        </a:solidFill>
-                        <a:latin typeface="Times New Roman" charset="0"/>
-                        <a:ea typeface="Times New Roman" charset="0"/>
-                        <a:cs typeface="Times New Roman" charset="0"/>
-                      </a:endParaRPr>
-                    </a:p>
-                  </a:txBody>
-                  <a:tcPr>
-                    <a:solidFill>
-                      <a:schemeClr val="tx1">
-                        <a:lumMod val="85000"/>
-                      </a:schemeClr>
-                    </a:solidFill>
-                  </a:tcPr>
-                </a:tc>
-                <a:tc>
-                  <a:txBody>
-                    <a:bodyPr/>
-                    <a:lstStyle/>
-                    <a:p>
-                      <a:pPr algn="ctr"/>
-                      <a:r>
-                        <a:rPr lang="x-none" sz="2800" dirty="0">
-                          <a:solidFill>
-                            <a:schemeClr val="bg1"/>
-                          </a:solidFill>
-                        </a:rPr>
-                        <a:t>SU</a:t>
-                      </a:r>
-                      <a:endParaRPr lang="en-US" sz="2800" dirty="0">
-                        <a:solidFill>
-                          <a:schemeClr val="bg1"/>
-                        </a:solidFill>
-                        <a:latin typeface="Times New Roman" charset="0"/>
-                        <a:ea typeface="Times New Roman" charset="0"/>
-                        <a:cs typeface="Times New Roman" charset="0"/>
-                      </a:endParaRPr>
-                    </a:p>
-                  </a:txBody>
-                  <a:tcPr>
-                    <a:solidFill>
-                      <a:srgbClr val="FFFF00"/>
-                    </a:solidFill>
-                  </a:tcPr>
-                </a:tc>
-                <a:extLst>
-                  <a:ext uri="{0D108BD9-81ED-4DB2-BD59-A6C34878D82A}">
-                    <a16:rowId xmlns:a16="http://schemas.microsoft.com/office/drawing/2014/main" xmlns="" val="309271039"/>
-                  </a:ext>
-                </a:extLst>
-              </a:tr>
-            </a:tbl>
-          </a:graphicData>
-        </a:graphic>
-      </p:graphicFrame>
+      <p:pic>
+        <p:nvPicPr>
+          <p:cNvPr id="7" name="Picture 6"/>
+          <p:cNvPicPr>
+            <a:picLocks noChangeAspect="1"/>
+          </p:cNvPicPr>
+          <p:nvPr/>
+        </p:nvPicPr>
+        <p:blipFill rotWithShape="1">
+          <a:blip r:embed="rId3">
+            <a:alphaModFix/>
+          </a:blip>
+          <a:srcRect r="51406"/>
+          <a:stretch/>
+        </p:blipFill>
+        <p:spPr>
+          <a:xfrm>
+            <a:off x="3847025" y="1785170"/>
+            <a:ext cx="1449950" cy="4792136"/>
+          </a:xfrm>
+          <a:prstGeom prst="rect">
+            <a:avLst/>
+          </a:prstGeom>
+          <a:solidFill>
+            <a:schemeClr val="tx1"/>
+          </a:solidFill>
+        </p:spPr>
+      </p:pic>
     </p:spTree>
     <p:extLst>
       <p:ext uri="{BB962C8B-B14F-4D97-AF65-F5344CB8AC3E}">
@@ -13178,30 +11038,6 @@
           </a:prstGeom>
         </p:spPr>
       </p:pic>
-      <p:pic>
-        <p:nvPicPr>
-          <p:cNvPr id="4" name="Picture 3"/>
-          <p:cNvPicPr>
-            <a:picLocks noChangeAspect="1"/>
-          </p:cNvPicPr>
-          <p:nvPr/>
-        </p:nvPicPr>
-        <p:blipFill>
-          <a:blip r:embed="rId4"/>
-          <a:stretch>
-            <a:fillRect/>
-          </a:stretch>
-        </p:blipFill>
-        <p:spPr>
-          <a:xfrm>
-            <a:off x="155585" y="6026918"/>
-            <a:ext cx="1779647" cy="750736"/>
-          </a:xfrm>
-          <a:prstGeom prst="rect">
-            <a:avLst/>
-          </a:prstGeom>
-        </p:spPr>
-      </p:pic>
       <p:sp>
         <p:nvSpPr>
           <p:cNvPr id="5" name="TextBox 4"/>
@@ -13236,6 +11072,34 @@
           </a:p>
         </p:txBody>
       </p:sp>
+      <p:pic>
+        <p:nvPicPr>
+          <p:cNvPr id="20" name="Picture 19"/>
+          <p:cNvPicPr>
+            <a:picLocks noChangeAspect="1"/>
+          </p:cNvPicPr>
+          <p:nvPr/>
+        </p:nvPicPr>
+        <p:blipFill rotWithShape="1">
+          <a:blip r:embed="rId4">
+            <a:alphaModFix/>
+          </a:blip>
+          <a:srcRect r="52057"/>
+          <a:stretch/>
+        </p:blipFill>
+        <p:spPr>
+          <a:xfrm>
+            <a:off x="266160" y="5291998"/>
+            <a:ext cx="373232" cy="1250292"/>
+          </a:xfrm>
+          <a:prstGeom prst="rect">
+            <a:avLst/>
+          </a:prstGeom>
+          <a:solidFill>
+            <a:schemeClr val="tx1"/>
+          </a:solidFill>
+        </p:spPr>
+      </p:pic>
     </p:spTree>
     <p:extLst>
       <p:ext uri="{BB962C8B-B14F-4D97-AF65-F5344CB8AC3E}">
@@ -13267,59 +11131,14 @@
                             </p:stCondLst>
                             <p:childTnLst>
                               <p:par>
-                                <p:cTn id="5" presetID="1" presetClass="entr" presetSubtype="0" fill="hold" nodeType="clickEffect">
-                                  <p:stCondLst>
-                                    <p:cond delay="0"/>
-                                  </p:stCondLst>
-                                  <p:childTnLst>
-                                    <p:set>
-                                      <p:cBhvr>
-                                        <p:cTn id="6" dur="1" fill="hold">
-                                          <p:stCondLst>
-                                            <p:cond delay="0"/>
-                                          </p:stCondLst>
-                                        </p:cTn>
-                                        <p:tgtEl>
-                                          <p:spTgt spid="4"/>
-                                        </p:tgtEl>
-                                        <p:attrNameLst>
-                                          <p:attrName>style.visibility</p:attrName>
-                                        </p:attrNameLst>
-                                      </p:cBhvr>
-                                      <p:to>
-                                        <p:strVal val="visible"/>
-                                      </p:to>
-                                    </p:set>
-                                  </p:childTnLst>
-                                </p:cTn>
-                              </p:par>
-                            </p:childTnLst>
-                          </p:cTn>
-                        </p:par>
-                      </p:childTnLst>
-                    </p:cTn>
-                  </p:par>
-                  <p:par>
-                    <p:cTn id="7" fill="hold">
-                      <p:stCondLst>
-                        <p:cond delay="indefinite"/>
-                      </p:stCondLst>
-                      <p:childTnLst>
-                        <p:par>
-                          <p:cTn id="8" fill="hold">
-                            <p:stCondLst>
-                              <p:cond delay="0"/>
-                            </p:stCondLst>
-                            <p:childTnLst>
-                              <p:par>
-                                <p:cTn id="9" presetID="1" presetClass="emph" presetSubtype="2" fill="hold" nodeType="clickEffect">
+                                <p:cTn id="5" presetID="1" presetClass="emph" presetSubtype="2" fill="hold" nodeType="clickEffect">
                                   <p:stCondLst>
                                     <p:cond delay="0"/>
                                   </p:stCondLst>
                                   <p:childTnLst>
                                     <p:animClr clrSpc="rgb" dir="cw">
                                       <p:cBhvr>
-                                        <p:cTn id="10" dur="500" fill="hold"/>
+                                        <p:cTn id="6" dur="500" fill="hold"/>
                                         <p:tgtEl>
                                           <p:spTgt spid="32"/>
                                         </p:tgtEl>
@@ -13333,7 +11152,7 @@
                                     </p:animClr>
                                     <p:set>
                                       <p:cBhvr>
-                                        <p:cTn id="11" dur="500" fill="hold"/>
+                                        <p:cTn id="7" dur="500" fill="hold"/>
                                         <p:tgtEl>
                                           <p:spTgt spid="32"/>
                                         </p:tgtEl>
@@ -13347,7 +11166,7 @@
                                     </p:set>
                                     <p:set>
                                       <p:cBhvr>
-                                        <p:cTn id="12" dur="500" fill="hold"/>
+                                        <p:cTn id="8" dur="500" fill="hold"/>
                                         <p:tgtEl>
                                           <p:spTgt spid="32"/>
                                         </p:tgtEl>
@@ -13369,26 +11188,26 @@
                     </p:cTn>
                   </p:par>
                   <p:par>
-                    <p:cTn id="13" fill="hold">
+                    <p:cTn id="9" fill="hold">
                       <p:stCondLst>
                         <p:cond delay="indefinite"/>
                       </p:stCondLst>
                       <p:childTnLst>
                         <p:par>
-                          <p:cTn id="14" fill="hold">
+                          <p:cTn id="10" fill="hold">
                             <p:stCondLst>
                               <p:cond delay="0"/>
                             </p:stCondLst>
                             <p:childTnLst>
                               <p:par>
-                                <p:cTn id="15" presetID="1" presetClass="entr" presetSubtype="0" fill="hold" grpId="0" nodeType="clickEffect">
+                                <p:cTn id="11" presetID="1" presetClass="entr" presetSubtype="0" fill="hold" grpId="0" nodeType="clickEffect">
                                   <p:stCondLst>
                                     <p:cond delay="0"/>
                                   </p:stCondLst>
                                   <p:childTnLst>
                                     <p:set>
                                       <p:cBhvr>
-                                        <p:cTn id="16" dur="1" fill="hold">
+                                        <p:cTn id="12" dur="1" fill="hold">
                                           <p:stCondLst>
                                             <p:cond delay="0"/>
                                           </p:stCondLst>
@@ -13460,135 +11279,36 @@
       </p:grpSpPr>
       <p:sp>
         <p:nvSpPr>
-          <p:cNvPr id="32" name="Rectangle 31"/>
+          <p:cNvPr id="5" name="Rounded Rectangle 4"/>
           <p:cNvSpPr/>
           <p:nvPr/>
         </p:nvSpPr>
         <p:spPr>
           <a:xfrm>
-            <a:off x="1190150" y="1717970"/>
-            <a:ext cx="6024486" cy="4183072"/>
+            <a:off x="962382" y="2207723"/>
+            <a:ext cx="1382785" cy="406385"/>
           </a:xfrm>
-          <a:prstGeom prst="rect">
+          <a:prstGeom prst="roundRect">
             <a:avLst/>
           </a:prstGeom>
           <a:solidFill>
-            <a:schemeClr val="tx1"/>
-          </a:solidFill>
-          <a:ln w="28575">
-            <a:solidFill>
-              <a:schemeClr val="bg1"/>
-            </a:solidFill>
-          </a:ln>
-        </p:spPr>
-        <p:style>
-          <a:lnRef idx="2">
-            <a:schemeClr val="dk1"/>
-          </a:lnRef>
-          <a:fillRef idx="1">
-            <a:schemeClr val="lt1"/>
-          </a:fillRef>
-          <a:effectRef idx="0">
-            <a:schemeClr val="dk1"/>
-          </a:effectRef>
-          <a:fontRef idx="minor">
-            <a:schemeClr val="dk1"/>
-          </a:fontRef>
-        </p:style>
-        <p:txBody>
-          <a:bodyPr rtlCol="0" anchor="b"/>
-          <a:lstStyle/>
-          <a:p>
-            <a:pPr algn="ctr"/>
-            <a:r>
-              <a:rPr lang="en-US" smtClean="0"/>
-              <a:t>ELT 4.0</a:t>
-            </a:r>
-            <a:endParaRPr lang="en-US" dirty="0"/>
-          </a:p>
-        </p:txBody>
-      </p:sp>
-      <p:sp>
-        <p:nvSpPr>
-          <p:cNvPr id="2" name="Title 1"/>
-          <p:cNvSpPr>
-            <a:spLocks noGrp="1"/>
-          </p:cNvSpPr>
-          <p:nvPr>
-            <p:ph type="title"/>
-          </p:nvPr>
-        </p:nvSpPr>
-        <p:spPr>
-          <a:xfrm>
-            <a:off x="457200" y="73726"/>
-            <a:ext cx="8229600" cy="1143000"/>
-          </a:xfrm>
-        </p:spPr>
-        <p:txBody>
-          <a:bodyPr/>
-          <a:lstStyle/>
-          <a:p>
-            <a:r>
-              <a:rPr lang="en-US" dirty="0" smtClean="0"/>
-              <a:t>Modular Norm Model</a:t>
-            </a:r>
-            <a:endParaRPr lang="en-US" dirty="0"/>
-          </a:p>
-        </p:txBody>
-      </p:sp>
-      <p:sp>
-        <p:nvSpPr>
-          <p:cNvPr id="3" name="Slide Number Placeholder 2"/>
-          <p:cNvSpPr>
-            <a:spLocks noGrp="1"/>
-          </p:cNvSpPr>
-          <p:nvPr>
-            <p:ph type="sldNum" sz="quarter" idx="12"/>
-          </p:nvPr>
-        </p:nvSpPr>
-        <p:spPr/>
-        <p:txBody>
-          <a:bodyPr/>
-          <a:lstStyle/>
-          <a:p>
-            <a:fld id="{AA6A4578-B0B2-2649-A7D7-8F6F87258344}" type="slidenum">
-              <a:rPr lang="en-US" smtClean="0"/>
-              <a:t>9</a:t>
-            </a:fld>
-            <a:endParaRPr lang="en-US"/>
-          </a:p>
-        </p:txBody>
-      </p:sp>
-      <p:sp>
-        <p:nvSpPr>
-          <p:cNvPr id="17" name="Triangle 16"/>
-          <p:cNvSpPr/>
-          <p:nvPr/>
-        </p:nvSpPr>
-        <p:spPr>
-          <a:xfrm>
-            <a:off x="4581679" y="1872062"/>
-            <a:ext cx="1668321" cy="1438208"/>
-          </a:xfrm>
-          <a:prstGeom prst="triangle">
-            <a:avLst/>
-          </a:prstGeom>
-          <a:solidFill>
-            <a:schemeClr val="tx1"/>
+            <a:srgbClr val="FF0000"/>
           </a:solidFill>
         </p:spPr>
         <p:style>
           <a:lnRef idx="2">
-            <a:schemeClr val="dk1"/>
+            <a:schemeClr val="accent1">
+              <a:shade val="50000"/>
+            </a:schemeClr>
           </a:lnRef>
           <a:fillRef idx="1">
-            <a:schemeClr val="lt1"/>
+            <a:schemeClr val="accent1"/>
           </a:fillRef>
           <a:effectRef idx="0">
-            <a:schemeClr val="dk1"/>
+            <a:schemeClr val="accent1"/>
           </a:effectRef>
           <a:fontRef idx="minor">
-            <a:schemeClr val="dk1"/>
+            <a:schemeClr val="lt1"/>
           </a:fontRef>
         </p:style>
         <p:txBody>
@@ -13596,390 +11316,42 @@
           <a:lstStyle/>
           <a:p>
             <a:pPr algn="ctr"/>
-            <a:r>
-              <a:rPr lang="en-US" dirty="0" smtClean="0">
-                <a:solidFill>
-                  <a:schemeClr val="bg1"/>
-                </a:solidFill>
-              </a:rPr>
-              <a:t>Duty</a:t>
-            </a:r>
-            <a:endParaRPr lang="en-US" dirty="0">
-              <a:solidFill>
-                <a:schemeClr val="bg1"/>
-              </a:solidFill>
-            </a:endParaRPr>
-          </a:p>
-        </p:txBody>
-      </p:sp>
-      <p:cxnSp>
-        <p:nvCxnSpPr>
-          <p:cNvPr id="18" name="Straight Arrow Connector 17"/>
-          <p:cNvCxnSpPr/>
-          <p:nvPr/>
-        </p:nvCxnSpPr>
-        <p:spPr>
-          <a:xfrm flipV="1">
-            <a:off x="2894546" y="2793430"/>
-            <a:ext cx="1983347" cy="1"/>
-          </a:xfrm>
-          <a:prstGeom prst="straightConnector1">
-            <a:avLst/>
-          </a:prstGeom>
-          <a:ln>
-            <a:tailEnd type="arrow" w="lg" len="lg"/>
-          </a:ln>
-        </p:spPr>
-        <p:style>
-          <a:lnRef idx="2">
-            <a:schemeClr val="dk1"/>
-          </a:lnRef>
-          <a:fillRef idx="1">
-            <a:schemeClr val="lt1"/>
-          </a:fillRef>
-          <a:effectRef idx="0">
-            <a:schemeClr val="dk1"/>
-          </a:effectRef>
-          <a:fontRef idx="minor">
-            <a:schemeClr val="dk1"/>
-          </a:fontRef>
-        </p:style>
-      </p:cxnSp>
-      <p:cxnSp>
-        <p:nvCxnSpPr>
-          <p:cNvPr id="19" name="Straight Arrow Connector 18"/>
-          <p:cNvCxnSpPr>
-            <a:endCxn id="22" idx="3"/>
-          </p:cNvCxnSpPr>
-          <p:nvPr/>
-        </p:nvCxnSpPr>
-        <p:spPr>
-          <a:xfrm flipV="1">
-            <a:off x="5415839" y="3310270"/>
-            <a:ext cx="1" cy="921368"/>
-          </a:xfrm>
-          <a:prstGeom prst="straightConnector1">
-            <a:avLst/>
-          </a:prstGeom>
-          <a:ln>
-            <a:tailEnd type="arrow" w="lg" len="lg"/>
-          </a:ln>
-        </p:spPr>
-        <p:style>
-          <a:lnRef idx="2">
-            <a:schemeClr val="dk1"/>
-          </a:lnRef>
-          <a:fillRef idx="1">
-            <a:schemeClr val="lt1"/>
-          </a:fillRef>
-          <a:effectRef idx="0">
-            <a:schemeClr val="dk1"/>
-          </a:effectRef>
-          <a:fontRef idx="minor">
-            <a:schemeClr val="dk1"/>
-          </a:fontRef>
-        </p:style>
-      </p:cxnSp>
-      <p:sp>
-        <p:nvSpPr>
-          <p:cNvPr id="21" name="TextBox 20"/>
-          <p:cNvSpPr txBox="1"/>
+            <a:endParaRPr lang="en-US"/>
+          </a:p>
+        </p:txBody>
+      </p:sp>
+      <p:sp>
+        <p:nvSpPr>
+          <p:cNvPr id="6" name="Rounded Rectangle 5"/>
+          <p:cNvSpPr/>
           <p:nvPr/>
         </p:nvSpPr>
         <p:spPr>
           <a:xfrm>
-            <a:off x="5403806" y="3512534"/>
-            <a:ext cx="846194" cy="338554"/>
+            <a:off x="1362208" y="4361046"/>
+            <a:ext cx="1230385" cy="406385"/>
           </a:xfrm>
-          <a:prstGeom prst="rect">
-            <a:avLst/>
-          </a:prstGeom>
-          <a:noFill/>
-          <a:ln>
-            <a:noFill/>
-          </a:ln>
-        </p:spPr>
-        <p:txBody>
-          <a:bodyPr wrap="none" rtlCol="0">
-            <a:spAutoFit/>
-          </a:bodyPr>
-          <a:lstStyle/>
-          <a:p>
-            <a:r>
-              <a:rPr lang="en-US" sz="1600" smtClean="0">
-                <a:solidFill>
-                  <a:schemeClr val="bg1"/>
-                </a:solidFill>
-              </a:rPr>
-              <a:t>satisfies</a:t>
-            </a:r>
-            <a:endParaRPr lang="en-US" sz="1600" dirty="0">
-              <a:solidFill>
-                <a:schemeClr val="bg1"/>
-              </a:solidFill>
-            </a:endParaRPr>
-          </a:p>
-        </p:txBody>
-      </p:sp>
-      <p:sp>
-        <p:nvSpPr>
-          <p:cNvPr id="22" name="TextBox 21"/>
-          <p:cNvSpPr txBox="1"/>
-          <p:nvPr/>
-        </p:nvSpPr>
-        <p:spPr>
-          <a:xfrm>
-            <a:off x="6593324" y="1672034"/>
-            <a:ext cx="2093476" cy="1569660"/>
-          </a:xfrm>
-          <a:prstGeom prst="rect">
+          <a:prstGeom prst="roundRect">
             <a:avLst/>
           </a:prstGeom>
           <a:solidFill>
-            <a:srgbClr val="FFFF00"/>
-          </a:solidFill>
-        </p:spPr>
-        <p:txBody>
-          <a:bodyPr wrap="square" rtlCol="0">
-            <a:spAutoFit/>
-          </a:bodyPr>
-          <a:lstStyle/>
-          <a:p>
-            <a:pPr algn="r"/>
-            <a:r>
-              <a:rPr lang="en-US" sz="1600" dirty="0">
-                <a:solidFill>
-                  <a:schemeClr val="bg1"/>
-                </a:solidFill>
-              </a:rPr>
-              <a:t>You </a:t>
-            </a:r>
-            <a:r>
-              <a:rPr lang="en-US" sz="1600" b="1" dirty="0">
-                <a:solidFill>
-                  <a:schemeClr val="bg1"/>
-                </a:solidFill>
-              </a:rPr>
-              <a:t>must</a:t>
-            </a:r>
-            <a:r>
-              <a:rPr lang="en-US" sz="1600" dirty="0">
-                <a:solidFill>
-                  <a:schemeClr val="bg1"/>
-                </a:solidFill>
-              </a:rPr>
-              <a:t> retain, </a:t>
-            </a:r>
-            <a:br>
-              <a:rPr lang="en-US" sz="1600" dirty="0">
-                <a:solidFill>
-                  <a:schemeClr val="bg1"/>
-                </a:solidFill>
-              </a:rPr>
-            </a:br>
-            <a:r>
-              <a:rPr lang="en-US" sz="1600" dirty="0">
-                <a:solidFill>
-                  <a:schemeClr val="bg1"/>
-                </a:solidFill>
-              </a:rPr>
-              <a:t>in the Source form</a:t>
-            </a:r>
-            <a:r>
-              <a:rPr lang="mr-IN" sz="1600" dirty="0">
-                <a:solidFill>
-                  <a:schemeClr val="bg1"/>
-                </a:solidFill>
-              </a:rPr>
-              <a:t>…</a:t>
-            </a:r>
-            <a:endParaRPr lang="en-US" sz="1600" dirty="0">
-              <a:solidFill>
-                <a:schemeClr val="bg1"/>
-              </a:solidFill>
-            </a:endParaRPr>
-          </a:p>
-          <a:p>
-            <a:pPr algn="r"/>
-            <a:endParaRPr lang="en-US" sz="1600" dirty="0">
-              <a:solidFill>
-                <a:schemeClr val="bg1"/>
-              </a:solidFill>
-            </a:endParaRPr>
-          </a:p>
-          <a:p>
-            <a:pPr algn="r"/>
-            <a:r>
-              <a:rPr lang="en-US" sz="1600" dirty="0">
-                <a:solidFill>
-                  <a:schemeClr val="bg1"/>
-                </a:solidFill>
-              </a:rPr>
-              <a:t>Holder: User</a:t>
-            </a:r>
-          </a:p>
-          <a:p>
-            <a:pPr algn="r"/>
-            <a:r>
-              <a:rPr lang="en-US" sz="1600" dirty="0">
-                <a:solidFill>
-                  <a:schemeClr val="bg1"/>
-                </a:solidFill>
-              </a:rPr>
-              <a:t>Beneficiary: Copyright Holder</a:t>
-            </a:r>
-          </a:p>
-        </p:txBody>
-      </p:sp>
-      <p:cxnSp>
-        <p:nvCxnSpPr>
-          <p:cNvPr id="25" name="Straight Connector 24"/>
-          <p:cNvCxnSpPr>
-            <a:stCxn id="22" idx="5"/>
-          </p:cNvCxnSpPr>
-          <p:nvPr/>
-        </p:nvCxnSpPr>
-        <p:spPr>
-          <a:xfrm flipV="1">
-            <a:off x="5832920" y="2228241"/>
-            <a:ext cx="791838" cy="362925"/>
-          </a:xfrm>
-          <a:prstGeom prst="line">
-            <a:avLst/>
-          </a:prstGeom>
-          <a:ln w="19050">
-            <a:solidFill>
-              <a:srgbClr val="FFFF00"/>
-            </a:solidFill>
-          </a:ln>
-        </p:spPr>
-        <p:style>
-          <a:lnRef idx="1">
-            <a:schemeClr val="dk1"/>
-          </a:lnRef>
-          <a:fillRef idx="0">
-            <a:schemeClr val="dk1"/>
-          </a:fillRef>
-          <a:effectRef idx="0">
-            <a:schemeClr val="dk1"/>
-          </a:effectRef>
-          <a:fontRef idx="minor">
-            <a:schemeClr val="tx1"/>
-          </a:fontRef>
-        </p:style>
-      </p:cxnSp>
-      <p:sp>
-        <p:nvSpPr>
-          <p:cNvPr id="28" name="TextBox 27"/>
-          <p:cNvSpPr txBox="1"/>
-          <p:nvPr/>
-        </p:nvSpPr>
-        <p:spPr>
-          <a:xfrm>
-            <a:off x="3318295" y="2431908"/>
-            <a:ext cx="920060" cy="338554"/>
-          </a:xfrm>
-          <a:prstGeom prst="rect">
-            <a:avLst/>
-          </a:prstGeom>
-          <a:noFill/>
-          <a:ln>
-            <a:noFill/>
-          </a:ln>
-        </p:spPr>
-        <p:txBody>
-          <a:bodyPr wrap="none" rtlCol="0">
-            <a:spAutoFit/>
-          </a:bodyPr>
-          <a:lstStyle/>
-          <a:p>
-            <a:r>
-              <a:rPr lang="en-US" sz="1600" dirty="0" smtClean="0">
-                <a:solidFill>
-                  <a:schemeClr val="bg1"/>
-                </a:solidFill>
-              </a:rPr>
-              <a:t>activates</a:t>
-            </a:r>
-            <a:endParaRPr lang="en-US" sz="1600" dirty="0">
-              <a:solidFill>
-                <a:schemeClr val="bg1"/>
-              </a:solidFill>
-            </a:endParaRPr>
-          </a:p>
-        </p:txBody>
-      </p:sp>
-      <p:sp>
-        <p:nvSpPr>
-          <p:cNvPr id="29" name="TextBox 28"/>
-          <p:cNvSpPr txBox="1"/>
-          <p:nvPr/>
-        </p:nvSpPr>
-        <p:spPr>
-          <a:xfrm>
-            <a:off x="4859089" y="2863674"/>
-            <a:ext cx="1089434" cy="307777"/>
-          </a:xfrm>
-          <a:prstGeom prst="rect">
-            <a:avLst/>
-          </a:prstGeom>
-          <a:solidFill>
-            <a:schemeClr val="tx1"/>
-          </a:solidFill>
-        </p:spPr>
-        <p:txBody>
-          <a:bodyPr wrap="square" rtlCol="0">
-            <a:spAutoFit/>
-          </a:bodyPr>
-          <a:lstStyle/>
-          <a:p>
-            <a:pPr algn="ctr"/>
-            <a:r>
-              <a:rPr lang="en-US" sz="1400" dirty="0" smtClean="0">
-                <a:solidFill>
-                  <a:schemeClr val="bg1"/>
-                </a:solidFill>
-              </a:rPr>
-              <a:t>Duty | TOL</a:t>
-            </a:r>
-            <a:endParaRPr lang="en-US" sz="1400" dirty="0">
-              <a:solidFill>
-                <a:schemeClr val="bg1"/>
-              </a:solidFill>
-            </a:endParaRPr>
-          </a:p>
-        </p:txBody>
-      </p:sp>
-      <p:sp>
-        <p:nvSpPr>
-          <p:cNvPr id="30" name="Rectangle 29"/>
-          <p:cNvSpPr/>
-          <p:nvPr/>
-        </p:nvSpPr>
-        <p:spPr>
-          <a:xfrm>
-            <a:off x="1361812" y="2265233"/>
-            <a:ext cx="1532734" cy="1214258"/>
-          </a:xfrm>
-          <a:prstGeom prst="rect">
-            <a:avLst/>
-          </a:prstGeom>
-          <a:solidFill>
-            <a:schemeClr val="tx1"/>
+            <a:srgbClr val="FF0000"/>
           </a:solidFill>
         </p:spPr>
         <p:style>
           <a:lnRef idx="2">
-            <a:schemeClr val="dk1"/>
+            <a:schemeClr val="accent1">
+              <a:shade val="50000"/>
+            </a:schemeClr>
           </a:lnRef>
           <a:fillRef idx="1">
-            <a:schemeClr val="lt1"/>
+            <a:schemeClr val="accent1"/>
           </a:fillRef>
           <a:effectRef idx="0">
-            <a:schemeClr val="dk1"/>
+            <a:schemeClr val="accent1"/>
           </a:effectRef>
           <a:fontRef idx="minor">
-            <a:schemeClr val="dk1"/>
+            <a:schemeClr val="lt1"/>
           </a:fontRef>
         </p:style>
         <p:txBody>
@@ -13987,183 +11359,99 @@
           <a:lstStyle/>
           <a:p>
             <a:pPr algn="ctr"/>
-            <a:r>
-              <a:rPr lang="en-US" dirty="0" smtClean="0">
-                <a:solidFill>
-                  <a:schemeClr val="bg1"/>
-                </a:solidFill>
-              </a:rPr>
-              <a:t>[You intend to] Reproduce </a:t>
-            </a:r>
-            <a:r>
-              <a:rPr lang="en-US" dirty="0">
-                <a:solidFill>
-                  <a:schemeClr val="bg1"/>
-                </a:solidFill>
-              </a:rPr>
-              <a:t>and Distribute Copies</a:t>
-            </a:r>
-          </a:p>
-        </p:txBody>
-      </p:sp>
-      <p:sp>
-        <p:nvSpPr>
-          <p:cNvPr id="31" name="Rectangle 30"/>
-          <p:cNvSpPr/>
-          <p:nvPr/>
-        </p:nvSpPr>
-        <p:spPr>
-          <a:xfrm>
-            <a:off x="4121481" y="4231638"/>
-            <a:ext cx="2596754" cy="1214258"/>
-          </a:xfrm>
-          <a:prstGeom prst="rect">
-            <a:avLst/>
-          </a:prstGeom>
-          <a:solidFill>
-            <a:schemeClr val="tx1"/>
-          </a:solidFill>
-        </p:spPr>
-        <p:style>
-          <a:lnRef idx="2">
-            <a:schemeClr val="dk1"/>
-          </a:lnRef>
-          <a:fillRef idx="1">
-            <a:schemeClr val="lt1"/>
-          </a:fillRef>
-          <a:effectRef idx="0">
-            <a:schemeClr val="dk1"/>
-          </a:effectRef>
-          <a:fontRef idx="minor">
-            <a:schemeClr val="dk1"/>
-          </a:fontRef>
-        </p:style>
-        <p:txBody>
-          <a:bodyPr rtlCol="0" anchor="ctr"/>
-          <a:lstStyle/>
-          <a:p>
-            <a:pPr algn="ctr"/>
-            <a:r>
-              <a:rPr lang="en-US" dirty="0" smtClean="0">
-                <a:solidFill>
-                  <a:schemeClr val="bg1"/>
-                </a:solidFill>
-              </a:rPr>
-              <a:t>[You retained] in </a:t>
-            </a:r>
-            <a:r>
-              <a:rPr lang="en-US" dirty="0">
-                <a:solidFill>
-                  <a:schemeClr val="bg1"/>
-                </a:solidFill>
-              </a:rPr>
-              <a:t>Source form</a:t>
-            </a:r>
-            <a:r>
-              <a:rPr lang="is-IS" dirty="0">
-                <a:solidFill>
-                  <a:schemeClr val="bg1"/>
-                </a:solidFill>
-              </a:rPr>
-              <a:t>…</a:t>
-            </a:r>
-            <a:r>
-              <a:rPr lang="en-US" dirty="0">
-                <a:solidFill>
-                  <a:schemeClr val="bg1"/>
-                </a:solidFill>
-              </a:rPr>
-              <a:t> copyright, patent, trademark, and attribution notices </a:t>
-            </a:r>
-          </a:p>
-        </p:txBody>
-      </p:sp>
-      <p:pic>
-        <p:nvPicPr>
-          <p:cNvPr id="15" name="Picture 14"/>
-          <p:cNvPicPr>
-            <a:picLocks noChangeAspect="1"/>
-          </p:cNvPicPr>
-          <p:nvPr/>
-        </p:nvPicPr>
-        <p:blipFill>
-          <a:blip r:embed="rId3"/>
-          <a:stretch>
-            <a:fillRect/>
-          </a:stretch>
-        </p:blipFill>
-        <p:spPr>
-          <a:xfrm>
-            <a:off x="83371" y="238968"/>
-            <a:ext cx="1924077" cy="977758"/>
-          </a:xfrm>
-          <a:prstGeom prst="rect">
-            <a:avLst/>
-          </a:prstGeom>
-        </p:spPr>
-      </p:pic>
-      <p:pic>
-        <p:nvPicPr>
-          <p:cNvPr id="16" name="Picture 15"/>
-          <p:cNvPicPr>
-            <a:picLocks noChangeAspect="1"/>
-          </p:cNvPicPr>
-          <p:nvPr/>
-        </p:nvPicPr>
-        <p:blipFill>
-          <a:blip r:embed="rId4"/>
-          <a:stretch>
-            <a:fillRect/>
-          </a:stretch>
-        </p:blipFill>
-        <p:spPr>
-          <a:xfrm>
-            <a:off x="155585" y="6026918"/>
-            <a:ext cx="1779647" cy="750736"/>
-          </a:xfrm>
-          <a:prstGeom prst="rect">
-            <a:avLst/>
-          </a:prstGeom>
-        </p:spPr>
-      </p:pic>
-      <p:sp>
-        <p:nvSpPr>
-          <p:cNvPr id="20" name="TextBox 19"/>
-          <p:cNvSpPr txBox="1"/>
-          <p:nvPr/>
-        </p:nvSpPr>
-        <p:spPr>
-          <a:xfrm>
-            <a:off x="5826903" y="6173550"/>
-            <a:ext cx="2146293" cy="369332"/>
-          </a:xfrm>
-          <a:prstGeom prst="rect">
-            <a:avLst/>
-          </a:prstGeom>
-          <a:noFill/>
-        </p:spPr>
-        <p:txBody>
-          <a:bodyPr wrap="none" rtlCol="0">
-            <a:spAutoFit/>
+            <a:endParaRPr lang="en-US"/>
+          </a:p>
+        </p:txBody>
+      </p:sp>
+      <p:sp>
+        <p:nvSpPr>
+          <p:cNvPr id="2" name="Title 1"/>
+          <p:cNvSpPr>
+            <a:spLocks noGrp="1"/>
+          </p:cNvSpPr>
+          <p:nvPr>
+            <p:ph type="title"/>
+          </p:nvPr>
+        </p:nvSpPr>
+        <p:spPr/>
+        <p:txBody>
+          <a:bodyPr/>
+          <a:lstStyle/>
+          <a:p>
+            <a:r>
+              <a:rPr lang="en-US" dirty="0" smtClean="0"/>
+              <a:t>(yet another) Legal </a:t>
+            </a:r>
+            <a:r>
+              <a:rPr lang="en-US" dirty="0"/>
+              <a:t>Statement</a:t>
+            </a:r>
+          </a:p>
+        </p:txBody>
+      </p:sp>
+      <p:sp>
+        <p:nvSpPr>
+          <p:cNvPr id="4" name="Content Placeholder 4"/>
+          <p:cNvSpPr>
+            <a:spLocks noGrp="1"/>
+          </p:cNvSpPr>
+          <p:nvPr>
+            <p:ph idx="1"/>
+          </p:nvPr>
+        </p:nvSpPr>
+        <p:spPr/>
+        <p:txBody>
+          <a:bodyPr>
+            <a:normAutofit/>
           </a:bodyPr>
           <a:lstStyle/>
           <a:p>
-            <a:r>
-              <a:rPr lang="en-US" b="1" dirty="0" smtClean="0"/>
-              <a:t>Scenario: </a:t>
-            </a:r>
+            <a:pPr marL="0" lvl="1" indent="0">
+              <a:buNone/>
+            </a:pPr>
             <a:r>
               <a:rPr lang="en-US" dirty="0" smtClean="0"/>
-              <a:t>Compliant!</a:t>
-            </a:r>
-            <a:endParaRPr lang="en-US" dirty="0"/>
+              <a:t>Your Public License (</a:t>
+            </a:r>
+            <a:r>
+              <a:rPr lang="en-US" dirty="0"/>
+              <a:t>Y</a:t>
+            </a:r>
+            <a:r>
+              <a:rPr lang="en-US" dirty="0" smtClean="0"/>
+              <a:t>PL) </a:t>
+            </a:r>
+            <a:r>
+              <a:rPr lang="en-US" dirty="0"/>
+              <a:t>v1.0</a:t>
+            </a:r>
+          </a:p>
+          <a:p>
+            <a:pPr marL="514350" lvl="1" indent="-514350">
+              <a:buFont typeface="+mj-lt"/>
+              <a:buAutoNum type="arabicPeriod" startAt="4"/>
+            </a:pPr>
+            <a:r>
+              <a:rPr lang="en-US" dirty="0"/>
+              <a:t>You may reproduce and distribute copies of the Work or Derivative Works thereof in any medium, with or without modifications, and in Source or Object form, provided that You meet the following condition:</a:t>
+            </a:r>
+          </a:p>
+          <a:p>
+            <a:pPr marL="857250" lvl="2" indent="-457200">
+              <a:buFont typeface="+mj-lt"/>
+              <a:buAutoNum type="alphaLcPeriod"/>
+            </a:pPr>
+            <a:r>
+              <a:rPr lang="en-US" dirty="0"/>
+              <a:t>You must retain, in the Source form of any Derivative Works that You distribute, all copyright, patent, trademark, and attribution notices from the Source form of the Work</a:t>
+            </a:r>
           </a:p>
         </p:txBody>
       </p:sp>
     </p:spTree>
     <p:extLst>
       <p:ext uri="{BB962C8B-B14F-4D97-AF65-F5344CB8AC3E}">
-        <p14:creationId xmlns:p14="http://schemas.microsoft.com/office/powerpoint/2010/main" val="1148932834"/>
+        <p14:creationId xmlns:p14="http://schemas.microsoft.com/office/powerpoint/2010/main" val="734941503"/>
       </p:ext>
     </p:extLst>
   </p:cSld>
@@ -14191,51 +11479,27 @@
                             </p:stCondLst>
                             <p:childTnLst>
                               <p:par>
-                                <p:cTn id="5" presetID="1" presetClass="emph" presetSubtype="2" fill="hold" nodeType="clickEffect">
+                                <p:cTn id="5" presetID="1" presetClass="entr" presetSubtype="0" fill="hold" grpId="0" nodeType="clickEffect">
                                   <p:stCondLst>
                                     <p:cond delay="0"/>
                                   </p:stCondLst>
                                   <p:childTnLst>
-                                    <p:animClr clrSpc="rgb" dir="cw">
+                                    <p:set>
                                       <p:cBhvr>
-                                        <p:cTn id="6" dur="500" fill="hold"/>
+                                        <p:cTn id="6" dur="1" fill="hold">
+                                          <p:stCondLst>
+                                            <p:cond delay="0"/>
+                                          </p:stCondLst>
+                                        </p:cTn>
                                         <p:tgtEl>
-                                          <p:spTgt spid="30"/>
+                                          <p:spTgt spid="5"/>
                                         </p:tgtEl>
                                         <p:attrNameLst>
-                                          <p:attrName>fillcolor</p:attrName>
+                                          <p:attrName>style.visibility</p:attrName>
                                         </p:attrNameLst>
                                       </p:cBhvr>
                                       <p:to>
-                                        <a:srgbClr val="D8420F"/>
-                                      </p:to>
-                                    </p:animClr>
-                                    <p:set>
-                                      <p:cBhvr>
-                                        <p:cTn id="7" dur="500" fill="hold"/>
-                                        <p:tgtEl>
-                                          <p:spTgt spid="30"/>
-                                        </p:tgtEl>
-                                        <p:attrNameLst>
-                                          <p:attrName>fill.type</p:attrName>
-                                        </p:attrNameLst>
-                                      </p:cBhvr>
-                                      <p:to>
-                                        <p:strVal val="solid"/>
-                                      </p:to>
-                                    </p:set>
-                                    <p:set>
-                                      <p:cBhvr>
-                                        <p:cTn id="8" dur="500" fill="hold"/>
-                                        <p:tgtEl>
-                                          <p:spTgt spid="30"/>
-                                        </p:tgtEl>
-                                        <p:attrNameLst>
-                                          <p:attrName>fill.on</p:attrName>
-                                        </p:attrNameLst>
-                                      </p:cBhvr>
-                                      <p:to>
-                                        <p:strVal val="true"/>
+                                        <p:strVal val="visible"/>
                                       </p:to>
                                     </p:set>
                                   </p:childTnLst>
@@ -14248,233 +11512,32 @@
                     </p:cTn>
                   </p:par>
                   <p:par>
-                    <p:cTn id="9" fill="hold">
+                    <p:cTn id="7" fill="hold">
                       <p:stCondLst>
                         <p:cond delay="indefinite"/>
                       </p:stCondLst>
                       <p:childTnLst>
                         <p:par>
-                          <p:cTn id="10" fill="hold">
+                          <p:cTn id="8" fill="hold">
                             <p:stCondLst>
                               <p:cond delay="0"/>
                             </p:stCondLst>
                             <p:childTnLst>
                               <p:par>
-                                <p:cTn id="11" presetID="1" presetClass="emph" presetSubtype="2" fill="hold" nodeType="clickEffect">
-                                  <p:stCondLst>
-                                    <p:cond delay="0"/>
-                                  </p:stCondLst>
-                                  <p:childTnLst>
-                                    <p:animClr clrSpc="rgb" dir="cw">
-                                      <p:cBhvr>
-                                        <p:cTn id="12" dur="500" fill="hold"/>
-                                        <p:tgtEl>
-                                          <p:spTgt spid="31"/>
-                                        </p:tgtEl>
-                                        <p:attrNameLst>
-                                          <p:attrName>fillcolor</p:attrName>
-                                        </p:attrNameLst>
-                                      </p:cBhvr>
-                                      <p:to>
-                                        <a:srgbClr val="D8420F"/>
-                                      </p:to>
-                                    </p:animClr>
-                                    <p:set>
-                                      <p:cBhvr>
-                                        <p:cTn id="13" dur="500" fill="hold"/>
-                                        <p:tgtEl>
-                                          <p:spTgt spid="31"/>
-                                        </p:tgtEl>
-                                        <p:attrNameLst>
-                                          <p:attrName>fill.type</p:attrName>
-                                        </p:attrNameLst>
-                                      </p:cBhvr>
-                                      <p:to>
-                                        <p:strVal val="solid"/>
-                                      </p:to>
-                                    </p:set>
-                                    <p:set>
-                                      <p:cBhvr>
-                                        <p:cTn id="14" dur="500" fill="hold"/>
-                                        <p:tgtEl>
-                                          <p:spTgt spid="31"/>
-                                        </p:tgtEl>
-                                        <p:attrNameLst>
-                                          <p:attrName>fill.on</p:attrName>
-                                        </p:attrNameLst>
-                                      </p:cBhvr>
-                                      <p:to>
-                                        <p:strVal val="true"/>
-                                      </p:to>
-                                    </p:set>
-                                  </p:childTnLst>
-                                </p:cTn>
-                              </p:par>
-                            </p:childTnLst>
-                          </p:cTn>
-                        </p:par>
-                      </p:childTnLst>
-                    </p:cTn>
-                  </p:par>
-                  <p:par>
-                    <p:cTn id="15" fill="hold">
-                      <p:stCondLst>
-                        <p:cond delay="indefinite"/>
-                      </p:stCondLst>
-                      <p:childTnLst>
-                        <p:par>
-                          <p:cTn id="16" fill="hold">
-                            <p:stCondLst>
-                              <p:cond delay="0"/>
-                            </p:stCondLst>
-                            <p:childTnLst>
-                              <p:par>
-                                <p:cTn id="17" presetID="1" presetClass="entr" presetSubtype="0" fill="hold" grpId="1" nodeType="clickEffect">
+                                <p:cTn id="9" presetID="1" presetClass="entr" presetSubtype="0" fill="hold" grpId="0" nodeType="clickEffect">
                                   <p:stCondLst>
                                     <p:cond delay="0"/>
                                   </p:stCondLst>
                                   <p:childTnLst>
                                     <p:set>
                                       <p:cBhvr>
-                                        <p:cTn id="18" dur="1" fill="hold">
+                                        <p:cTn id="10" dur="1" fill="hold">
                                           <p:stCondLst>
                                             <p:cond delay="0"/>
                                           </p:stCondLst>
                                         </p:cTn>
                                         <p:tgtEl>
-                                          <p:spTgt spid="29"/>
-                                        </p:tgtEl>
-                                        <p:attrNameLst>
-                                          <p:attrName>style.visibility</p:attrName>
-                                        </p:attrNameLst>
-                                      </p:cBhvr>
-                                      <p:to>
-                                        <p:strVal val="visible"/>
-                                      </p:to>
-                                    </p:set>
-                                  </p:childTnLst>
-                                </p:cTn>
-                              </p:par>
-                              <p:par>
-                                <p:cTn id="19" presetID="6" presetClass="emph" presetSubtype="0" repeatCount="2000" autoRev="1" fill="hold" grpId="0" nodeType="withEffect">
-                                  <p:stCondLst>
-                                    <p:cond delay="0"/>
-                                  </p:stCondLst>
-                                  <p:childTnLst>
-                                    <p:animScale>
-                                      <p:cBhvr>
-                                        <p:cTn id="20" dur="500" fill="hold"/>
-                                        <p:tgtEl>
-                                          <p:spTgt spid="29"/>
-                                        </p:tgtEl>
-                                      </p:cBhvr>
-                                      <p:by x="150000" y="150000"/>
-                                    </p:animScale>
-                                  </p:childTnLst>
-                                </p:cTn>
-                              </p:par>
-                            </p:childTnLst>
-                          </p:cTn>
-                        </p:par>
-                      </p:childTnLst>
-                    </p:cTn>
-                  </p:par>
-                  <p:par>
-                    <p:cTn id="21" fill="hold">
-                      <p:stCondLst>
-                        <p:cond delay="indefinite"/>
-                      </p:stCondLst>
-                      <p:childTnLst>
-                        <p:par>
-                          <p:cTn id="22" fill="hold">
-                            <p:stCondLst>
-                              <p:cond delay="0"/>
-                            </p:stCondLst>
-                            <p:childTnLst>
-                              <p:par>
-                                <p:cTn id="23" presetID="1" presetClass="emph" presetSubtype="2" fill="hold" nodeType="clickEffect">
-                                  <p:stCondLst>
-                                    <p:cond delay="0"/>
-                                  </p:stCondLst>
-                                  <p:childTnLst>
-                                    <p:animClr clrSpc="rgb" dir="cw">
-                                      <p:cBhvr>
-                                        <p:cTn id="24" dur="500" fill="hold"/>
-                                        <p:tgtEl>
-                                          <p:spTgt spid="32"/>
-                                        </p:tgtEl>
-                                        <p:attrNameLst>
-                                          <p:attrName>fillcolor</p:attrName>
-                                        </p:attrNameLst>
-                                      </p:cBhvr>
-                                      <p:to>
-                                        <a:srgbClr val="91D050"/>
-                                      </p:to>
-                                    </p:animClr>
-                                    <p:set>
-                                      <p:cBhvr>
-                                        <p:cTn id="25" dur="500" fill="hold"/>
-                                        <p:tgtEl>
-                                          <p:spTgt spid="32"/>
-                                        </p:tgtEl>
-                                        <p:attrNameLst>
-                                          <p:attrName>fill.type</p:attrName>
-                                        </p:attrNameLst>
-                                      </p:cBhvr>
-                                      <p:to>
-                                        <p:strVal val="solid"/>
-                                      </p:to>
-                                    </p:set>
-                                    <p:set>
-                                      <p:cBhvr>
-                                        <p:cTn id="26" dur="500" fill="hold"/>
-                                        <p:tgtEl>
-                                          <p:spTgt spid="32"/>
-                                        </p:tgtEl>
-                                        <p:attrNameLst>
-                                          <p:attrName>fill.on</p:attrName>
-                                        </p:attrNameLst>
-                                      </p:cBhvr>
-                                      <p:to>
-                                        <p:strVal val="true"/>
-                                      </p:to>
-                                    </p:set>
-                                  </p:childTnLst>
-                                </p:cTn>
-                              </p:par>
-                            </p:childTnLst>
-                          </p:cTn>
-                        </p:par>
-                      </p:childTnLst>
-                    </p:cTn>
-                  </p:par>
-                  <p:par>
-                    <p:cTn id="27" fill="hold">
-                      <p:stCondLst>
-                        <p:cond delay="indefinite"/>
-                      </p:stCondLst>
-                      <p:childTnLst>
-                        <p:par>
-                          <p:cTn id="28" fill="hold">
-                            <p:stCondLst>
-                              <p:cond delay="0"/>
-                            </p:stCondLst>
-                            <p:childTnLst>
-                              <p:par>
-                                <p:cTn id="29" presetID="1" presetClass="entr" presetSubtype="0" fill="hold" grpId="0" nodeType="clickEffect">
-                                  <p:stCondLst>
-                                    <p:cond delay="0"/>
-                                  </p:stCondLst>
-                                  <p:childTnLst>
-                                    <p:set>
-                                      <p:cBhvr>
-                                        <p:cTn id="30" dur="1" fill="hold">
-                                          <p:stCondLst>
-                                            <p:cond delay="0"/>
-                                          </p:stCondLst>
-                                        </p:cTn>
-                                        <p:tgtEl>
-                                          <p:spTgt spid="20"/>
+                                          <p:spTgt spid="6"/>
                                         </p:tgtEl>
                                         <p:attrNameLst>
                                           <p:attrName>style.visibility</p:attrName>
@@ -14515,9 +11578,8 @@
       </p:par>
     </p:tnLst>
     <p:bldLst>
-      <p:bldP spid="29" grpId="0" animBg="1"/>
-      <p:bldP spid="29" grpId="1" animBg="1"/>
-      <p:bldP spid="20" grpId="0"/>
+      <p:bldP spid="5" grpId="0" animBg="1"/>
+      <p:bldP spid="6" grpId="0" animBg="1"/>
     </p:bldLst>
   </p:timing>
 </p:sld>
